--- a/class_description.pptx
+++ b/class_description.pptx
@@ -4,6 +4,9 @@
   <p:sldMasterIdLst>
     <p:sldMasterId id="2147483648" r:id="rId1"/>
   </p:sldMasterIdLst>
+  <p:notesMasterIdLst>
+    <p:notesMasterId r:id="rId4"/>
+  </p:notesMasterIdLst>
   <p:sldIdLst>
     <p:sldId id="256" r:id="rId2"/>
     <p:sldId id="257" r:id="rId3"/>
@@ -113,6 +116,471 @@
 </p:presentation>
 </file>
 
+<file path=ppt/revisionInfo.xml><?xml version="1.0" encoding="utf-8"?>
+<p1510:revInfo xmlns:a="http://schemas.openxmlformats.org/drawingml/2006/main" xmlns:r="http://schemas.openxmlformats.org/officeDocument/2006/relationships" xmlns:p1510="http://schemas.microsoft.com/office/powerpoint/2015/10/main">
+  <p1510:revLst>
+    <p1510:client id="{FE53764C-25C2-47D6-B9A5-72366C6419F2}" v="2" dt="2021-11-01T02:50:36.417"/>
+  </p1510:revLst>
+</p1510:revInfo>
+</file>
+
+<file path=ppt/changesInfos/changesInfo1.xml><?xml version="1.0" encoding="utf-8"?>
+<pc:chgInfo xmlns:a="http://schemas.openxmlformats.org/drawingml/2006/main" xmlns:r="http://schemas.openxmlformats.org/officeDocument/2006/relationships" xmlns:ac="http://schemas.microsoft.com/office/drawing/2013/main/command" xmlns:pc="http://schemas.microsoft.com/office/powerpoint/2013/main/command">
+  <pc:docChgLst>
+    <pc:chgData name="カサイ　マツリ" userId="60653a23-19c3-4ab6-86e6-a97f61620598" providerId="ADAL" clId="{FE53764C-25C2-47D6-B9A5-72366C6419F2}"/>
+    <pc:docChg chg="undo custSel addSld delSld modSld">
+      <pc:chgData name="カサイ　マツリ" userId="60653a23-19c3-4ab6-86e6-a97f61620598" providerId="ADAL" clId="{FE53764C-25C2-47D6-B9A5-72366C6419F2}" dt="2021-11-01T02:50:36.405" v="15"/>
+      <pc:docMkLst>
+        <pc:docMk/>
+      </pc:docMkLst>
+      <pc:sldChg chg="new del">
+        <pc:chgData name="カサイ　マツリ" userId="60653a23-19c3-4ab6-86e6-a97f61620598" providerId="ADAL" clId="{FE53764C-25C2-47D6-B9A5-72366C6419F2}" dt="2021-11-01T02:49:53.132" v="1" actId="47"/>
+        <pc:sldMkLst>
+          <pc:docMk/>
+          <pc:sldMk cId="3536389721" sldId="258"/>
+        </pc:sldMkLst>
+      </pc:sldChg>
+      <pc:sldChg chg="addSp delSp modSp add del mod">
+        <pc:chgData name="カサイ　マツリ" userId="60653a23-19c3-4ab6-86e6-a97f61620598" providerId="ADAL" clId="{FE53764C-25C2-47D6-B9A5-72366C6419F2}" dt="2021-11-01T02:50:36.405" v="15"/>
+        <pc:sldMkLst>
+          <pc:docMk/>
+          <pc:sldMk cId="1800607039" sldId="296"/>
+        </pc:sldMkLst>
+        <pc:spChg chg="mod">
+          <ac:chgData name="カサイ　マツリ" userId="60653a23-19c3-4ab6-86e6-a97f61620598" providerId="ADAL" clId="{FE53764C-25C2-47D6-B9A5-72366C6419F2}" dt="2021-11-01T02:50:36.043" v="14" actId="1076"/>
+          <ac:spMkLst>
+            <pc:docMk/>
+            <pc:sldMk cId="1800607039" sldId="296"/>
+            <ac:spMk id="2" creationId="{00000000-0000-0000-0000-000000000000}"/>
+          </ac:spMkLst>
+        </pc:spChg>
+        <pc:spChg chg="add del">
+          <ac:chgData name="カサイ　マツリ" userId="60653a23-19c3-4ab6-86e6-a97f61620598" providerId="ADAL" clId="{FE53764C-25C2-47D6-B9A5-72366C6419F2}" dt="2021-11-01T02:50:35.720" v="13" actId="478"/>
+          <ac:spMkLst>
+            <pc:docMk/>
+            <pc:sldMk cId="1800607039" sldId="296"/>
+            <ac:spMk id="4" creationId="{00000000-0000-0000-0000-000000000000}"/>
+          </ac:spMkLst>
+        </pc:spChg>
+        <pc:spChg chg="add del">
+          <ac:chgData name="カサイ　マツリ" userId="60653a23-19c3-4ab6-86e6-a97f61620598" providerId="ADAL" clId="{FE53764C-25C2-47D6-B9A5-72366C6419F2}" dt="2021-11-01T02:50:35.350" v="12" actId="478"/>
+          <ac:spMkLst>
+            <pc:docMk/>
+            <pc:sldMk cId="1800607039" sldId="296"/>
+            <ac:spMk id="5" creationId="{00000000-0000-0000-0000-000000000000}"/>
+          </ac:spMkLst>
+        </pc:spChg>
+        <pc:spChg chg="add del">
+          <ac:chgData name="カサイ　マツリ" userId="60653a23-19c3-4ab6-86e6-a97f61620598" providerId="ADAL" clId="{FE53764C-25C2-47D6-B9A5-72366C6419F2}" dt="2021-11-01T02:50:35.030" v="11" actId="478"/>
+          <ac:spMkLst>
+            <pc:docMk/>
+            <pc:sldMk cId="1800607039" sldId="296"/>
+            <ac:spMk id="6" creationId="{00000000-0000-0000-0000-000000000000}"/>
+          </ac:spMkLst>
+        </pc:spChg>
+        <pc:spChg chg="mod">
+          <ac:chgData name="カサイ　マツリ" userId="60653a23-19c3-4ab6-86e6-a97f61620598" providerId="ADAL" clId="{FE53764C-25C2-47D6-B9A5-72366C6419F2}" dt="2021-11-01T02:50:05.266" v="4" actId="1076"/>
+          <ac:spMkLst>
+            <pc:docMk/>
+            <pc:sldMk cId="1800607039" sldId="296"/>
+            <ac:spMk id="9" creationId="{02E16A5A-BEA9-4C3C-ADAE-CEF742DA8DC2}"/>
+          </ac:spMkLst>
+        </pc:spChg>
+        <pc:graphicFrameChg chg="mod">
+          <ac:chgData name="カサイ　マツリ" userId="60653a23-19c3-4ab6-86e6-a97f61620598" providerId="ADAL" clId="{FE53764C-25C2-47D6-B9A5-72366C6419F2}" dt="2021-11-01T02:50:34.706" v="10" actId="1076"/>
+          <ac:graphicFrameMkLst>
+            <pc:docMk/>
+            <pc:sldMk cId="1800607039" sldId="296"/>
+            <ac:graphicFrameMk id="8" creationId="{F5FA88E9-24A5-4164-9540-950565F7FD58}"/>
+          </ac:graphicFrameMkLst>
+        </pc:graphicFrameChg>
+      </pc:sldChg>
+    </pc:docChg>
+  </pc:docChgLst>
+</pc:chgInfo>
+</file>
+
+<file path=ppt/notesMasters/notesMaster1.xml><?xml version="1.0" encoding="utf-8"?>
+<p:notesMaster xmlns:a="http://schemas.openxmlformats.org/drawingml/2006/main" xmlns:r="http://schemas.openxmlformats.org/officeDocument/2006/relationships" xmlns:p="http://schemas.openxmlformats.org/presentationml/2006/main">
+  <p:cSld>
+    <p:bg>
+      <p:bgRef idx="1001">
+        <a:schemeClr val="bg1"/>
+      </p:bgRef>
+    </p:bg>
+    <p:spTree>
+      <p:nvGrpSpPr>
+        <p:cNvPr id="1" name=""/>
+        <p:cNvGrpSpPr/>
+        <p:nvPr/>
+      </p:nvGrpSpPr>
+      <p:grpSpPr>
+        <a:xfrm>
+          <a:off x="0" y="0"/>
+          <a:ext cx="0" cy="0"/>
+          <a:chOff x="0" y="0"/>
+          <a:chExt cx="0" cy="0"/>
+        </a:xfrm>
+      </p:grpSpPr>
+      <p:sp>
+        <p:nvSpPr>
+          <p:cNvPr id="2" name="ヘッダー プレースホルダー 1"/>
+          <p:cNvSpPr>
+            <a:spLocks noGrp="1"/>
+          </p:cNvSpPr>
+          <p:nvPr>
+            <p:ph type="hdr" sz="quarter"/>
+          </p:nvPr>
+        </p:nvSpPr>
+        <p:spPr>
+          <a:xfrm>
+            <a:off x="0" y="0"/>
+            <a:ext cx="2971800" cy="458788"/>
+          </a:xfrm>
+          <a:prstGeom prst="rect">
+            <a:avLst/>
+          </a:prstGeom>
+        </p:spPr>
+        <p:txBody>
+          <a:bodyPr vert="horz" lIns="91440" tIns="45720" rIns="91440" bIns="45720" rtlCol="0"/>
+          <a:lstStyle>
+            <a:lvl1pPr algn="l">
+              <a:defRPr sz="1200"/>
+            </a:lvl1pPr>
+          </a:lstStyle>
+          <a:p>
+            <a:endParaRPr kumimoji="1" lang="ja-JP" altLang="en-US"/>
+          </a:p>
+        </p:txBody>
+      </p:sp>
+      <p:sp>
+        <p:nvSpPr>
+          <p:cNvPr id="3" name="日付プレースホルダー 2"/>
+          <p:cNvSpPr>
+            <a:spLocks noGrp="1"/>
+          </p:cNvSpPr>
+          <p:nvPr>
+            <p:ph type="dt" idx="1"/>
+          </p:nvPr>
+        </p:nvSpPr>
+        <p:spPr>
+          <a:xfrm>
+            <a:off x="3884613" y="0"/>
+            <a:ext cx="2971800" cy="458788"/>
+          </a:xfrm>
+          <a:prstGeom prst="rect">
+            <a:avLst/>
+          </a:prstGeom>
+        </p:spPr>
+        <p:txBody>
+          <a:bodyPr vert="horz" lIns="91440" tIns="45720" rIns="91440" bIns="45720" rtlCol="0"/>
+          <a:lstStyle>
+            <a:lvl1pPr algn="r">
+              <a:defRPr sz="1200"/>
+            </a:lvl1pPr>
+          </a:lstStyle>
+          <a:p>
+            <a:fld id="{21C441E3-F176-4282-81A4-9FA5E747A355}" type="datetimeFigureOut">
+              <a:rPr kumimoji="1" lang="ja-JP" altLang="en-US" smtClean="0"/>
+              <a:t>2021/11/1</a:t>
+            </a:fld>
+            <a:endParaRPr kumimoji="1" lang="ja-JP" altLang="en-US"/>
+          </a:p>
+        </p:txBody>
+      </p:sp>
+      <p:sp>
+        <p:nvSpPr>
+          <p:cNvPr id="4" name="スライド イメージ プレースホルダー 3"/>
+          <p:cNvSpPr>
+            <a:spLocks noGrp="1" noRot="1" noChangeAspect="1"/>
+          </p:cNvSpPr>
+          <p:nvPr>
+            <p:ph type="sldImg" idx="2"/>
+          </p:nvPr>
+        </p:nvSpPr>
+        <p:spPr>
+          <a:xfrm>
+            <a:off x="685800" y="1143000"/>
+            <a:ext cx="5486400" cy="3086100"/>
+          </a:xfrm>
+          <a:prstGeom prst="rect">
+            <a:avLst/>
+          </a:prstGeom>
+          <a:noFill/>
+          <a:ln w="12700">
+            <a:solidFill>
+              <a:prstClr val="black"/>
+            </a:solidFill>
+          </a:ln>
+        </p:spPr>
+        <p:txBody>
+          <a:bodyPr vert="horz" lIns="91440" tIns="45720" rIns="91440" bIns="45720" rtlCol="0" anchor="ctr"/>
+          <a:lstStyle/>
+          <a:p>
+            <a:endParaRPr lang="ja-JP" altLang="en-US"/>
+          </a:p>
+        </p:txBody>
+      </p:sp>
+      <p:sp>
+        <p:nvSpPr>
+          <p:cNvPr id="5" name="ノート プレースホルダー 4"/>
+          <p:cNvSpPr>
+            <a:spLocks noGrp="1"/>
+          </p:cNvSpPr>
+          <p:nvPr>
+            <p:ph type="body" sz="quarter" idx="3"/>
+          </p:nvPr>
+        </p:nvSpPr>
+        <p:spPr>
+          <a:xfrm>
+            <a:off x="685800" y="4400550"/>
+            <a:ext cx="5486400" cy="3600450"/>
+          </a:xfrm>
+          <a:prstGeom prst="rect">
+            <a:avLst/>
+          </a:prstGeom>
+        </p:spPr>
+        <p:txBody>
+          <a:bodyPr vert="horz" lIns="91440" tIns="45720" rIns="91440" bIns="45720" rtlCol="0"/>
+          <a:lstStyle/>
+          <a:p>
+            <a:pPr lvl="0"/>
+            <a:r>
+              <a:rPr kumimoji="1" lang="ja-JP" altLang="en-US"/>
+              <a:t>マスター テキストの書式設定</a:t>
+            </a:r>
+          </a:p>
+          <a:p>
+            <a:pPr lvl="1"/>
+            <a:r>
+              <a:rPr kumimoji="1" lang="ja-JP" altLang="en-US"/>
+              <a:t>第 </a:t>
+            </a:r>
+            <a:r>
+              <a:rPr kumimoji="1" lang="en-US" altLang="ja-JP"/>
+              <a:t>2 </a:t>
+            </a:r>
+            <a:r>
+              <a:rPr kumimoji="1" lang="ja-JP" altLang="en-US"/>
+              <a:t>レベル</a:t>
+            </a:r>
+          </a:p>
+          <a:p>
+            <a:pPr lvl="2"/>
+            <a:r>
+              <a:rPr kumimoji="1" lang="ja-JP" altLang="en-US"/>
+              <a:t>第 </a:t>
+            </a:r>
+            <a:r>
+              <a:rPr kumimoji="1" lang="en-US" altLang="ja-JP"/>
+              <a:t>3 </a:t>
+            </a:r>
+            <a:r>
+              <a:rPr kumimoji="1" lang="ja-JP" altLang="en-US"/>
+              <a:t>レベル</a:t>
+            </a:r>
+          </a:p>
+          <a:p>
+            <a:pPr lvl="3"/>
+            <a:r>
+              <a:rPr kumimoji="1" lang="ja-JP" altLang="en-US"/>
+              <a:t>第 </a:t>
+            </a:r>
+            <a:r>
+              <a:rPr kumimoji="1" lang="en-US" altLang="ja-JP"/>
+              <a:t>4 </a:t>
+            </a:r>
+            <a:r>
+              <a:rPr kumimoji="1" lang="ja-JP" altLang="en-US"/>
+              <a:t>レベル</a:t>
+            </a:r>
+          </a:p>
+          <a:p>
+            <a:pPr lvl="4"/>
+            <a:r>
+              <a:rPr kumimoji="1" lang="ja-JP" altLang="en-US"/>
+              <a:t>第 </a:t>
+            </a:r>
+            <a:r>
+              <a:rPr kumimoji="1" lang="en-US" altLang="ja-JP"/>
+              <a:t>5 </a:t>
+            </a:r>
+            <a:r>
+              <a:rPr kumimoji="1" lang="ja-JP" altLang="en-US"/>
+              <a:t>レベル</a:t>
+            </a:r>
+          </a:p>
+        </p:txBody>
+      </p:sp>
+      <p:sp>
+        <p:nvSpPr>
+          <p:cNvPr id="6" name="フッター プレースホルダー 5"/>
+          <p:cNvSpPr>
+            <a:spLocks noGrp="1"/>
+          </p:cNvSpPr>
+          <p:nvPr>
+            <p:ph type="ftr" sz="quarter" idx="4"/>
+          </p:nvPr>
+        </p:nvSpPr>
+        <p:spPr>
+          <a:xfrm>
+            <a:off x="0" y="8685213"/>
+            <a:ext cx="2971800" cy="458787"/>
+          </a:xfrm>
+          <a:prstGeom prst="rect">
+            <a:avLst/>
+          </a:prstGeom>
+        </p:spPr>
+        <p:txBody>
+          <a:bodyPr vert="horz" lIns="91440" tIns="45720" rIns="91440" bIns="45720" rtlCol="0" anchor="b"/>
+          <a:lstStyle>
+            <a:lvl1pPr algn="l">
+              <a:defRPr sz="1200"/>
+            </a:lvl1pPr>
+          </a:lstStyle>
+          <a:p>
+            <a:endParaRPr kumimoji="1" lang="ja-JP" altLang="en-US"/>
+          </a:p>
+        </p:txBody>
+      </p:sp>
+      <p:sp>
+        <p:nvSpPr>
+          <p:cNvPr id="7" name="スライド番号プレースホルダー 6"/>
+          <p:cNvSpPr>
+            <a:spLocks noGrp="1"/>
+          </p:cNvSpPr>
+          <p:nvPr>
+            <p:ph type="sldNum" sz="quarter" idx="5"/>
+          </p:nvPr>
+        </p:nvSpPr>
+        <p:spPr>
+          <a:xfrm>
+            <a:off x="3884613" y="8685213"/>
+            <a:ext cx="2971800" cy="458787"/>
+          </a:xfrm>
+          <a:prstGeom prst="rect">
+            <a:avLst/>
+          </a:prstGeom>
+        </p:spPr>
+        <p:txBody>
+          <a:bodyPr vert="horz" lIns="91440" tIns="45720" rIns="91440" bIns="45720" rtlCol="0" anchor="b"/>
+          <a:lstStyle>
+            <a:lvl1pPr algn="r">
+              <a:defRPr sz="1200"/>
+            </a:lvl1pPr>
+          </a:lstStyle>
+          <a:p>
+            <a:fld id="{CFB8ABCF-85BB-42C3-943D-3760EAB32527}" type="slidenum">
+              <a:rPr kumimoji="1" lang="ja-JP" altLang="en-US" smtClean="0"/>
+              <a:t>‹#›</a:t>
+            </a:fld>
+            <a:endParaRPr kumimoji="1" lang="ja-JP" altLang="en-US"/>
+          </a:p>
+        </p:txBody>
+      </p:sp>
+    </p:spTree>
+    <p:extLst>
+      <p:ext uri="{BB962C8B-B14F-4D97-AF65-F5344CB8AC3E}">
+        <p14:creationId xmlns:p14="http://schemas.microsoft.com/office/powerpoint/2010/main" val="188883868"/>
+      </p:ext>
+    </p:extLst>
+  </p:cSld>
+  <p:clrMap bg1="lt1" tx1="dk1" bg2="lt2" tx2="dk2" accent1="accent1" accent2="accent2" accent3="accent3" accent4="accent4" accent5="accent5" accent6="accent6" hlink="hlink" folHlink="folHlink"/>
+  <p:notesStyle>
+    <a:lvl1pPr marL="0" algn="l" defTabSz="914400" rtl="0" eaLnBrk="1" latinLnBrk="0" hangingPunct="1">
+      <a:defRPr kumimoji="1" sz="1200" kern="1200">
+        <a:solidFill>
+          <a:schemeClr val="tx1"/>
+        </a:solidFill>
+        <a:latin typeface="+mn-lt"/>
+        <a:ea typeface="+mn-ea"/>
+        <a:cs typeface="+mn-cs"/>
+      </a:defRPr>
+    </a:lvl1pPr>
+    <a:lvl2pPr marL="457200" algn="l" defTabSz="914400" rtl="0" eaLnBrk="1" latinLnBrk="0" hangingPunct="1">
+      <a:defRPr kumimoji="1" sz="1200" kern="1200">
+        <a:solidFill>
+          <a:schemeClr val="tx1"/>
+        </a:solidFill>
+        <a:latin typeface="+mn-lt"/>
+        <a:ea typeface="+mn-ea"/>
+        <a:cs typeface="+mn-cs"/>
+      </a:defRPr>
+    </a:lvl2pPr>
+    <a:lvl3pPr marL="914400" algn="l" defTabSz="914400" rtl="0" eaLnBrk="1" latinLnBrk="0" hangingPunct="1">
+      <a:defRPr kumimoji="1" sz="1200" kern="1200">
+        <a:solidFill>
+          <a:schemeClr val="tx1"/>
+        </a:solidFill>
+        <a:latin typeface="+mn-lt"/>
+        <a:ea typeface="+mn-ea"/>
+        <a:cs typeface="+mn-cs"/>
+      </a:defRPr>
+    </a:lvl3pPr>
+    <a:lvl4pPr marL="1371600" algn="l" defTabSz="914400" rtl="0" eaLnBrk="1" latinLnBrk="0" hangingPunct="1">
+      <a:defRPr kumimoji="1" sz="1200" kern="1200">
+        <a:solidFill>
+          <a:schemeClr val="tx1"/>
+        </a:solidFill>
+        <a:latin typeface="+mn-lt"/>
+        <a:ea typeface="+mn-ea"/>
+        <a:cs typeface="+mn-cs"/>
+      </a:defRPr>
+    </a:lvl4pPr>
+    <a:lvl5pPr marL="1828800" algn="l" defTabSz="914400" rtl="0" eaLnBrk="1" latinLnBrk="0" hangingPunct="1">
+      <a:defRPr kumimoji="1" sz="1200" kern="1200">
+        <a:solidFill>
+          <a:schemeClr val="tx1"/>
+        </a:solidFill>
+        <a:latin typeface="+mn-lt"/>
+        <a:ea typeface="+mn-ea"/>
+        <a:cs typeface="+mn-cs"/>
+      </a:defRPr>
+    </a:lvl5pPr>
+    <a:lvl6pPr marL="2286000" algn="l" defTabSz="914400" rtl="0" eaLnBrk="1" latinLnBrk="0" hangingPunct="1">
+      <a:defRPr kumimoji="1" sz="1200" kern="1200">
+        <a:solidFill>
+          <a:schemeClr val="tx1"/>
+        </a:solidFill>
+        <a:latin typeface="+mn-lt"/>
+        <a:ea typeface="+mn-ea"/>
+        <a:cs typeface="+mn-cs"/>
+      </a:defRPr>
+    </a:lvl6pPr>
+    <a:lvl7pPr marL="2743200" algn="l" defTabSz="914400" rtl="0" eaLnBrk="1" latinLnBrk="0" hangingPunct="1">
+      <a:defRPr kumimoji="1" sz="1200" kern="1200">
+        <a:solidFill>
+          <a:schemeClr val="tx1"/>
+        </a:solidFill>
+        <a:latin typeface="+mn-lt"/>
+        <a:ea typeface="+mn-ea"/>
+        <a:cs typeface="+mn-cs"/>
+      </a:defRPr>
+    </a:lvl7pPr>
+    <a:lvl8pPr marL="3200400" algn="l" defTabSz="914400" rtl="0" eaLnBrk="1" latinLnBrk="0" hangingPunct="1">
+      <a:defRPr kumimoji="1" sz="1200" kern="1200">
+        <a:solidFill>
+          <a:schemeClr val="tx1"/>
+        </a:solidFill>
+        <a:latin typeface="+mn-lt"/>
+        <a:ea typeface="+mn-ea"/>
+        <a:cs typeface="+mn-cs"/>
+      </a:defRPr>
+    </a:lvl8pPr>
+    <a:lvl9pPr marL="3657600" algn="l" defTabSz="914400" rtl="0" eaLnBrk="1" latinLnBrk="0" hangingPunct="1">
+      <a:defRPr kumimoji="1" sz="1200" kern="1200">
+        <a:solidFill>
+          <a:schemeClr val="tx1"/>
+        </a:solidFill>
+        <a:latin typeface="+mn-lt"/>
+        <a:ea typeface="+mn-ea"/>
+        <a:cs typeface="+mn-cs"/>
+      </a:defRPr>
+    </a:lvl9pPr>
+  </p:notesStyle>
+</p:notesMaster>
+</file>
+
 <file path=ppt/slideLayouts/slideLayout1.xml><?xml version="1.0" encoding="utf-8"?>
 <p:sldLayout xmlns:a="http://schemas.openxmlformats.org/drawingml/2006/main" xmlns:r="http://schemas.openxmlformats.org/officeDocument/2006/relationships" xmlns:p="http://schemas.openxmlformats.org/presentationml/2006/main" type="title" preserve="1">
   <p:cSld name="タイトル スライド">
@@ -155,10 +623,9 @@
           </a:lstStyle>
           <a:p>
             <a:r>
-              <a:rPr kumimoji="1" lang="ja-JP" altLang="en-US" smtClean="0"/>
+              <a:rPr kumimoji="1" lang="ja-JP" altLang="en-US"/>
               <a:t>マスター タイトルの書式設定</a:t>
             </a:r>
-            <a:endParaRPr kumimoji="1" lang="ja-JP" altLang="en-US"/>
           </a:p>
         </p:txBody>
       </p:sp>
@@ -220,10 +687,9 @@
           </a:lstStyle>
           <a:p>
             <a:r>
-              <a:rPr kumimoji="1" lang="ja-JP" altLang="en-US" smtClean="0"/>
+              <a:rPr kumimoji="1" lang="ja-JP" altLang="en-US"/>
               <a:t>マスター サブタイトルの書式設定</a:t>
             </a:r>
-            <a:endParaRPr kumimoji="1" lang="ja-JP" altLang="en-US"/>
           </a:p>
         </p:txBody>
       </p:sp>
@@ -244,7 +710,7 @@
           <a:p>
             <a:fld id="{C2B2B52F-F71B-4EE0-AF6F-6E3C3E1FEF12}" type="datetimeFigureOut">
               <a:rPr kumimoji="1" lang="ja-JP" altLang="en-US" smtClean="0"/>
-              <a:t>2020/3/18</a:t>
+              <a:t>2021/11/1</a:t>
             </a:fld>
             <a:endParaRPr kumimoji="1" lang="ja-JP" altLang="en-US"/>
           </a:p>
@@ -338,10 +804,9 @@
           <a:lstStyle/>
           <a:p>
             <a:r>
-              <a:rPr kumimoji="1" lang="ja-JP" altLang="en-US" smtClean="0"/>
+              <a:rPr kumimoji="1" lang="ja-JP" altLang="en-US"/>
               <a:t>マスター タイトルの書式設定</a:t>
             </a:r>
-            <a:endParaRPr kumimoji="1" lang="ja-JP" altLang="en-US"/>
           </a:p>
         </p:txBody>
       </p:sp>
@@ -362,70 +827,69 @@
           <a:p>
             <a:pPr lvl="0"/>
             <a:r>
-              <a:rPr kumimoji="1" lang="ja-JP" altLang="en-US" smtClean="0"/>
+              <a:rPr kumimoji="1" lang="ja-JP" altLang="en-US"/>
               <a:t>マスター テキストの書式設定</a:t>
             </a:r>
           </a:p>
           <a:p>
             <a:pPr lvl="1"/>
             <a:r>
-              <a:rPr kumimoji="1" lang="ja-JP" altLang="en-US" smtClean="0"/>
+              <a:rPr kumimoji="1" lang="ja-JP" altLang="en-US"/>
               <a:t>第 </a:t>
             </a:r>
             <a:r>
-              <a:rPr kumimoji="1" lang="en-US" altLang="ja-JP" smtClean="0"/>
+              <a:rPr kumimoji="1" lang="en-US" altLang="ja-JP"/>
               <a:t>2 </a:t>
             </a:r>
             <a:r>
-              <a:rPr kumimoji="1" lang="ja-JP" altLang="en-US" smtClean="0"/>
+              <a:rPr kumimoji="1" lang="ja-JP" altLang="en-US"/>
               <a:t>レベル</a:t>
             </a:r>
           </a:p>
           <a:p>
             <a:pPr lvl="2"/>
             <a:r>
-              <a:rPr kumimoji="1" lang="ja-JP" altLang="en-US" smtClean="0"/>
+              <a:rPr kumimoji="1" lang="ja-JP" altLang="en-US"/>
               <a:t>第 </a:t>
             </a:r>
             <a:r>
-              <a:rPr kumimoji="1" lang="en-US" altLang="ja-JP" smtClean="0"/>
+              <a:rPr kumimoji="1" lang="en-US" altLang="ja-JP"/>
               <a:t>3 </a:t>
             </a:r>
             <a:r>
-              <a:rPr kumimoji="1" lang="ja-JP" altLang="en-US" smtClean="0"/>
+              <a:rPr kumimoji="1" lang="ja-JP" altLang="en-US"/>
               <a:t>レベル</a:t>
             </a:r>
           </a:p>
           <a:p>
             <a:pPr lvl="3"/>
             <a:r>
-              <a:rPr kumimoji="1" lang="ja-JP" altLang="en-US" smtClean="0"/>
+              <a:rPr kumimoji="1" lang="ja-JP" altLang="en-US"/>
               <a:t>第 </a:t>
             </a:r>
             <a:r>
-              <a:rPr kumimoji="1" lang="en-US" altLang="ja-JP" smtClean="0"/>
+              <a:rPr kumimoji="1" lang="en-US" altLang="ja-JP"/>
               <a:t>4 </a:t>
             </a:r>
             <a:r>
-              <a:rPr kumimoji="1" lang="ja-JP" altLang="en-US" smtClean="0"/>
+              <a:rPr kumimoji="1" lang="ja-JP" altLang="en-US"/>
               <a:t>レベル</a:t>
             </a:r>
           </a:p>
           <a:p>
             <a:pPr lvl="4"/>
             <a:r>
-              <a:rPr kumimoji="1" lang="ja-JP" altLang="en-US" smtClean="0"/>
+              <a:rPr kumimoji="1" lang="ja-JP" altLang="en-US"/>
               <a:t>第 </a:t>
             </a:r>
             <a:r>
-              <a:rPr kumimoji="1" lang="en-US" altLang="ja-JP" smtClean="0"/>
+              <a:rPr kumimoji="1" lang="en-US" altLang="ja-JP"/>
               <a:t>5 </a:t>
             </a:r>
             <a:r>
-              <a:rPr kumimoji="1" lang="ja-JP" altLang="en-US" smtClean="0"/>
+              <a:rPr kumimoji="1" lang="ja-JP" altLang="en-US"/>
               <a:t>レベル</a:t>
             </a:r>
-            <a:endParaRPr kumimoji="1" lang="ja-JP" altLang="en-US"/>
           </a:p>
         </p:txBody>
       </p:sp>
@@ -446,7 +910,7 @@
           <a:p>
             <a:fld id="{C2B2B52F-F71B-4EE0-AF6F-6E3C3E1FEF12}" type="datetimeFigureOut">
               <a:rPr kumimoji="1" lang="ja-JP" altLang="en-US" smtClean="0"/>
-              <a:t>2020/3/18</a:t>
+              <a:t>2021/11/1</a:t>
             </a:fld>
             <a:endParaRPr kumimoji="1" lang="ja-JP" altLang="en-US"/>
           </a:p>
@@ -545,10 +1009,9 @@
           <a:lstStyle/>
           <a:p>
             <a:r>
-              <a:rPr kumimoji="1" lang="ja-JP" altLang="en-US" smtClean="0"/>
+              <a:rPr kumimoji="1" lang="ja-JP" altLang="en-US"/>
               <a:t>マスター タイトルの書式設定</a:t>
             </a:r>
-            <a:endParaRPr kumimoji="1" lang="ja-JP" altLang="en-US"/>
           </a:p>
         </p:txBody>
       </p:sp>
@@ -574,70 +1037,69 @@
           <a:p>
             <a:pPr lvl="0"/>
             <a:r>
-              <a:rPr kumimoji="1" lang="ja-JP" altLang="en-US" smtClean="0"/>
+              <a:rPr kumimoji="1" lang="ja-JP" altLang="en-US"/>
               <a:t>マスター テキストの書式設定</a:t>
             </a:r>
           </a:p>
           <a:p>
             <a:pPr lvl="1"/>
             <a:r>
-              <a:rPr kumimoji="1" lang="ja-JP" altLang="en-US" smtClean="0"/>
+              <a:rPr kumimoji="1" lang="ja-JP" altLang="en-US"/>
               <a:t>第 </a:t>
             </a:r>
             <a:r>
-              <a:rPr kumimoji="1" lang="en-US" altLang="ja-JP" smtClean="0"/>
+              <a:rPr kumimoji="1" lang="en-US" altLang="ja-JP"/>
               <a:t>2 </a:t>
             </a:r>
             <a:r>
-              <a:rPr kumimoji="1" lang="ja-JP" altLang="en-US" smtClean="0"/>
+              <a:rPr kumimoji="1" lang="ja-JP" altLang="en-US"/>
               <a:t>レベル</a:t>
             </a:r>
           </a:p>
           <a:p>
             <a:pPr lvl="2"/>
             <a:r>
-              <a:rPr kumimoji="1" lang="ja-JP" altLang="en-US" smtClean="0"/>
+              <a:rPr kumimoji="1" lang="ja-JP" altLang="en-US"/>
               <a:t>第 </a:t>
             </a:r>
             <a:r>
-              <a:rPr kumimoji="1" lang="en-US" altLang="ja-JP" smtClean="0"/>
+              <a:rPr kumimoji="1" lang="en-US" altLang="ja-JP"/>
               <a:t>3 </a:t>
             </a:r>
             <a:r>
-              <a:rPr kumimoji="1" lang="ja-JP" altLang="en-US" smtClean="0"/>
+              <a:rPr kumimoji="1" lang="ja-JP" altLang="en-US"/>
               <a:t>レベル</a:t>
             </a:r>
           </a:p>
           <a:p>
             <a:pPr lvl="3"/>
             <a:r>
-              <a:rPr kumimoji="1" lang="ja-JP" altLang="en-US" smtClean="0"/>
+              <a:rPr kumimoji="1" lang="ja-JP" altLang="en-US"/>
               <a:t>第 </a:t>
             </a:r>
             <a:r>
-              <a:rPr kumimoji="1" lang="en-US" altLang="ja-JP" smtClean="0"/>
+              <a:rPr kumimoji="1" lang="en-US" altLang="ja-JP"/>
               <a:t>4 </a:t>
             </a:r>
             <a:r>
-              <a:rPr kumimoji="1" lang="ja-JP" altLang="en-US" smtClean="0"/>
+              <a:rPr kumimoji="1" lang="ja-JP" altLang="en-US"/>
               <a:t>レベル</a:t>
             </a:r>
           </a:p>
           <a:p>
             <a:pPr lvl="4"/>
             <a:r>
-              <a:rPr kumimoji="1" lang="ja-JP" altLang="en-US" smtClean="0"/>
+              <a:rPr kumimoji="1" lang="ja-JP" altLang="en-US"/>
               <a:t>第 </a:t>
             </a:r>
             <a:r>
-              <a:rPr kumimoji="1" lang="en-US" altLang="ja-JP" smtClean="0"/>
+              <a:rPr kumimoji="1" lang="en-US" altLang="ja-JP"/>
               <a:t>5 </a:t>
             </a:r>
             <a:r>
-              <a:rPr kumimoji="1" lang="ja-JP" altLang="en-US" smtClean="0"/>
+              <a:rPr kumimoji="1" lang="ja-JP" altLang="en-US"/>
               <a:t>レベル</a:t>
             </a:r>
-            <a:endParaRPr kumimoji="1" lang="ja-JP" altLang="en-US"/>
           </a:p>
         </p:txBody>
       </p:sp>
@@ -658,7 +1120,7 @@
           <a:p>
             <a:fld id="{C2B2B52F-F71B-4EE0-AF6F-6E3C3E1FEF12}" type="datetimeFigureOut">
               <a:rPr kumimoji="1" lang="ja-JP" altLang="en-US" smtClean="0"/>
-              <a:t>2020/3/18</a:t>
+              <a:t>2021/11/1</a:t>
             </a:fld>
             <a:endParaRPr kumimoji="1" lang="ja-JP" altLang="en-US"/>
           </a:p>
@@ -752,10 +1214,9 @@
           <a:lstStyle/>
           <a:p>
             <a:r>
-              <a:rPr kumimoji="1" lang="ja-JP" altLang="en-US" smtClean="0"/>
+              <a:rPr kumimoji="1" lang="ja-JP" altLang="en-US"/>
               <a:t>マスター タイトルの書式設定</a:t>
             </a:r>
-            <a:endParaRPr kumimoji="1" lang="ja-JP" altLang="en-US"/>
           </a:p>
         </p:txBody>
       </p:sp>
@@ -776,70 +1237,69 @@
           <a:p>
             <a:pPr lvl="0"/>
             <a:r>
-              <a:rPr kumimoji="1" lang="ja-JP" altLang="en-US" smtClean="0"/>
+              <a:rPr kumimoji="1" lang="ja-JP" altLang="en-US"/>
               <a:t>マスター テキストの書式設定</a:t>
             </a:r>
           </a:p>
           <a:p>
             <a:pPr lvl="1"/>
             <a:r>
-              <a:rPr kumimoji="1" lang="ja-JP" altLang="en-US" smtClean="0"/>
+              <a:rPr kumimoji="1" lang="ja-JP" altLang="en-US"/>
               <a:t>第 </a:t>
             </a:r>
             <a:r>
-              <a:rPr kumimoji="1" lang="en-US" altLang="ja-JP" smtClean="0"/>
+              <a:rPr kumimoji="1" lang="en-US" altLang="ja-JP"/>
               <a:t>2 </a:t>
             </a:r>
             <a:r>
-              <a:rPr kumimoji="1" lang="ja-JP" altLang="en-US" smtClean="0"/>
+              <a:rPr kumimoji="1" lang="ja-JP" altLang="en-US"/>
               <a:t>レベル</a:t>
             </a:r>
           </a:p>
           <a:p>
             <a:pPr lvl="2"/>
             <a:r>
-              <a:rPr kumimoji="1" lang="ja-JP" altLang="en-US" smtClean="0"/>
+              <a:rPr kumimoji="1" lang="ja-JP" altLang="en-US"/>
               <a:t>第 </a:t>
             </a:r>
             <a:r>
-              <a:rPr kumimoji="1" lang="en-US" altLang="ja-JP" smtClean="0"/>
+              <a:rPr kumimoji="1" lang="en-US" altLang="ja-JP"/>
               <a:t>3 </a:t>
             </a:r>
             <a:r>
-              <a:rPr kumimoji="1" lang="ja-JP" altLang="en-US" smtClean="0"/>
+              <a:rPr kumimoji="1" lang="ja-JP" altLang="en-US"/>
               <a:t>レベル</a:t>
             </a:r>
           </a:p>
           <a:p>
             <a:pPr lvl="3"/>
             <a:r>
-              <a:rPr kumimoji="1" lang="ja-JP" altLang="en-US" smtClean="0"/>
+              <a:rPr kumimoji="1" lang="ja-JP" altLang="en-US"/>
               <a:t>第 </a:t>
             </a:r>
             <a:r>
-              <a:rPr kumimoji="1" lang="en-US" altLang="ja-JP" smtClean="0"/>
+              <a:rPr kumimoji="1" lang="en-US" altLang="ja-JP"/>
               <a:t>4 </a:t>
             </a:r>
             <a:r>
-              <a:rPr kumimoji="1" lang="ja-JP" altLang="en-US" smtClean="0"/>
+              <a:rPr kumimoji="1" lang="ja-JP" altLang="en-US"/>
               <a:t>レベル</a:t>
             </a:r>
           </a:p>
           <a:p>
             <a:pPr lvl="4"/>
             <a:r>
-              <a:rPr kumimoji="1" lang="ja-JP" altLang="en-US" smtClean="0"/>
+              <a:rPr kumimoji="1" lang="ja-JP" altLang="en-US"/>
               <a:t>第 </a:t>
             </a:r>
             <a:r>
-              <a:rPr kumimoji="1" lang="en-US" altLang="ja-JP" smtClean="0"/>
+              <a:rPr kumimoji="1" lang="en-US" altLang="ja-JP"/>
               <a:t>5 </a:t>
             </a:r>
             <a:r>
-              <a:rPr kumimoji="1" lang="ja-JP" altLang="en-US" smtClean="0"/>
+              <a:rPr kumimoji="1" lang="ja-JP" altLang="en-US"/>
               <a:t>レベル</a:t>
             </a:r>
-            <a:endParaRPr kumimoji="1" lang="ja-JP" altLang="en-US"/>
           </a:p>
         </p:txBody>
       </p:sp>
@@ -860,7 +1320,7 @@
           <a:p>
             <a:fld id="{C2B2B52F-F71B-4EE0-AF6F-6E3C3E1FEF12}" type="datetimeFigureOut">
               <a:rPr kumimoji="1" lang="ja-JP" altLang="en-US" smtClean="0"/>
-              <a:t>2020/3/18</a:t>
+              <a:t>2021/11/1</a:t>
             </a:fld>
             <a:endParaRPr kumimoji="1" lang="ja-JP" altLang="en-US"/>
           </a:p>
@@ -963,10 +1423,9 @@
           </a:lstStyle>
           <a:p>
             <a:r>
-              <a:rPr kumimoji="1" lang="ja-JP" altLang="en-US" smtClean="0"/>
+              <a:rPr kumimoji="1" lang="ja-JP" altLang="en-US"/>
               <a:t>マスター タイトルの書式設定</a:t>
             </a:r>
-            <a:endParaRPr kumimoji="1" lang="ja-JP" altLang="en-US"/>
           </a:p>
         </p:txBody>
       </p:sp>
@@ -1083,7 +1542,7 @@
           <a:p>
             <a:pPr lvl="0"/>
             <a:r>
-              <a:rPr kumimoji="1" lang="ja-JP" altLang="en-US" smtClean="0"/>
+              <a:rPr kumimoji="1" lang="ja-JP" altLang="en-US"/>
               <a:t>マスター テキストの書式設定</a:t>
             </a:r>
           </a:p>
@@ -1106,7 +1565,7 @@
           <a:p>
             <a:fld id="{C2B2B52F-F71B-4EE0-AF6F-6E3C3E1FEF12}" type="datetimeFigureOut">
               <a:rPr kumimoji="1" lang="ja-JP" altLang="en-US" smtClean="0"/>
-              <a:t>2020/3/18</a:t>
+              <a:t>2021/11/1</a:t>
             </a:fld>
             <a:endParaRPr kumimoji="1" lang="ja-JP" altLang="en-US"/>
           </a:p>
@@ -1200,10 +1659,9 @@
           <a:lstStyle/>
           <a:p>
             <a:r>
-              <a:rPr kumimoji="1" lang="ja-JP" altLang="en-US" smtClean="0"/>
+              <a:rPr kumimoji="1" lang="ja-JP" altLang="en-US"/>
               <a:t>マスター タイトルの書式設定</a:t>
             </a:r>
-            <a:endParaRPr kumimoji="1" lang="ja-JP" altLang="en-US"/>
           </a:p>
         </p:txBody>
       </p:sp>
@@ -1229,70 +1687,69 @@
           <a:p>
             <a:pPr lvl="0"/>
             <a:r>
-              <a:rPr kumimoji="1" lang="ja-JP" altLang="en-US" smtClean="0"/>
+              <a:rPr kumimoji="1" lang="ja-JP" altLang="en-US"/>
               <a:t>マスター テキストの書式設定</a:t>
             </a:r>
           </a:p>
           <a:p>
             <a:pPr lvl="1"/>
             <a:r>
-              <a:rPr kumimoji="1" lang="ja-JP" altLang="en-US" smtClean="0"/>
+              <a:rPr kumimoji="1" lang="ja-JP" altLang="en-US"/>
               <a:t>第 </a:t>
             </a:r>
             <a:r>
-              <a:rPr kumimoji="1" lang="en-US" altLang="ja-JP" smtClean="0"/>
+              <a:rPr kumimoji="1" lang="en-US" altLang="ja-JP"/>
               <a:t>2 </a:t>
             </a:r>
             <a:r>
-              <a:rPr kumimoji="1" lang="ja-JP" altLang="en-US" smtClean="0"/>
+              <a:rPr kumimoji="1" lang="ja-JP" altLang="en-US"/>
               <a:t>レベル</a:t>
             </a:r>
           </a:p>
           <a:p>
             <a:pPr lvl="2"/>
             <a:r>
-              <a:rPr kumimoji="1" lang="ja-JP" altLang="en-US" smtClean="0"/>
+              <a:rPr kumimoji="1" lang="ja-JP" altLang="en-US"/>
               <a:t>第 </a:t>
             </a:r>
             <a:r>
-              <a:rPr kumimoji="1" lang="en-US" altLang="ja-JP" smtClean="0"/>
+              <a:rPr kumimoji="1" lang="en-US" altLang="ja-JP"/>
               <a:t>3 </a:t>
             </a:r>
             <a:r>
-              <a:rPr kumimoji="1" lang="ja-JP" altLang="en-US" smtClean="0"/>
+              <a:rPr kumimoji="1" lang="ja-JP" altLang="en-US"/>
               <a:t>レベル</a:t>
             </a:r>
           </a:p>
           <a:p>
             <a:pPr lvl="3"/>
             <a:r>
-              <a:rPr kumimoji="1" lang="ja-JP" altLang="en-US" smtClean="0"/>
+              <a:rPr kumimoji="1" lang="ja-JP" altLang="en-US"/>
               <a:t>第 </a:t>
             </a:r>
             <a:r>
-              <a:rPr kumimoji="1" lang="en-US" altLang="ja-JP" smtClean="0"/>
+              <a:rPr kumimoji="1" lang="en-US" altLang="ja-JP"/>
               <a:t>4 </a:t>
             </a:r>
             <a:r>
-              <a:rPr kumimoji="1" lang="ja-JP" altLang="en-US" smtClean="0"/>
+              <a:rPr kumimoji="1" lang="ja-JP" altLang="en-US"/>
               <a:t>レベル</a:t>
             </a:r>
           </a:p>
           <a:p>
             <a:pPr lvl="4"/>
             <a:r>
-              <a:rPr kumimoji="1" lang="ja-JP" altLang="en-US" smtClean="0"/>
+              <a:rPr kumimoji="1" lang="ja-JP" altLang="en-US"/>
               <a:t>第 </a:t>
             </a:r>
             <a:r>
-              <a:rPr kumimoji="1" lang="en-US" altLang="ja-JP" smtClean="0"/>
+              <a:rPr kumimoji="1" lang="en-US" altLang="ja-JP"/>
               <a:t>5 </a:t>
             </a:r>
             <a:r>
-              <a:rPr kumimoji="1" lang="ja-JP" altLang="en-US" smtClean="0"/>
+              <a:rPr kumimoji="1" lang="ja-JP" altLang="en-US"/>
               <a:t>レベル</a:t>
             </a:r>
-            <a:endParaRPr kumimoji="1" lang="ja-JP" altLang="en-US"/>
           </a:p>
         </p:txBody>
       </p:sp>
@@ -1318,70 +1775,69 @@
           <a:p>
             <a:pPr lvl="0"/>
             <a:r>
-              <a:rPr kumimoji="1" lang="ja-JP" altLang="en-US" smtClean="0"/>
+              <a:rPr kumimoji="1" lang="ja-JP" altLang="en-US"/>
               <a:t>マスター テキストの書式設定</a:t>
             </a:r>
           </a:p>
           <a:p>
             <a:pPr lvl="1"/>
             <a:r>
-              <a:rPr kumimoji="1" lang="ja-JP" altLang="en-US" smtClean="0"/>
+              <a:rPr kumimoji="1" lang="ja-JP" altLang="en-US"/>
               <a:t>第 </a:t>
             </a:r>
             <a:r>
-              <a:rPr kumimoji="1" lang="en-US" altLang="ja-JP" smtClean="0"/>
+              <a:rPr kumimoji="1" lang="en-US" altLang="ja-JP"/>
               <a:t>2 </a:t>
             </a:r>
             <a:r>
-              <a:rPr kumimoji="1" lang="ja-JP" altLang="en-US" smtClean="0"/>
+              <a:rPr kumimoji="1" lang="ja-JP" altLang="en-US"/>
               <a:t>レベル</a:t>
             </a:r>
           </a:p>
           <a:p>
             <a:pPr lvl="2"/>
             <a:r>
-              <a:rPr kumimoji="1" lang="ja-JP" altLang="en-US" smtClean="0"/>
+              <a:rPr kumimoji="1" lang="ja-JP" altLang="en-US"/>
               <a:t>第 </a:t>
             </a:r>
             <a:r>
-              <a:rPr kumimoji="1" lang="en-US" altLang="ja-JP" smtClean="0"/>
+              <a:rPr kumimoji="1" lang="en-US" altLang="ja-JP"/>
               <a:t>3 </a:t>
             </a:r>
             <a:r>
-              <a:rPr kumimoji="1" lang="ja-JP" altLang="en-US" smtClean="0"/>
+              <a:rPr kumimoji="1" lang="ja-JP" altLang="en-US"/>
               <a:t>レベル</a:t>
             </a:r>
           </a:p>
           <a:p>
             <a:pPr lvl="3"/>
             <a:r>
-              <a:rPr kumimoji="1" lang="ja-JP" altLang="en-US" smtClean="0"/>
+              <a:rPr kumimoji="1" lang="ja-JP" altLang="en-US"/>
               <a:t>第 </a:t>
             </a:r>
             <a:r>
-              <a:rPr kumimoji="1" lang="en-US" altLang="ja-JP" smtClean="0"/>
+              <a:rPr kumimoji="1" lang="en-US" altLang="ja-JP"/>
               <a:t>4 </a:t>
             </a:r>
             <a:r>
-              <a:rPr kumimoji="1" lang="ja-JP" altLang="en-US" smtClean="0"/>
+              <a:rPr kumimoji="1" lang="ja-JP" altLang="en-US"/>
               <a:t>レベル</a:t>
             </a:r>
           </a:p>
           <a:p>
             <a:pPr lvl="4"/>
             <a:r>
-              <a:rPr kumimoji="1" lang="ja-JP" altLang="en-US" smtClean="0"/>
+              <a:rPr kumimoji="1" lang="ja-JP" altLang="en-US"/>
               <a:t>第 </a:t>
             </a:r>
             <a:r>
-              <a:rPr kumimoji="1" lang="en-US" altLang="ja-JP" smtClean="0"/>
+              <a:rPr kumimoji="1" lang="en-US" altLang="ja-JP"/>
               <a:t>5 </a:t>
             </a:r>
             <a:r>
-              <a:rPr kumimoji="1" lang="ja-JP" altLang="en-US" smtClean="0"/>
+              <a:rPr kumimoji="1" lang="ja-JP" altLang="en-US"/>
               <a:t>レベル</a:t>
             </a:r>
-            <a:endParaRPr kumimoji="1" lang="ja-JP" altLang="en-US"/>
           </a:p>
         </p:txBody>
       </p:sp>
@@ -1402,7 +1858,7 @@
           <a:p>
             <a:fld id="{C2B2B52F-F71B-4EE0-AF6F-6E3C3E1FEF12}" type="datetimeFigureOut">
               <a:rPr kumimoji="1" lang="ja-JP" altLang="en-US" smtClean="0"/>
-              <a:t>2020/3/18</a:t>
+              <a:t>2021/11/1</a:t>
             </a:fld>
             <a:endParaRPr kumimoji="1" lang="ja-JP" altLang="en-US"/>
           </a:p>
@@ -1501,10 +1957,9 @@
           <a:lstStyle/>
           <a:p>
             <a:r>
-              <a:rPr kumimoji="1" lang="ja-JP" altLang="en-US" smtClean="0"/>
+              <a:rPr kumimoji="1" lang="ja-JP" altLang="en-US"/>
               <a:t>マスター タイトルの書式設定</a:t>
             </a:r>
-            <a:endParaRPr kumimoji="1" lang="ja-JP" altLang="en-US"/>
           </a:p>
         </p:txBody>
       </p:sp>
@@ -1567,7 +2022,7 @@
           <a:p>
             <a:pPr lvl="0"/>
             <a:r>
-              <a:rPr kumimoji="1" lang="ja-JP" altLang="en-US" smtClean="0"/>
+              <a:rPr kumimoji="1" lang="ja-JP" altLang="en-US"/>
               <a:t>マスター テキストの書式設定</a:t>
             </a:r>
           </a:p>
@@ -1595,70 +2050,69 @@
           <a:p>
             <a:pPr lvl="0"/>
             <a:r>
-              <a:rPr kumimoji="1" lang="ja-JP" altLang="en-US" smtClean="0"/>
+              <a:rPr kumimoji="1" lang="ja-JP" altLang="en-US"/>
               <a:t>マスター テキストの書式設定</a:t>
             </a:r>
           </a:p>
           <a:p>
             <a:pPr lvl="1"/>
             <a:r>
-              <a:rPr kumimoji="1" lang="ja-JP" altLang="en-US" smtClean="0"/>
+              <a:rPr kumimoji="1" lang="ja-JP" altLang="en-US"/>
               <a:t>第 </a:t>
             </a:r>
             <a:r>
-              <a:rPr kumimoji="1" lang="en-US" altLang="ja-JP" smtClean="0"/>
+              <a:rPr kumimoji="1" lang="en-US" altLang="ja-JP"/>
               <a:t>2 </a:t>
             </a:r>
             <a:r>
-              <a:rPr kumimoji="1" lang="ja-JP" altLang="en-US" smtClean="0"/>
+              <a:rPr kumimoji="1" lang="ja-JP" altLang="en-US"/>
               <a:t>レベル</a:t>
             </a:r>
           </a:p>
           <a:p>
             <a:pPr lvl="2"/>
             <a:r>
-              <a:rPr kumimoji="1" lang="ja-JP" altLang="en-US" smtClean="0"/>
+              <a:rPr kumimoji="1" lang="ja-JP" altLang="en-US"/>
               <a:t>第 </a:t>
             </a:r>
             <a:r>
-              <a:rPr kumimoji="1" lang="en-US" altLang="ja-JP" smtClean="0"/>
+              <a:rPr kumimoji="1" lang="en-US" altLang="ja-JP"/>
               <a:t>3 </a:t>
             </a:r>
             <a:r>
-              <a:rPr kumimoji="1" lang="ja-JP" altLang="en-US" smtClean="0"/>
+              <a:rPr kumimoji="1" lang="ja-JP" altLang="en-US"/>
               <a:t>レベル</a:t>
             </a:r>
           </a:p>
           <a:p>
             <a:pPr lvl="3"/>
             <a:r>
-              <a:rPr kumimoji="1" lang="ja-JP" altLang="en-US" smtClean="0"/>
+              <a:rPr kumimoji="1" lang="ja-JP" altLang="en-US"/>
               <a:t>第 </a:t>
             </a:r>
             <a:r>
-              <a:rPr kumimoji="1" lang="en-US" altLang="ja-JP" smtClean="0"/>
+              <a:rPr kumimoji="1" lang="en-US" altLang="ja-JP"/>
               <a:t>4 </a:t>
             </a:r>
             <a:r>
-              <a:rPr kumimoji="1" lang="ja-JP" altLang="en-US" smtClean="0"/>
+              <a:rPr kumimoji="1" lang="ja-JP" altLang="en-US"/>
               <a:t>レベル</a:t>
             </a:r>
           </a:p>
           <a:p>
             <a:pPr lvl="4"/>
             <a:r>
-              <a:rPr kumimoji="1" lang="ja-JP" altLang="en-US" smtClean="0"/>
+              <a:rPr kumimoji="1" lang="ja-JP" altLang="en-US"/>
               <a:t>第 </a:t>
             </a:r>
             <a:r>
-              <a:rPr kumimoji="1" lang="en-US" altLang="ja-JP" smtClean="0"/>
+              <a:rPr kumimoji="1" lang="en-US" altLang="ja-JP"/>
               <a:t>5 </a:t>
             </a:r>
             <a:r>
-              <a:rPr kumimoji="1" lang="ja-JP" altLang="en-US" smtClean="0"/>
+              <a:rPr kumimoji="1" lang="ja-JP" altLang="en-US"/>
               <a:t>レベル</a:t>
             </a:r>
-            <a:endParaRPr kumimoji="1" lang="ja-JP" altLang="en-US"/>
           </a:p>
         </p:txBody>
       </p:sp>
@@ -1721,7 +2175,7 @@
           <a:p>
             <a:pPr lvl="0"/>
             <a:r>
-              <a:rPr kumimoji="1" lang="ja-JP" altLang="en-US" smtClean="0"/>
+              <a:rPr kumimoji="1" lang="ja-JP" altLang="en-US"/>
               <a:t>マスター テキストの書式設定</a:t>
             </a:r>
           </a:p>
@@ -1749,70 +2203,69 @@
           <a:p>
             <a:pPr lvl="0"/>
             <a:r>
-              <a:rPr kumimoji="1" lang="ja-JP" altLang="en-US" smtClean="0"/>
+              <a:rPr kumimoji="1" lang="ja-JP" altLang="en-US"/>
               <a:t>マスター テキストの書式設定</a:t>
             </a:r>
           </a:p>
           <a:p>
             <a:pPr lvl="1"/>
             <a:r>
-              <a:rPr kumimoji="1" lang="ja-JP" altLang="en-US" smtClean="0"/>
+              <a:rPr kumimoji="1" lang="ja-JP" altLang="en-US"/>
               <a:t>第 </a:t>
             </a:r>
             <a:r>
-              <a:rPr kumimoji="1" lang="en-US" altLang="ja-JP" smtClean="0"/>
+              <a:rPr kumimoji="1" lang="en-US" altLang="ja-JP"/>
               <a:t>2 </a:t>
             </a:r>
             <a:r>
-              <a:rPr kumimoji="1" lang="ja-JP" altLang="en-US" smtClean="0"/>
+              <a:rPr kumimoji="1" lang="ja-JP" altLang="en-US"/>
               <a:t>レベル</a:t>
             </a:r>
           </a:p>
           <a:p>
             <a:pPr lvl="2"/>
             <a:r>
-              <a:rPr kumimoji="1" lang="ja-JP" altLang="en-US" smtClean="0"/>
+              <a:rPr kumimoji="1" lang="ja-JP" altLang="en-US"/>
               <a:t>第 </a:t>
             </a:r>
             <a:r>
-              <a:rPr kumimoji="1" lang="en-US" altLang="ja-JP" smtClean="0"/>
+              <a:rPr kumimoji="1" lang="en-US" altLang="ja-JP"/>
               <a:t>3 </a:t>
             </a:r>
             <a:r>
-              <a:rPr kumimoji="1" lang="ja-JP" altLang="en-US" smtClean="0"/>
+              <a:rPr kumimoji="1" lang="ja-JP" altLang="en-US"/>
               <a:t>レベル</a:t>
             </a:r>
           </a:p>
           <a:p>
             <a:pPr lvl="3"/>
             <a:r>
-              <a:rPr kumimoji="1" lang="ja-JP" altLang="en-US" smtClean="0"/>
+              <a:rPr kumimoji="1" lang="ja-JP" altLang="en-US"/>
               <a:t>第 </a:t>
             </a:r>
             <a:r>
-              <a:rPr kumimoji="1" lang="en-US" altLang="ja-JP" smtClean="0"/>
+              <a:rPr kumimoji="1" lang="en-US" altLang="ja-JP"/>
               <a:t>4 </a:t>
             </a:r>
             <a:r>
-              <a:rPr kumimoji="1" lang="ja-JP" altLang="en-US" smtClean="0"/>
+              <a:rPr kumimoji="1" lang="ja-JP" altLang="en-US"/>
               <a:t>レベル</a:t>
             </a:r>
           </a:p>
           <a:p>
             <a:pPr lvl="4"/>
             <a:r>
-              <a:rPr kumimoji="1" lang="ja-JP" altLang="en-US" smtClean="0"/>
+              <a:rPr kumimoji="1" lang="ja-JP" altLang="en-US"/>
               <a:t>第 </a:t>
             </a:r>
             <a:r>
-              <a:rPr kumimoji="1" lang="en-US" altLang="ja-JP" smtClean="0"/>
+              <a:rPr kumimoji="1" lang="en-US" altLang="ja-JP"/>
               <a:t>5 </a:t>
             </a:r>
             <a:r>
-              <a:rPr kumimoji="1" lang="ja-JP" altLang="en-US" smtClean="0"/>
+              <a:rPr kumimoji="1" lang="ja-JP" altLang="en-US"/>
               <a:t>レベル</a:t>
             </a:r>
-            <a:endParaRPr kumimoji="1" lang="ja-JP" altLang="en-US"/>
           </a:p>
         </p:txBody>
       </p:sp>
@@ -1833,7 +2286,7 @@
           <a:p>
             <a:fld id="{C2B2B52F-F71B-4EE0-AF6F-6E3C3E1FEF12}" type="datetimeFigureOut">
               <a:rPr kumimoji="1" lang="ja-JP" altLang="en-US" smtClean="0"/>
-              <a:t>2020/3/18</a:t>
+              <a:t>2021/11/1</a:t>
             </a:fld>
             <a:endParaRPr kumimoji="1" lang="ja-JP" altLang="en-US"/>
           </a:p>
@@ -1927,10 +2380,9 @@
           <a:lstStyle/>
           <a:p>
             <a:r>
-              <a:rPr kumimoji="1" lang="ja-JP" altLang="en-US" smtClean="0"/>
+              <a:rPr kumimoji="1" lang="ja-JP" altLang="en-US"/>
               <a:t>マスター タイトルの書式設定</a:t>
             </a:r>
-            <a:endParaRPr kumimoji="1" lang="ja-JP" altLang="en-US"/>
           </a:p>
         </p:txBody>
       </p:sp>
@@ -1951,7 +2403,7 @@
           <a:p>
             <a:fld id="{C2B2B52F-F71B-4EE0-AF6F-6E3C3E1FEF12}" type="datetimeFigureOut">
               <a:rPr kumimoji="1" lang="ja-JP" altLang="en-US" smtClean="0"/>
-              <a:t>2020/3/18</a:t>
+              <a:t>2021/11/1</a:t>
             </a:fld>
             <a:endParaRPr kumimoji="1" lang="ja-JP" altLang="en-US"/>
           </a:p>
@@ -2046,7 +2498,7 @@
           <a:p>
             <a:fld id="{C2B2B52F-F71B-4EE0-AF6F-6E3C3E1FEF12}" type="datetimeFigureOut">
               <a:rPr kumimoji="1" lang="ja-JP" altLang="en-US" smtClean="0"/>
-              <a:t>2020/3/18</a:t>
+              <a:t>2021/11/1</a:t>
             </a:fld>
             <a:endParaRPr kumimoji="1" lang="ja-JP" altLang="en-US"/>
           </a:p>
@@ -2149,10 +2601,9 @@
           </a:lstStyle>
           <a:p>
             <a:r>
-              <a:rPr kumimoji="1" lang="ja-JP" altLang="en-US" smtClean="0"/>
+              <a:rPr kumimoji="1" lang="ja-JP" altLang="en-US"/>
               <a:t>マスター タイトルの書式設定</a:t>
             </a:r>
-            <a:endParaRPr kumimoji="1" lang="ja-JP" altLang="en-US"/>
           </a:p>
         </p:txBody>
       </p:sp>
@@ -2206,70 +2657,69 @@
           <a:p>
             <a:pPr lvl="0"/>
             <a:r>
-              <a:rPr kumimoji="1" lang="ja-JP" altLang="en-US" smtClean="0"/>
+              <a:rPr kumimoji="1" lang="ja-JP" altLang="en-US"/>
               <a:t>マスター テキストの書式設定</a:t>
             </a:r>
           </a:p>
           <a:p>
             <a:pPr lvl="1"/>
             <a:r>
-              <a:rPr kumimoji="1" lang="ja-JP" altLang="en-US" smtClean="0"/>
+              <a:rPr kumimoji="1" lang="ja-JP" altLang="en-US"/>
               <a:t>第 </a:t>
             </a:r>
             <a:r>
-              <a:rPr kumimoji="1" lang="en-US" altLang="ja-JP" smtClean="0"/>
+              <a:rPr kumimoji="1" lang="en-US" altLang="ja-JP"/>
               <a:t>2 </a:t>
             </a:r>
             <a:r>
-              <a:rPr kumimoji="1" lang="ja-JP" altLang="en-US" smtClean="0"/>
+              <a:rPr kumimoji="1" lang="ja-JP" altLang="en-US"/>
               <a:t>レベル</a:t>
             </a:r>
           </a:p>
           <a:p>
             <a:pPr lvl="2"/>
             <a:r>
-              <a:rPr kumimoji="1" lang="ja-JP" altLang="en-US" smtClean="0"/>
+              <a:rPr kumimoji="1" lang="ja-JP" altLang="en-US"/>
               <a:t>第 </a:t>
             </a:r>
             <a:r>
-              <a:rPr kumimoji="1" lang="en-US" altLang="ja-JP" smtClean="0"/>
+              <a:rPr kumimoji="1" lang="en-US" altLang="ja-JP"/>
               <a:t>3 </a:t>
             </a:r>
             <a:r>
-              <a:rPr kumimoji="1" lang="ja-JP" altLang="en-US" smtClean="0"/>
+              <a:rPr kumimoji="1" lang="ja-JP" altLang="en-US"/>
               <a:t>レベル</a:t>
             </a:r>
           </a:p>
           <a:p>
             <a:pPr lvl="3"/>
             <a:r>
-              <a:rPr kumimoji="1" lang="ja-JP" altLang="en-US" smtClean="0"/>
+              <a:rPr kumimoji="1" lang="ja-JP" altLang="en-US"/>
               <a:t>第 </a:t>
             </a:r>
             <a:r>
-              <a:rPr kumimoji="1" lang="en-US" altLang="ja-JP" smtClean="0"/>
+              <a:rPr kumimoji="1" lang="en-US" altLang="ja-JP"/>
               <a:t>4 </a:t>
             </a:r>
             <a:r>
-              <a:rPr kumimoji="1" lang="ja-JP" altLang="en-US" smtClean="0"/>
+              <a:rPr kumimoji="1" lang="ja-JP" altLang="en-US"/>
               <a:t>レベル</a:t>
             </a:r>
           </a:p>
           <a:p>
             <a:pPr lvl="4"/>
             <a:r>
-              <a:rPr kumimoji="1" lang="ja-JP" altLang="en-US" smtClean="0"/>
+              <a:rPr kumimoji="1" lang="ja-JP" altLang="en-US"/>
               <a:t>第 </a:t>
             </a:r>
             <a:r>
-              <a:rPr kumimoji="1" lang="en-US" altLang="ja-JP" smtClean="0"/>
+              <a:rPr kumimoji="1" lang="en-US" altLang="ja-JP"/>
               <a:t>5 </a:t>
             </a:r>
             <a:r>
-              <a:rPr kumimoji="1" lang="ja-JP" altLang="en-US" smtClean="0"/>
+              <a:rPr kumimoji="1" lang="ja-JP" altLang="en-US"/>
               <a:t>レベル</a:t>
             </a:r>
-            <a:endParaRPr kumimoji="1" lang="ja-JP" altLang="en-US"/>
           </a:p>
         </p:txBody>
       </p:sp>
@@ -2332,7 +2782,7 @@
           <a:p>
             <a:pPr lvl="0"/>
             <a:r>
-              <a:rPr kumimoji="1" lang="ja-JP" altLang="en-US" smtClean="0"/>
+              <a:rPr kumimoji="1" lang="ja-JP" altLang="en-US"/>
               <a:t>マスター テキストの書式設定</a:t>
             </a:r>
           </a:p>
@@ -2355,7 +2805,7 @@
           <a:p>
             <a:fld id="{C2B2B52F-F71B-4EE0-AF6F-6E3C3E1FEF12}" type="datetimeFigureOut">
               <a:rPr kumimoji="1" lang="ja-JP" altLang="en-US" smtClean="0"/>
-              <a:t>2020/3/18</a:t>
+              <a:t>2021/11/1</a:t>
             </a:fld>
             <a:endParaRPr kumimoji="1" lang="ja-JP" altLang="en-US"/>
           </a:p>
@@ -2458,10 +2908,9 @@
           </a:lstStyle>
           <a:p>
             <a:r>
-              <a:rPr kumimoji="1" lang="ja-JP" altLang="en-US" smtClean="0"/>
+              <a:rPr kumimoji="1" lang="ja-JP" altLang="en-US"/>
               <a:t>マスター タイトルの書式設定</a:t>
             </a:r>
-            <a:endParaRPr kumimoji="1" lang="ja-JP" altLang="en-US"/>
           </a:p>
         </p:txBody>
       </p:sp>
@@ -2585,7 +3034,7 @@
           <a:p>
             <a:pPr lvl="0"/>
             <a:r>
-              <a:rPr kumimoji="1" lang="ja-JP" altLang="en-US" smtClean="0"/>
+              <a:rPr kumimoji="1" lang="ja-JP" altLang="en-US"/>
               <a:t>マスター テキストの書式設定</a:t>
             </a:r>
           </a:p>
@@ -2608,7 +3057,7 @@
           <a:p>
             <a:fld id="{C2B2B52F-F71B-4EE0-AF6F-6E3C3E1FEF12}" type="datetimeFigureOut">
               <a:rPr kumimoji="1" lang="ja-JP" altLang="en-US" smtClean="0"/>
-              <a:t>2020/3/18</a:t>
+              <a:t>2021/11/1</a:t>
             </a:fld>
             <a:endParaRPr kumimoji="1" lang="ja-JP" altLang="en-US"/>
           </a:p>
@@ -2717,10 +3166,9 @@
           <a:lstStyle/>
           <a:p>
             <a:r>
-              <a:rPr kumimoji="1" lang="ja-JP" altLang="en-US" smtClean="0"/>
+              <a:rPr kumimoji="1" lang="ja-JP" altLang="en-US"/>
               <a:t>マスター タイトルの書式設定</a:t>
             </a:r>
-            <a:endParaRPr kumimoji="1" lang="ja-JP" altLang="en-US"/>
           </a:p>
         </p:txBody>
       </p:sp>
@@ -2751,70 +3199,69 @@
           <a:p>
             <a:pPr lvl="0"/>
             <a:r>
-              <a:rPr kumimoji="1" lang="ja-JP" altLang="en-US" smtClean="0"/>
+              <a:rPr kumimoji="1" lang="ja-JP" altLang="en-US"/>
               <a:t>マスター テキストの書式設定</a:t>
             </a:r>
           </a:p>
           <a:p>
             <a:pPr lvl="1"/>
             <a:r>
-              <a:rPr kumimoji="1" lang="ja-JP" altLang="en-US" smtClean="0"/>
+              <a:rPr kumimoji="1" lang="ja-JP" altLang="en-US"/>
               <a:t>第 </a:t>
             </a:r>
             <a:r>
-              <a:rPr kumimoji="1" lang="en-US" altLang="ja-JP" smtClean="0"/>
+              <a:rPr kumimoji="1" lang="en-US" altLang="ja-JP"/>
               <a:t>2 </a:t>
             </a:r>
             <a:r>
-              <a:rPr kumimoji="1" lang="ja-JP" altLang="en-US" smtClean="0"/>
+              <a:rPr kumimoji="1" lang="ja-JP" altLang="en-US"/>
               <a:t>レベル</a:t>
             </a:r>
           </a:p>
           <a:p>
             <a:pPr lvl="2"/>
             <a:r>
-              <a:rPr kumimoji="1" lang="ja-JP" altLang="en-US" smtClean="0"/>
+              <a:rPr kumimoji="1" lang="ja-JP" altLang="en-US"/>
               <a:t>第 </a:t>
             </a:r>
             <a:r>
-              <a:rPr kumimoji="1" lang="en-US" altLang="ja-JP" smtClean="0"/>
+              <a:rPr kumimoji="1" lang="en-US" altLang="ja-JP"/>
               <a:t>3 </a:t>
             </a:r>
             <a:r>
-              <a:rPr kumimoji="1" lang="ja-JP" altLang="en-US" smtClean="0"/>
+              <a:rPr kumimoji="1" lang="ja-JP" altLang="en-US"/>
               <a:t>レベル</a:t>
             </a:r>
           </a:p>
           <a:p>
             <a:pPr lvl="3"/>
             <a:r>
-              <a:rPr kumimoji="1" lang="ja-JP" altLang="en-US" smtClean="0"/>
+              <a:rPr kumimoji="1" lang="ja-JP" altLang="en-US"/>
               <a:t>第 </a:t>
             </a:r>
             <a:r>
-              <a:rPr kumimoji="1" lang="en-US" altLang="ja-JP" smtClean="0"/>
+              <a:rPr kumimoji="1" lang="en-US" altLang="ja-JP"/>
               <a:t>4 </a:t>
             </a:r>
             <a:r>
-              <a:rPr kumimoji="1" lang="ja-JP" altLang="en-US" smtClean="0"/>
+              <a:rPr kumimoji="1" lang="ja-JP" altLang="en-US"/>
               <a:t>レベル</a:t>
             </a:r>
           </a:p>
           <a:p>
             <a:pPr lvl="4"/>
             <a:r>
-              <a:rPr kumimoji="1" lang="ja-JP" altLang="en-US" smtClean="0"/>
+              <a:rPr kumimoji="1" lang="ja-JP" altLang="en-US"/>
               <a:t>第 </a:t>
             </a:r>
             <a:r>
-              <a:rPr kumimoji="1" lang="en-US" altLang="ja-JP" smtClean="0"/>
+              <a:rPr kumimoji="1" lang="en-US" altLang="ja-JP"/>
               <a:t>5 </a:t>
             </a:r>
             <a:r>
-              <a:rPr kumimoji="1" lang="ja-JP" altLang="en-US" smtClean="0"/>
+              <a:rPr kumimoji="1" lang="ja-JP" altLang="en-US"/>
               <a:t>レベル</a:t>
             </a:r>
-            <a:endParaRPr kumimoji="1" lang="ja-JP" altLang="en-US"/>
           </a:p>
         </p:txBody>
       </p:sp>
@@ -2853,7 +3300,7 @@
           <a:p>
             <a:fld id="{C2B2B52F-F71B-4EE0-AF6F-6E3C3E1FEF12}" type="datetimeFigureOut">
               <a:rPr kumimoji="1" lang="ja-JP" altLang="en-US" smtClean="0"/>
-              <a:t>2020/3/18</a:t>
+              <a:t>2021/11/1</a:t>
             </a:fld>
             <a:endParaRPr kumimoji="1" lang="ja-JP" altLang="en-US"/>
           </a:p>
@@ -3295,14 +3742,14 @@
           <a:p>
             <a:pPr algn="ctr"/>
             <a:r>
-              <a:rPr lang="en-US" altLang="ja-JP" dirty="0" smtClean="0"/>
+              <a:rPr lang="en-US" altLang="ja-JP" dirty="0"/>
               <a:t>Sensor</a:t>
             </a:r>
             <a:br>
-              <a:rPr lang="en-US" altLang="ja-JP" dirty="0" smtClean="0"/>
+              <a:rPr lang="en-US" altLang="ja-JP" dirty="0"/>
             </a:br>
             <a:r>
-              <a:rPr lang="ja-JP" altLang="en-US" sz="1400" dirty="0" smtClean="0"/>
+              <a:rPr lang="ja-JP" altLang="en-US" sz="1400" dirty="0"/>
               <a:t>各種センサにストアされた情報を読み込む</a:t>
             </a:r>
             <a:endParaRPr kumimoji="1" lang="ja-JP" altLang="en-US" dirty="0"/>
@@ -3346,31 +3793,23 @@
           <a:p>
             <a:pPr algn="ctr"/>
             <a:r>
-              <a:rPr kumimoji="1" lang="ja-JP" altLang="en-US" dirty="0" smtClean="0"/>
+              <a:rPr kumimoji="1" lang="ja-JP" altLang="en-US" dirty="0"/>
               <a:t>センサ</a:t>
             </a:r>
-            <a:r>
-              <a:rPr kumimoji="1" lang="en-US" altLang="ja-JP" dirty="0" smtClean="0"/>
-              <a:t/>
-            </a:r>
             <a:br>
-              <a:rPr kumimoji="1" lang="en-US" altLang="ja-JP" dirty="0" smtClean="0"/>
+              <a:rPr kumimoji="1" lang="en-US" altLang="ja-JP" dirty="0"/>
             </a:br>
             <a:r>
-              <a:rPr kumimoji="1" lang="ja-JP" altLang="en-US" sz="1400" dirty="0" smtClean="0"/>
+              <a:rPr kumimoji="1" lang="ja-JP" altLang="en-US" sz="1400" dirty="0"/>
               <a:t>他機体から受け取った情報</a:t>
             </a:r>
-            <a:endParaRPr kumimoji="1" lang="en-US" altLang="ja-JP" sz="1400" dirty="0" smtClean="0"/>
+            <a:endParaRPr kumimoji="1" lang="en-US" altLang="ja-JP" sz="1400" dirty="0"/>
           </a:p>
           <a:p>
             <a:pPr algn="ctr"/>
             <a:r>
               <a:rPr lang="ja-JP" altLang="en-US" sz="1400" dirty="0"/>
-              <a:t>センシング</a:t>
-            </a:r>
-            <a:r>
-              <a:rPr lang="ja-JP" altLang="en-US" sz="1400" dirty="0" smtClean="0"/>
-              <a:t>によって得られた情報をメモリにストア</a:t>
+              <a:t>センシングによって得られた情報をメモリにストア</a:t>
             </a:r>
             <a:endParaRPr kumimoji="1" lang="ja-JP" altLang="en-US" sz="1400" dirty="0"/>
           </a:p>
@@ -3413,31 +3852,23 @@
           <a:p>
             <a:pPr algn="ctr"/>
             <a:r>
-              <a:rPr kumimoji="1" lang="ja-JP" altLang="en-US" dirty="0" smtClean="0"/>
+              <a:rPr kumimoji="1" lang="ja-JP" altLang="en-US" dirty="0"/>
               <a:t>他機体</a:t>
             </a:r>
-            <a:endParaRPr kumimoji="1" lang="en-US" altLang="ja-JP" dirty="0" smtClean="0"/>
+            <a:endParaRPr kumimoji="1" lang="en-US" altLang="ja-JP" dirty="0"/>
           </a:p>
           <a:p>
             <a:pPr algn="ctr"/>
             <a:r>
               <a:rPr lang="ja-JP" altLang="en-US" sz="1400" dirty="0"/>
-              <a:t>他</a:t>
-            </a:r>
-            <a:r>
-              <a:rPr lang="ja-JP" altLang="en-US" sz="1400" dirty="0" smtClean="0"/>
-              <a:t>機体</a:t>
+              <a:t>他機体の</a:t>
+            </a:r>
+            <a:r>
+              <a:rPr lang="en-US" altLang="ja-JP" sz="1400" dirty="0"/>
+              <a:t>Estimator (or Sensor) </a:t>
             </a:r>
             <a:r>
               <a:rPr lang="ja-JP" altLang="en-US" sz="1400" dirty="0"/>
-              <a:t>の</a:t>
-            </a:r>
-            <a:r>
-              <a:rPr lang="en-US" altLang="ja-JP" sz="1400" dirty="0" smtClean="0"/>
-              <a:t>Estimator (or Sensor) </a:t>
-            </a:r>
-            <a:r>
-              <a:rPr lang="ja-JP" altLang="en-US" sz="1400" dirty="0" smtClean="0"/>
               <a:t>情報を取得した段階で送信</a:t>
             </a:r>
             <a:endParaRPr kumimoji="1" lang="ja-JP" altLang="en-US" sz="1400" dirty="0"/>
@@ -3591,29 +4022,28 @@
           <a:p>
             <a:pPr algn="ctr"/>
             <a:r>
-              <a:rPr lang="en-US" altLang="ja-JP" dirty="0" smtClean="0"/>
+              <a:rPr lang="en-US" altLang="ja-JP" dirty="0"/>
               <a:t>Estimator</a:t>
             </a:r>
           </a:p>
           <a:p>
             <a:pPr algn="ctr"/>
             <a:r>
-              <a:rPr kumimoji="1" lang="en-US" altLang="ja-JP" sz="1600" dirty="0" smtClean="0"/>
+              <a:rPr kumimoji="1" lang="en-US" altLang="ja-JP" sz="1600" dirty="0"/>
               <a:t>sensor</a:t>
             </a:r>
             <a:r>
-              <a:rPr kumimoji="1" lang="ja-JP" altLang="en-US" sz="1600" dirty="0" smtClean="0"/>
+              <a:rPr kumimoji="1" lang="ja-JP" altLang="en-US" sz="1600" dirty="0"/>
               <a:t>情報から</a:t>
             </a:r>
             <a:r>
-              <a:rPr kumimoji="1" lang="en-US" altLang="ja-JP" sz="1600" dirty="0" smtClean="0"/>
+              <a:rPr kumimoji="1" lang="en-US" altLang="ja-JP" sz="1600" dirty="0"/>
               <a:t>controller</a:t>
             </a:r>
             <a:r>
-              <a:rPr kumimoji="1" lang="ja-JP" altLang="en-US" sz="1600" dirty="0" smtClean="0"/>
+              <a:rPr kumimoji="1" lang="ja-JP" altLang="en-US" sz="1600" dirty="0"/>
               <a:t>に必要な情報に変換</a:t>
             </a:r>
-            <a:endParaRPr kumimoji="1" lang="ja-JP" altLang="en-US" sz="1600" dirty="0"/>
           </a:p>
         </p:txBody>
       </p:sp>
@@ -3654,20 +4084,16 @@
           <a:p>
             <a:pPr algn="ctr"/>
             <a:r>
-              <a:rPr lang="en-US" altLang="ja-JP" dirty="0" err="1" smtClean="0"/>
+              <a:rPr lang="en-US" altLang="ja-JP" dirty="0" err="1"/>
               <a:t>Env</a:t>
             </a:r>
-            <a:endParaRPr lang="en-US" altLang="ja-JP" dirty="0" smtClean="0"/>
+            <a:endParaRPr lang="en-US" altLang="ja-JP" dirty="0"/>
           </a:p>
           <a:p>
             <a:pPr algn="ctr"/>
             <a:r>
               <a:rPr kumimoji="1" lang="ja-JP" altLang="en-US" sz="1400" dirty="0"/>
-              <a:t>外界</a:t>
-            </a:r>
-            <a:r>
-              <a:rPr kumimoji="1" lang="ja-JP" altLang="en-US" sz="1400" dirty="0" smtClean="0"/>
-              <a:t>センサー情報を提供する</a:t>
+              <a:t>外界センサー情報を提供する</a:t>
             </a:r>
             <a:endParaRPr kumimoji="1" lang="ja-JP" altLang="en-US" dirty="0"/>
           </a:p>
@@ -3710,32 +4136,28 @@
           <a:p>
             <a:pPr algn="ctr"/>
             <a:r>
-              <a:rPr lang="en-US" altLang="ja-JP" dirty="0" smtClean="0"/>
+              <a:rPr lang="en-US" altLang="ja-JP" dirty="0"/>
               <a:t>Model</a:t>
             </a:r>
             <a:br>
-              <a:rPr lang="en-US" altLang="ja-JP" dirty="0" smtClean="0"/>
+              <a:rPr lang="en-US" altLang="ja-JP" dirty="0"/>
             </a:br>
             <a:r>
-              <a:rPr lang="ja-JP" altLang="en-US" sz="1400" dirty="0" smtClean="0"/>
+              <a:rPr lang="ja-JP" altLang="en-US" sz="1400" dirty="0"/>
               <a:t>内界センサー情報を提供する</a:t>
             </a:r>
-            <a:r>
-              <a:rPr lang="en-US" altLang="ja-JP" sz="1200" dirty="0" smtClean="0"/>
-              <a:t/>
-            </a:r>
             <a:br>
-              <a:rPr lang="en-US" altLang="ja-JP" sz="1200" dirty="0" smtClean="0"/>
+              <a:rPr lang="en-US" altLang="ja-JP" sz="1200" dirty="0"/>
             </a:br>
             <a:r>
-              <a:rPr lang="en-US" altLang="ja-JP" sz="1200" dirty="0" smtClean="0"/>
+              <a:rPr lang="en-US" altLang="ja-JP" sz="1200" dirty="0"/>
               <a:t>u </a:t>
             </a:r>
             <a:r>
-              <a:rPr lang="ja-JP" altLang="en-US" sz="1200" dirty="0" smtClean="0"/>
+              <a:rPr lang="ja-JP" altLang="en-US" sz="1200" dirty="0"/>
               <a:t>情報によって駆動し，状態を更新する</a:t>
             </a:r>
-            <a:endParaRPr lang="en-US" altLang="ja-JP" sz="1200" dirty="0" smtClean="0"/>
+            <a:endParaRPr lang="en-US" altLang="ja-JP" sz="1200" dirty="0"/>
           </a:p>
         </p:txBody>
       </p:sp>
@@ -3776,33 +4198,29 @@
           <a:p>
             <a:pPr algn="ctr"/>
             <a:r>
-              <a:rPr lang="en-US" altLang="ja-JP" dirty="0" smtClean="0"/>
+              <a:rPr lang="en-US" altLang="ja-JP" dirty="0"/>
               <a:t>Controller</a:t>
             </a:r>
             <a:br>
-              <a:rPr lang="en-US" altLang="ja-JP" dirty="0" smtClean="0"/>
+              <a:rPr lang="en-US" altLang="ja-JP" dirty="0"/>
             </a:br>
             <a:r>
-              <a:rPr lang="en-US" altLang="ja-JP" sz="1400" dirty="0" smtClean="0"/>
+              <a:rPr lang="en-US" altLang="ja-JP" sz="1400" dirty="0"/>
               <a:t>Estimator</a:t>
             </a:r>
             <a:r>
-              <a:rPr lang="ja-JP" altLang="en-US" sz="1400" dirty="0" smtClean="0"/>
+              <a:rPr lang="ja-JP" altLang="en-US" sz="1400" dirty="0"/>
               <a:t>が生成した情報をもとに</a:t>
             </a:r>
-            <a:r>
-              <a:rPr lang="en-US" altLang="ja-JP" sz="1400" dirty="0" smtClean="0"/>
-              <a:t/>
-            </a:r>
             <a:br>
-              <a:rPr lang="en-US" altLang="ja-JP" sz="1400" dirty="0" smtClean="0"/>
+              <a:rPr lang="en-US" altLang="ja-JP" sz="1400" dirty="0"/>
             </a:br>
             <a:r>
-              <a:rPr lang="en-US" altLang="ja-JP" sz="1400" dirty="0" smtClean="0"/>
+              <a:rPr lang="en-US" altLang="ja-JP" sz="1400" dirty="0"/>
               <a:t>u </a:t>
             </a:r>
             <a:r>
-              <a:rPr lang="ja-JP" altLang="en-US" sz="1400" dirty="0" smtClean="0"/>
+              <a:rPr lang="ja-JP" altLang="en-US" sz="1400" dirty="0"/>
               <a:t>を生成する</a:t>
             </a:r>
             <a:endParaRPr kumimoji="1" lang="ja-JP" altLang="en-US" dirty="0"/>
@@ -3975,7 +4393,7 @@
           <a:lstStyle/>
           <a:p>
             <a:r>
-              <a:rPr kumimoji="1" lang="en-US" altLang="ja-JP" dirty="0" smtClean="0"/>
+              <a:rPr kumimoji="1" lang="en-US" altLang="ja-JP" dirty="0"/>
               <a:t>Neighbors’ Estimator</a:t>
             </a:r>
             <a:endParaRPr kumimoji="1" lang="ja-JP" altLang="en-US" dirty="0"/>
@@ -4005,7 +4423,7 @@
           <a:lstStyle/>
           <a:p>
             <a:r>
-              <a:rPr kumimoji="1" lang="en-US" altLang="ja-JP" dirty="0" err="1" smtClean="0"/>
+              <a:rPr kumimoji="1" lang="en-US" altLang="ja-JP" dirty="0" err="1"/>
               <a:t>Env</a:t>
             </a:r>
             <a:endParaRPr kumimoji="1" lang="ja-JP" altLang="en-US" dirty="0"/>
@@ -4035,7 +4453,7 @@
           <a:lstStyle/>
           <a:p>
             <a:r>
-              <a:rPr lang="en-US" altLang="ja-JP" dirty="0" smtClean="0"/>
+              <a:rPr lang="en-US" altLang="ja-JP" dirty="0"/>
               <a:t>Model</a:t>
             </a:r>
             <a:endParaRPr kumimoji="1" lang="ja-JP" altLang="en-US" dirty="0"/>
@@ -4065,7 +4483,7 @@
           <a:lstStyle/>
           <a:p>
             <a:r>
-              <a:rPr lang="en-US" altLang="ja-JP" dirty="0" smtClean="0"/>
+              <a:rPr lang="en-US" altLang="ja-JP" dirty="0"/>
               <a:t>Sensor.do</a:t>
             </a:r>
             <a:endParaRPr kumimoji="1" lang="ja-JP" altLang="en-US" dirty="0"/>
@@ -4095,7 +4513,7 @@
           <a:lstStyle/>
           <a:p>
             <a:r>
-              <a:rPr lang="en-US" altLang="ja-JP" dirty="0" smtClean="0"/>
+              <a:rPr lang="en-US" altLang="ja-JP" dirty="0"/>
               <a:t>Y</a:t>
             </a:r>
             <a:endParaRPr kumimoji="1" lang="ja-JP" altLang="en-US" dirty="0"/>
@@ -4124,7 +4542,7 @@
           <a:lstStyle/>
           <a:p>
             <a:r>
-              <a:rPr lang="en-US" altLang="ja-JP" dirty="0" err="1" smtClean="0"/>
+              <a:rPr lang="en-US" altLang="ja-JP" dirty="0" err="1"/>
               <a:t>Estimator.calc</a:t>
             </a:r>
             <a:endParaRPr lang="ja-JP" altLang="en-US" dirty="0"/>
@@ -4154,7 +4572,7 @@
           <a:lstStyle/>
           <a:p>
             <a:r>
-              <a:rPr lang="en-US" altLang="ja-JP" dirty="0" err="1" smtClean="0"/>
+              <a:rPr lang="en-US" altLang="ja-JP" dirty="0" err="1"/>
               <a:t>Xh</a:t>
             </a:r>
             <a:endParaRPr kumimoji="1" lang="ja-JP" altLang="en-US" dirty="0"/>
@@ -4183,7 +4601,7 @@
           <a:lstStyle/>
           <a:p>
             <a:r>
-              <a:rPr lang="en-US" altLang="ja-JP" dirty="0" err="1" smtClean="0"/>
+              <a:rPr lang="en-US" altLang="ja-JP" dirty="0" err="1"/>
               <a:t>Controller.calc</a:t>
             </a:r>
             <a:endParaRPr lang="ja-JP" altLang="en-US" dirty="0"/>
@@ -4243,7 +4661,7 @@
           <a:lstStyle/>
           <a:p>
             <a:r>
-              <a:rPr lang="en-US" altLang="ja-JP" dirty="0" err="1" smtClean="0"/>
+              <a:rPr lang="en-US" altLang="ja-JP" dirty="0" err="1"/>
               <a:t>Xd</a:t>
             </a:r>
             <a:endParaRPr kumimoji="1" lang="ja-JP" altLang="en-US" dirty="0"/>
@@ -4287,29 +4705,28 @@
           <a:p>
             <a:pPr algn="ctr"/>
             <a:r>
-              <a:rPr lang="en-US" altLang="ja-JP" dirty="0" smtClean="0"/>
+              <a:rPr lang="en-US" altLang="ja-JP" dirty="0"/>
               <a:t>Reference</a:t>
             </a:r>
           </a:p>
           <a:p>
             <a:pPr algn="ctr"/>
             <a:r>
-              <a:rPr kumimoji="1" lang="en-US" altLang="ja-JP" sz="1600" dirty="0" smtClean="0"/>
+              <a:rPr kumimoji="1" lang="en-US" altLang="ja-JP" sz="1600" dirty="0"/>
               <a:t>sensor</a:t>
             </a:r>
             <a:r>
-              <a:rPr kumimoji="1" lang="ja-JP" altLang="en-US" sz="1600" dirty="0" smtClean="0"/>
+              <a:rPr kumimoji="1" lang="ja-JP" altLang="en-US" sz="1600" dirty="0"/>
               <a:t>情報から</a:t>
             </a:r>
             <a:r>
-              <a:rPr kumimoji="1" lang="en-US" altLang="ja-JP" sz="1600" dirty="0" smtClean="0"/>
+              <a:rPr kumimoji="1" lang="en-US" altLang="ja-JP" sz="1600" dirty="0"/>
               <a:t>controller</a:t>
             </a:r>
             <a:r>
-              <a:rPr kumimoji="1" lang="ja-JP" altLang="en-US" sz="1600" dirty="0" smtClean="0"/>
+              <a:rPr kumimoji="1" lang="ja-JP" altLang="en-US" sz="1600" dirty="0"/>
               <a:t>に必要な情報に変換</a:t>
             </a:r>
-            <a:endParaRPr kumimoji="1" lang="ja-JP" altLang="en-US" sz="1600" dirty="0"/>
           </a:p>
         </p:txBody>
       </p:sp>
@@ -4458,18 +4875,18 @@
           <a:p>
             <a:pPr algn="ctr"/>
             <a:r>
-              <a:rPr kumimoji="1" lang="ja-JP" altLang="en-US" dirty="0" smtClean="0"/>
+              <a:rPr kumimoji="1" lang="ja-JP" altLang="en-US" dirty="0"/>
               <a:t>他機体</a:t>
             </a:r>
-            <a:endParaRPr kumimoji="1" lang="en-US" altLang="ja-JP" dirty="0" smtClean="0"/>
+            <a:endParaRPr kumimoji="1" lang="en-US" altLang="ja-JP" dirty="0"/>
           </a:p>
           <a:p>
             <a:pPr algn="ctr"/>
             <a:r>
-              <a:rPr kumimoji="1" lang="ja-JP" altLang="en-US" sz="1400" dirty="0" smtClean="0"/>
+              <a:rPr kumimoji="1" lang="ja-JP" altLang="en-US" sz="1400" dirty="0"/>
               <a:t>推定状態値を受信</a:t>
             </a:r>
-            <a:endParaRPr kumimoji="1" lang="en-US" altLang="ja-JP" dirty="0" smtClean="0"/>
+            <a:endParaRPr kumimoji="1" lang="en-US" altLang="ja-JP" dirty="0"/>
           </a:p>
         </p:txBody>
       </p:sp>
@@ -4519,21 +4936,6 @@
   <p:clrMapOvr>
     <a:masterClrMapping/>
   </p:clrMapOvr>
-  <mc:AlternateContent xmlns:mc="http://schemas.openxmlformats.org/markup-compatibility/2006">
-    <mc:Choice xmlns:p14="http://schemas.microsoft.com/office/powerpoint/2010/main" Requires="p14">
-      <p:transition spd="slow" p14:dur="2000"/>
-    </mc:Choice>
-    <mc:Fallback>
-      <p:transition spd="slow"/>
-    </mc:Fallback>
-  </mc:AlternateContent>
-  <p:timing>
-    <p:tnLst>
-      <p:par>
-        <p:cTn id="1" dur="indefinite" restart="never" nodeType="tmRoot"/>
-      </p:par>
-    </p:tnLst>
-  </p:timing>
 </p:sld>
 </file>
 
@@ -4591,23 +4993,19 @@
           <a:p>
             <a:pPr algn="ctr"/>
             <a:r>
-              <a:rPr lang="en-US" altLang="ja-JP" dirty="0" err="1" smtClean="0"/>
-              <a:t>s</a:t>
-            </a:r>
-            <a:r>
-              <a:rPr lang="en-US" altLang="ja-JP" dirty="0" err="1" smtClean="0"/>
-              <a:t>ensor.sensor_name</a:t>
-            </a:r>
-            <a:endParaRPr lang="en-US" altLang="ja-JP" dirty="0" smtClean="0"/>
+              <a:rPr lang="en-US" altLang="ja-JP" dirty="0" err="1"/>
+              <a:t>sensor.sensor_name</a:t>
+            </a:r>
+            <a:endParaRPr lang="en-US" altLang="ja-JP" dirty="0"/>
           </a:p>
           <a:p>
             <a:pPr algn="ctr"/>
             <a:r>
-              <a:rPr lang="en-US" altLang="ja-JP" dirty="0" smtClean="0"/>
+              <a:rPr lang="en-US" altLang="ja-JP" dirty="0"/>
               <a:t>sensor.do() =&gt; </a:t>
             </a:r>
             <a:r>
-              <a:rPr lang="en-US" altLang="ja-JP" dirty="0" err="1" smtClean="0"/>
+              <a:rPr lang="en-US" altLang="ja-JP" dirty="0" err="1"/>
               <a:t>sensor.result</a:t>
             </a:r>
             <a:endParaRPr kumimoji="1" lang="ja-JP" altLang="en-US" dirty="0"/>
@@ -4721,25 +5119,21 @@
           <a:p>
             <a:pPr algn="ctr"/>
             <a:r>
-              <a:rPr lang="en-US" altLang="ja-JP" dirty="0" smtClean="0"/>
-              <a:t>e</a:t>
-            </a:r>
-            <a:r>
-              <a:rPr lang="en-US" altLang="ja-JP" dirty="0" smtClean="0"/>
-              <a:t>stimator</a:t>
+              <a:rPr lang="en-US" altLang="ja-JP" dirty="0"/>
+              <a:t>estimator</a:t>
             </a:r>
           </a:p>
           <a:p>
             <a:pPr algn="ctr"/>
             <a:r>
-              <a:rPr lang="en-US" altLang="ja-JP" dirty="0" smtClean="0"/>
+              <a:rPr lang="en-US" altLang="ja-JP" dirty="0"/>
               <a:t>estimator.do =&gt; </a:t>
             </a:r>
             <a:r>
-              <a:rPr lang="en-US" altLang="ja-JP" dirty="0" err="1" smtClean="0"/>
+              <a:rPr lang="en-US" altLang="ja-JP" dirty="0" err="1"/>
               <a:t>estimator.state</a:t>
             </a:r>
-            <a:endParaRPr lang="en-US" altLang="ja-JP" dirty="0" smtClean="0"/>
+            <a:endParaRPr lang="en-US" altLang="ja-JP" dirty="0"/>
           </a:p>
         </p:txBody>
       </p:sp>
@@ -4781,21 +5175,13 @@
             <a:pPr algn="ctr"/>
             <a:r>
               <a:rPr lang="en-US" altLang="ja-JP" dirty="0"/>
-              <a:t>c</a:t>
-            </a:r>
-            <a:r>
-              <a:rPr lang="en-US" altLang="ja-JP" dirty="0" smtClean="0"/>
-              <a:t>ontroller</a:t>
-            </a:r>
-            <a:r>
-              <a:rPr lang="en-US" altLang="ja-JP" dirty="0" smtClean="0"/>
-              <a:t/>
+              <a:t>controller</a:t>
             </a:r>
             <a:br>
-              <a:rPr lang="en-US" altLang="ja-JP" dirty="0" smtClean="0"/>
+              <a:rPr lang="en-US" altLang="ja-JP" dirty="0"/>
             </a:br>
             <a:r>
-              <a:rPr lang="en-US" altLang="ja-JP" dirty="0" smtClean="0"/>
+              <a:rPr lang="en-US" altLang="ja-JP" dirty="0"/>
               <a:t>controller.do -&gt; input</a:t>
             </a:r>
             <a:endParaRPr kumimoji="1" lang="ja-JP" altLang="en-US" dirty="0"/>
@@ -4897,7 +5283,7 @@
           <a:lstStyle/>
           <a:p>
             <a:r>
-              <a:rPr lang="en-US" altLang="ja-JP" dirty="0" smtClean="0"/>
+              <a:rPr lang="en-US" altLang="ja-JP" dirty="0"/>
               <a:t>Y</a:t>
             </a:r>
             <a:endParaRPr kumimoji="1" lang="ja-JP" altLang="en-US" dirty="0"/>
@@ -4927,7 +5313,7 @@
           <a:lstStyle/>
           <a:p>
             <a:r>
-              <a:rPr lang="en-US" altLang="ja-JP" dirty="0" err="1" smtClean="0"/>
+              <a:rPr lang="en-US" altLang="ja-JP" dirty="0" err="1"/>
               <a:t>Xh</a:t>
             </a:r>
             <a:endParaRPr kumimoji="1" lang="ja-JP" altLang="en-US" dirty="0"/>
@@ -4987,7 +5373,7 @@
           <a:lstStyle/>
           <a:p>
             <a:r>
-              <a:rPr lang="en-US" altLang="ja-JP" dirty="0" err="1" smtClean="0"/>
+              <a:rPr lang="en-US" altLang="ja-JP" dirty="0" err="1"/>
               <a:t>Xd</a:t>
             </a:r>
             <a:endParaRPr kumimoji="1" lang="ja-JP" altLang="en-US" dirty="0"/>
@@ -5031,25 +5417,21 @@
           <a:p>
             <a:pPr algn="ctr"/>
             <a:r>
-              <a:rPr lang="en-US" altLang="ja-JP" dirty="0" smtClean="0"/>
-              <a:t>r</a:t>
-            </a:r>
-            <a:r>
-              <a:rPr lang="en-US" altLang="ja-JP" dirty="0" smtClean="0"/>
-              <a:t>eference</a:t>
+              <a:rPr lang="en-US" altLang="ja-JP" dirty="0"/>
+              <a:t>reference</a:t>
             </a:r>
           </a:p>
           <a:p>
             <a:pPr algn="ctr"/>
             <a:r>
-              <a:rPr lang="en-US" altLang="ja-JP" dirty="0" smtClean="0"/>
+              <a:rPr lang="en-US" altLang="ja-JP" dirty="0"/>
               <a:t>reference.do =&gt; </a:t>
             </a:r>
             <a:r>
-              <a:rPr lang="en-US" altLang="ja-JP" dirty="0" err="1" smtClean="0"/>
+              <a:rPr lang="en-US" altLang="ja-JP" dirty="0" err="1"/>
               <a:t>reference.result</a:t>
             </a:r>
-            <a:endParaRPr lang="en-US" altLang="ja-JP" dirty="0" smtClean="0"/>
+            <a:endParaRPr lang="en-US" altLang="ja-JP" dirty="0"/>
           </a:p>
         </p:txBody>
       </p:sp>
@@ -5197,18 +5579,18 @@
           <a:p>
             <a:pPr algn="ctr"/>
             <a:r>
-              <a:rPr kumimoji="1" lang="ja-JP" altLang="en-US" dirty="0" smtClean="0"/>
+              <a:rPr kumimoji="1" lang="ja-JP" altLang="en-US" dirty="0"/>
               <a:t>他機体</a:t>
             </a:r>
-            <a:endParaRPr kumimoji="1" lang="en-US" altLang="ja-JP" dirty="0" smtClean="0"/>
+            <a:endParaRPr kumimoji="1" lang="en-US" altLang="ja-JP" dirty="0"/>
           </a:p>
           <a:p>
             <a:pPr algn="ctr"/>
             <a:r>
-              <a:rPr kumimoji="1" lang="ja-JP" altLang="en-US" sz="1400" dirty="0" smtClean="0"/>
+              <a:rPr kumimoji="1" lang="ja-JP" altLang="en-US" sz="1400" dirty="0"/>
               <a:t>推定状態値を受信</a:t>
             </a:r>
-            <a:endParaRPr kumimoji="1" lang="en-US" altLang="ja-JP" dirty="0" smtClean="0"/>
+            <a:endParaRPr kumimoji="1" lang="en-US" altLang="ja-JP" dirty="0"/>
           </a:p>
         </p:txBody>
       </p:sp>
@@ -5295,25 +5677,17 @@
           <a:p>
             <a:pPr algn="ctr"/>
             <a:r>
-              <a:rPr lang="en-US" altLang="ja-JP" dirty="0" smtClean="0"/>
-              <a:t>m</a:t>
-            </a:r>
-            <a:r>
-              <a:rPr lang="en-US" altLang="ja-JP" dirty="0" smtClean="0"/>
-              <a:t>odel</a:t>
-            </a:r>
-            <a:r>
-              <a:rPr lang="en-US" altLang="ja-JP" dirty="0" smtClean="0"/>
-              <a:t/>
+              <a:rPr lang="en-US" altLang="ja-JP" dirty="0"/>
+              <a:t>model</a:t>
             </a:r>
             <a:br>
-              <a:rPr lang="en-US" altLang="ja-JP" dirty="0" smtClean="0"/>
+              <a:rPr lang="en-US" altLang="ja-JP" dirty="0"/>
             </a:br>
             <a:r>
-              <a:rPr lang="ja-JP" altLang="en-US" dirty="0" smtClean="0"/>
+              <a:rPr lang="ja-JP" altLang="en-US" dirty="0"/>
               <a:t>制御モデル</a:t>
             </a:r>
-            <a:endParaRPr lang="en-US" altLang="ja-JP" sz="1200" dirty="0" smtClean="0"/>
+            <a:endParaRPr lang="en-US" altLang="ja-JP" sz="1200" dirty="0"/>
           </a:p>
         </p:txBody>
       </p:sp>
@@ -5390,10 +5764,10 @@
           <a:p>
             <a:pPr algn="ctr"/>
             <a:r>
-              <a:rPr lang="en-US" altLang="ja-JP" dirty="0" err="1" smtClean="0"/>
+              <a:rPr lang="en-US" altLang="ja-JP" dirty="0" err="1"/>
               <a:t>input_tranform</a:t>
             </a:r>
-            <a:endParaRPr lang="en-US" altLang="ja-JP" sz="1200" dirty="0" smtClean="0"/>
+            <a:endParaRPr lang="en-US" altLang="ja-JP" sz="1200" dirty="0"/>
           </a:p>
         </p:txBody>
       </p:sp>
@@ -5470,14 +5844,14 @@
           <a:p>
             <a:pPr algn="ctr"/>
             <a:r>
-              <a:rPr lang="en-US" altLang="ja-JP" dirty="0" smtClean="0"/>
+              <a:rPr lang="en-US" altLang="ja-JP" dirty="0"/>
               <a:t>Connector</a:t>
             </a:r>
           </a:p>
           <a:p>
             <a:pPr algn="ctr"/>
             <a:r>
-              <a:rPr lang="en-US" altLang="ja-JP" dirty="0" smtClean="0"/>
+              <a:rPr lang="en-US" altLang="ja-JP" dirty="0"/>
               <a:t>NATNET, ROS…</a:t>
             </a:r>
             <a:endParaRPr kumimoji="1" lang="ja-JP" altLang="en-US" dirty="0"/>
@@ -5543,7 +5917,7 @@
           <a:lstStyle/>
           <a:p>
             <a:r>
-              <a:rPr lang="en-US" altLang="ja-JP" dirty="0" err="1" smtClean="0"/>
+              <a:rPr lang="en-US" altLang="ja-JP" dirty="0" err="1"/>
               <a:t>Xh</a:t>
             </a:r>
             <a:endParaRPr kumimoji="1" lang="ja-JP" altLang="en-US" dirty="0"/>
@@ -5624,13 +5998,9 @@
             <a:pPr algn="ctr"/>
             <a:r>
               <a:rPr lang="en-US" altLang="ja-JP" dirty="0" err="1"/>
-              <a:t>e</a:t>
-            </a:r>
-            <a:r>
-              <a:rPr lang="en-US" altLang="ja-JP" dirty="0" err="1" smtClean="0"/>
-              <a:t>nv</a:t>
-            </a:r>
-            <a:endParaRPr lang="en-US" altLang="ja-JP" dirty="0" smtClean="0"/>
+              <a:t>env</a:t>
+            </a:r>
+            <a:endParaRPr lang="en-US" altLang="ja-JP" dirty="0"/>
           </a:p>
           <a:p>
             <a:pPr algn="ctr"/>
@@ -5639,10 +6009,9 @@
               <a:t>Env</a:t>
             </a:r>
             <a:r>
-              <a:rPr kumimoji="1" lang="ja-JP" altLang="en-US" dirty="0" smtClean="0"/>
+              <a:rPr kumimoji="1" lang="ja-JP" altLang="en-US" dirty="0"/>
               <a:t>の模擬</a:t>
             </a:r>
-            <a:endParaRPr kumimoji="1" lang="ja-JP" altLang="en-US" dirty="0"/>
           </a:p>
         </p:txBody>
       </p:sp>
@@ -5691,7 +6060,7 @@
           <a:p>
             <a:pPr algn="ctr"/>
             <a:r>
-              <a:rPr kumimoji="1" lang="en-US" altLang="ja-JP" sz="2800" dirty="0" smtClean="0"/>
+              <a:rPr kumimoji="1" lang="en-US" altLang="ja-JP" sz="2800" dirty="0"/>
               <a:t>Drone</a:t>
             </a:r>
             <a:endParaRPr kumimoji="1" lang="ja-JP" altLang="en-US" dirty="0"/>
@@ -5867,7 +6236,7 @@
           <a:p>
             <a:pPr algn="ctr"/>
             <a:r>
-              <a:rPr lang="en-US" altLang="ja-JP" dirty="0" smtClean="0"/>
+              <a:rPr lang="en-US" altLang="ja-JP" dirty="0"/>
               <a:t>Motive</a:t>
             </a:r>
             <a:endParaRPr lang="ja-JP" altLang="en-US" dirty="0"/>
@@ -5911,7 +6280,7 @@
           <a:p>
             <a:pPr algn="ctr"/>
             <a:r>
-              <a:rPr lang="en-US" altLang="ja-JP" dirty="0" smtClean="0"/>
+              <a:rPr lang="en-US" altLang="ja-JP" dirty="0"/>
               <a:t>ROS</a:t>
             </a:r>
             <a:endParaRPr lang="ja-JP" altLang="en-US" dirty="0"/>
@@ -6026,33 +6395,29 @@
           <a:p>
             <a:pPr algn="ctr"/>
             <a:r>
-              <a:rPr lang="en-US" altLang="ja-JP" dirty="0" smtClean="0"/>
+              <a:rPr lang="en-US" altLang="ja-JP" dirty="0"/>
               <a:t>plant</a:t>
             </a:r>
-            <a:r>
-              <a:rPr lang="en-US" altLang="ja-JP" dirty="0" smtClean="0"/>
-              <a:t/>
-            </a:r>
             <a:br>
-              <a:rPr lang="en-US" altLang="ja-JP" dirty="0" smtClean="0"/>
+              <a:rPr lang="en-US" altLang="ja-JP" dirty="0"/>
             </a:br>
             <a:r>
-              <a:rPr lang="ja-JP" altLang="en-US" dirty="0" smtClean="0"/>
+              <a:rPr lang="ja-JP" altLang="en-US" dirty="0"/>
               <a:t>実対象（の模擬）</a:t>
             </a:r>
-            <a:endParaRPr lang="en-US" altLang="ja-JP" dirty="0" smtClean="0"/>
+            <a:endParaRPr lang="en-US" altLang="ja-JP" dirty="0"/>
           </a:p>
           <a:p>
             <a:pPr algn="ctr"/>
             <a:r>
-              <a:rPr lang="en-US" altLang="ja-JP" sz="1200" dirty="0" smtClean="0"/>
+              <a:rPr lang="en-US" altLang="ja-JP" sz="1200" dirty="0"/>
               <a:t>do =&gt; </a:t>
             </a:r>
             <a:r>
-              <a:rPr lang="ja-JP" altLang="en-US" sz="1200" dirty="0" smtClean="0"/>
+              <a:rPr lang="ja-JP" altLang="en-US" sz="1200" dirty="0"/>
               <a:t>状態更新</a:t>
             </a:r>
-            <a:endParaRPr lang="en-US" altLang="ja-JP" sz="1200" dirty="0" smtClean="0"/>
+            <a:endParaRPr lang="en-US" altLang="ja-JP" sz="1200" dirty="0"/>
           </a:p>
         </p:txBody>
       </p:sp>
@@ -6093,10 +6458,10 @@
           <a:p>
             <a:pPr algn="ctr"/>
             <a:r>
-              <a:rPr lang="en-US" altLang="ja-JP" dirty="0" smtClean="0"/>
+              <a:rPr lang="en-US" altLang="ja-JP" dirty="0"/>
               <a:t>Plant</a:t>
             </a:r>
-            <a:endParaRPr lang="en-US" altLang="ja-JP" sz="1200" dirty="0" smtClean="0"/>
+            <a:endParaRPr lang="en-US" altLang="ja-JP" sz="1200" dirty="0"/>
           </a:p>
         </p:txBody>
       </p:sp>
@@ -6159,7 +6524,7 @@
           <a:lstStyle/>
           <a:p>
             <a:r>
-              <a:rPr kumimoji="1" lang="en-US" altLang="ja-JP" dirty="0" smtClean="0"/>
+              <a:rPr kumimoji="1" lang="en-US" altLang="ja-JP" dirty="0"/>
               <a:t>u</a:t>
             </a:r>
             <a:endParaRPr kumimoji="1" lang="ja-JP" altLang="en-US" dirty="0"/>
@@ -6189,7 +6554,7 @@
           <a:lstStyle/>
           <a:p>
             <a:r>
-              <a:rPr kumimoji="1" lang="en-US" altLang="ja-JP" dirty="0" smtClean="0"/>
+              <a:rPr kumimoji="1" lang="en-US" altLang="ja-JP" dirty="0"/>
               <a:t>u</a:t>
             </a:r>
             <a:endParaRPr kumimoji="1" lang="ja-JP" altLang="en-US" dirty="0"/>
@@ -6206,13 +6571,6 @@
   <p:clrMapOvr>
     <a:masterClrMapping/>
   </p:clrMapOvr>
-  <p:timing>
-    <p:tnLst>
-      <p:par>
-        <p:cTn id="1" dur="indefinite" restart="never" nodeType="tmRoot"/>
-      </p:par>
-    </p:tnLst>
-  </p:timing>
 </p:sld>
 </file>
 
@@ -6475,4 +6833,299 @@
     </a:ext>
   </a:extLst>
 </a:theme>
+</file>
+
+<file path=ppt/theme/theme2.xml><?xml version="1.0" encoding="utf-8"?>
+<a:theme xmlns:a="http://schemas.openxmlformats.org/drawingml/2006/main" name="Office テーマ">
+  <a:themeElements>
+    <a:clrScheme name="Office">
+      <a:dk1>
+        <a:sysClr val="windowText" lastClr="000000"/>
+      </a:dk1>
+      <a:lt1>
+        <a:sysClr val="window" lastClr="FFFFFF"/>
+      </a:lt1>
+      <a:dk2>
+        <a:srgbClr val="44546A"/>
+      </a:dk2>
+      <a:lt2>
+        <a:srgbClr val="E7E6E6"/>
+      </a:lt2>
+      <a:accent1>
+        <a:srgbClr val="4472C4"/>
+      </a:accent1>
+      <a:accent2>
+        <a:srgbClr val="ED7D31"/>
+      </a:accent2>
+      <a:accent3>
+        <a:srgbClr val="A5A5A5"/>
+      </a:accent3>
+      <a:accent4>
+        <a:srgbClr val="FFC000"/>
+      </a:accent4>
+      <a:accent5>
+        <a:srgbClr val="5B9BD5"/>
+      </a:accent5>
+      <a:accent6>
+        <a:srgbClr val="70AD47"/>
+      </a:accent6>
+      <a:hlink>
+        <a:srgbClr val="0563C1"/>
+      </a:hlink>
+      <a:folHlink>
+        <a:srgbClr val="954F72"/>
+      </a:folHlink>
+    </a:clrScheme>
+    <a:fontScheme name="Office">
+      <a:majorFont>
+        <a:latin typeface="游ゴシック Light" panose="020F0302020204030204"/>
+        <a:ea typeface=""/>
+        <a:cs typeface=""/>
+        <a:font script="Jpan" typeface="游ゴシック Light"/>
+        <a:font script="Hang" typeface="맑은 고딕"/>
+        <a:font script="Hans" typeface="等线 Light"/>
+        <a:font script="Hant" typeface="新細明體"/>
+        <a:font script="Arab" typeface="Times New Roman"/>
+        <a:font script="Hebr" typeface="Times New Roman"/>
+        <a:font script="Thai" typeface="Angsana New"/>
+        <a:font script="Ethi" typeface="Nyala"/>
+        <a:font script="Beng" typeface="Vrinda"/>
+        <a:font script="Gujr" typeface="Shruti"/>
+        <a:font script="Khmr" typeface="MoolBoran"/>
+        <a:font script="Knda" typeface="Tunga"/>
+        <a:font script="Guru" typeface="Raavi"/>
+        <a:font script="Cans" typeface="Euphemia"/>
+        <a:font script="Cher" typeface="Plantagenet Cherokee"/>
+        <a:font script="Yiii" typeface="Microsoft Yi Baiti"/>
+        <a:font script="Tibt" typeface="Microsoft Himalaya"/>
+        <a:font script="Thaa" typeface="MV Boli"/>
+        <a:font script="Deva" typeface="Mangal"/>
+        <a:font script="Telu" typeface="Gautami"/>
+        <a:font script="Taml" typeface="Latha"/>
+        <a:font script="Syrc" typeface="Estrangelo Edessa"/>
+        <a:font script="Orya" typeface="Kalinga"/>
+        <a:font script="Mlym" typeface="Kartika"/>
+        <a:font script="Laoo" typeface="DokChampa"/>
+        <a:font script="Sinh" typeface="Iskoola Pota"/>
+        <a:font script="Mong" typeface="Mongolian Baiti"/>
+        <a:font script="Viet" typeface="Times New Roman"/>
+        <a:font script="Uigh" typeface="Microsoft Uighur"/>
+        <a:font script="Geor" typeface="Sylfaen"/>
+        <a:font script="Armn" typeface="Arial"/>
+        <a:font script="Bugi" typeface="Leelawadee UI"/>
+        <a:font script="Bopo" typeface="Microsoft JhengHei"/>
+        <a:font script="Java" typeface="Javanese Text"/>
+        <a:font script="Lisu" typeface="Segoe UI"/>
+        <a:font script="Mymr" typeface="Myanmar Text"/>
+        <a:font script="Nkoo" typeface="Ebrima"/>
+        <a:font script="Olck" typeface="Nirmala UI"/>
+        <a:font script="Osma" typeface="Ebrima"/>
+        <a:font script="Phag" typeface="Phagspa"/>
+        <a:font script="Syrn" typeface="Estrangelo Edessa"/>
+        <a:font script="Syrj" typeface="Estrangelo Edessa"/>
+        <a:font script="Syre" typeface="Estrangelo Edessa"/>
+        <a:font script="Sora" typeface="Nirmala UI"/>
+        <a:font script="Tale" typeface="Microsoft Tai Le"/>
+        <a:font script="Talu" typeface="Microsoft New Tai Lue"/>
+        <a:font script="Tfng" typeface="Ebrima"/>
+      </a:majorFont>
+      <a:minorFont>
+        <a:latin typeface="游ゴシック" panose="020F0502020204030204"/>
+        <a:ea typeface=""/>
+        <a:cs typeface=""/>
+        <a:font script="Jpan" typeface="游ゴシック"/>
+        <a:font script="Hang" typeface="맑은 고딕"/>
+        <a:font script="Hans" typeface="等线"/>
+        <a:font script="Hant" typeface="新細明體"/>
+        <a:font script="Arab" typeface="Arial"/>
+        <a:font script="Hebr" typeface="Arial"/>
+        <a:font script="Thai" typeface="Cordia New"/>
+        <a:font script="Ethi" typeface="Nyala"/>
+        <a:font script="Beng" typeface="Vrinda"/>
+        <a:font script="Gujr" typeface="Shruti"/>
+        <a:font script="Khmr" typeface="DaunPenh"/>
+        <a:font script="Knda" typeface="Tunga"/>
+        <a:font script="Guru" typeface="Raavi"/>
+        <a:font script="Cans" typeface="Euphemia"/>
+        <a:font script="Cher" typeface="Plantagenet Cherokee"/>
+        <a:font script="Yiii" typeface="Microsoft Yi Baiti"/>
+        <a:font script="Tibt" typeface="Microsoft Himalaya"/>
+        <a:font script="Thaa" typeface="MV Boli"/>
+        <a:font script="Deva" typeface="Mangal"/>
+        <a:font script="Telu" typeface="Gautami"/>
+        <a:font script="Taml" typeface="Latha"/>
+        <a:font script="Syrc" typeface="Estrangelo Edessa"/>
+        <a:font script="Orya" typeface="Kalinga"/>
+        <a:font script="Mlym" typeface="Kartika"/>
+        <a:font script="Laoo" typeface="DokChampa"/>
+        <a:font script="Sinh" typeface="Iskoola Pota"/>
+        <a:font script="Mong" typeface="Mongolian Baiti"/>
+        <a:font script="Viet" typeface="Arial"/>
+        <a:font script="Uigh" typeface="Microsoft Uighur"/>
+        <a:font script="Geor" typeface="Sylfaen"/>
+        <a:font script="Armn" typeface="Arial"/>
+        <a:font script="Bugi" typeface="Leelawadee UI"/>
+        <a:font script="Bopo" typeface="Microsoft JhengHei"/>
+        <a:font script="Java" typeface="Javanese Text"/>
+        <a:font script="Lisu" typeface="Segoe UI"/>
+        <a:font script="Mymr" typeface="Myanmar Text"/>
+        <a:font script="Nkoo" typeface="Ebrima"/>
+        <a:font script="Olck" typeface="Nirmala UI"/>
+        <a:font script="Osma" typeface="Ebrima"/>
+        <a:font script="Phag" typeface="Phagspa"/>
+        <a:font script="Syrn" typeface="Estrangelo Edessa"/>
+        <a:font script="Syrj" typeface="Estrangelo Edessa"/>
+        <a:font script="Syre" typeface="Estrangelo Edessa"/>
+        <a:font script="Sora" typeface="Nirmala UI"/>
+        <a:font script="Tale" typeface="Microsoft Tai Le"/>
+        <a:font script="Talu" typeface="Microsoft New Tai Lue"/>
+        <a:font script="Tfng" typeface="Ebrima"/>
+      </a:minorFont>
+    </a:fontScheme>
+    <a:fmtScheme name="Office">
+      <a:fillStyleLst>
+        <a:solidFill>
+          <a:schemeClr val="phClr"/>
+        </a:solidFill>
+        <a:gradFill rotWithShape="1">
+          <a:gsLst>
+            <a:gs pos="0">
+              <a:schemeClr val="phClr">
+                <a:lumMod val="110000"/>
+                <a:satMod val="105000"/>
+                <a:tint val="67000"/>
+              </a:schemeClr>
+            </a:gs>
+            <a:gs pos="50000">
+              <a:schemeClr val="phClr">
+                <a:lumMod val="105000"/>
+                <a:satMod val="103000"/>
+                <a:tint val="73000"/>
+              </a:schemeClr>
+            </a:gs>
+            <a:gs pos="100000">
+              <a:schemeClr val="phClr">
+                <a:lumMod val="105000"/>
+                <a:satMod val="109000"/>
+                <a:tint val="81000"/>
+              </a:schemeClr>
+            </a:gs>
+          </a:gsLst>
+          <a:lin ang="5400000" scaled="0"/>
+        </a:gradFill>
+        <a:gradFill rotWithShape="1">
+          <a:gsLst>
+            <a:gs pos="0">
+              <a:schemeClr val="phClr">
+                <a:satMod val="103000"/>
+                <a:lumMod val="102000"/>
+                <a:tint val="94000"/>
+              </a:schemeClr>
+            </a:gs>
+            <a:gs pos="50000">
+              <a:schemeClr val="phClr">
+                <a:satMod val="110000"/>
+                <a:lumMod val="100000"/>
+                <a:shade val="100000"/>
+              </a:schemeClr>
+            </a:gs>
+            <a:gs pos="100000">
+              <a:schemeClr val="phClr">
+                <a:lumMod val="99000"/>
+                <a:satMod val="120000"/>
+                <a:shade val="78000"/>
+              </a:schemeClr>
+            </a:gs>
+          </a:gsLst>
+          <a:lin ang="5400000" scaled="0"/>
+        </a:gradFill>
+      </a:fillStyleLst>
+      <a:lnStyleLst>
+        <a:ln w="6350" cap="flat" cmpd="sng" algn="ctr">
+          <a:solidFill>
+            <a:schemeClr val="phClr"/>
+          </a:solidFill>
+          <a:prstDash val="solid"/>
+          <a:miter lim="800000"/>
+        </a:ln>
+        <a:ln w="12700" cap="flat" cmpd="sng" algn="ctr">
+          <a:solidFill>
+            <a:schemeClr val="phClr"/>
+          </a:solidFill>
+          <a:prstDash val="solid"/>
+          <a:miter lim="800000"/>
+        </a:ln>
+        <a:ln w="19050" cap="flat" cmpd="sng" algn="ctr">
+          <a:solidFill>
+            <a:schemeClr val="phClr"/>
+          </a:solidFill>
+          <a:prstDash val="solid"/>
+          <a:miter lim="800000"/>
+        </a:ln>
+      </a:lnStyleLst>
+      <a:effectStyleLst>
+        <a:effectStyle>
+          <a:effectLst/>
+        </a:effectStyle>
+        <a:effectStyle>
+          <a:effectLst/>
+        </a:effectStyle>
+        <a:effectStyle>
+          <a:effectLst>
+            <a:outerShdw blurRad="57150" dist="19050" dir="5400000" algn="ctr" rotWithShape="0">
+              <a:srgbClr val="000000">
+                <a:alpha val="63000"/>
+              </a:srgbClr>
+            </a:outerShdw>
+          </a:effectLst>
+        </a:effectStyle>
+      </a:effectStyleLst>
+      <a:bgFillStyleLst>
+        <a:solidFill>
+          <a:schemeClr val="phClr"/>
+        </a:solidFill>
+        <a:solidFill>
+          <a:schemeClr val="phClr">
+            <a:tint val="95000"/>
+            <a:satMod val="170000"/>
+          </a:schemeClr>
+        </a:solidFill>
+        <a:gradFill rotWithShape="1">
+          <a:gsLst>
+            <a:gs pos="0">
+              <a:schemeClr val="phClr">
+                <a:tint val="93000"/>
+                <a:satMod val="150000"/>
+                <a:shade val="98000"/>
+                <a:lumMod val="102000"/>
+              </a:schemeClr>
+            </a:gs>
+            <a:gs pos="50000">
+              <a:schemeClr val="phClr">
+                <a:tint val="98000"/>
+                <a:satMod val="130000"/>
+                <a:shade val="90000"/>
+                <a:lumMod val="103000"/>
+              </a:schemeClr>
+            </a:gs>
+            <a:gs pos="100000">
+              <a:schemeClr val="phClr">
+                <a:shade val="63000"/>
+                <a:satMod val="120000"/>
+              </a:schemeClr>
+            </a:gs>
+          </a:gsLst>
+          <a:lin ang="5400000" scaled="0"/>
+        </a:gradFill>
+      </a:bgFillStyleLst>
+    </a:fmtScheme>
+  </a:themeElements>
+  <a:objectDefaults/>
+  <a:extraClrSchemeLst/>
+  <a:extLst>
+    <a:ext uri="{05A4C25C-085E-4340-85A3-A5531E510DB2}">
+      <thm15:themeFamily xmlns:thm15="http://schemas.microsoft.com/office/thememl/2012/main" name="Office Theme" id="{62F939B6-93AF-4DB8-9C6B-D6C7DFDC589F}" vid="{4A3C46E8-61CC-4603-A589-7422A47A8E4A}"/>
+    </a:ext>
+  </a:extLst>
+</a:theme>
 </file>
--- a/class_description.pptx
+++ b/class_description.pptx
@@ -7,6 +7,7 @@
   <p:sldIdLst>
     <p:sldId id="256" r:id="rId2"/>
     <p:sldId id="257" r:id="rId3"/>
+    <p:sldId id="258" r:id="rId4"/>
   </p:sldIdLst>
   <p:sldSz cx="12192000" cy="6858000"/>
   <p:notesSz cx="6858000" cy="9144000"/>
@@ -155,10 +156,9 @@
           </a:lstStyle>
           <a:p>
             <a:r>
-              <a:rPr kumimoji="1" lang="ja-JP" altLang="en-US" smtClean="0"/>
+              <a:rPr kumimoji="1" lang="ja-JP" altLang="en-US"/>
               <a:t>マスター タイトルの書式設定</a:t>
             </a:r>
-            <a:endParaRPr kumimoji="1" lang="ja-JP" altLang="en-US"/>
           </a:p>
         </p:txBody>
       </p:sp>
@@ -220,10 +220,9 @@
           </a:lstStyle>
           <a:p>
             <a:r>
-              <a:rPr kumimoji="1" lang="ja-JP" altLang="en-US" smtClean="0"/>
+              <a:rPr kumimoji="1" lang="ja-JP" altLang="en-US"/>
               <a:t>マスター サブタイトルの書式設定</a:t>
             </a:r>
-            <a:endParaRPr kumimoji="1" lang="ja-JP" altLang="en-US"/>
           </a:p>
         </p:txBody>
       </p:sp>
@@ -244,7 +243,7 @@
           <a:p>
             <a:fld id="{C2B2B52F-F71B-4EE0-AF6F-6E3C3E1FEF12}" type="datetimeFigureOut">
               <a:rPr kumimoji="1" lang="ja-JP" altLang="en-US" smtClean="0"/>
-              <a:t>2020/3/18</a:t>
+              <a:t>2022/5/30</a:t>
             </a:fld>
             <a:endParaRPr kumimoji="1" lang="ja-JP" altLang="en-US"/>
           </a:p>
@@ -338,10 +337,9 @@
           <a:lstStyle/>
           <a:p>
             <a:r>
-              <a:rPr kumimoji="1" lang="ja-JP" altLang="en-US" smtClean="0"/>
+              <a:rPr kumimoji="1" lang="ja-JP" altLang="en-US"/>
               <a:t>マスター タイトルの書式設定</a:t>
             </a:r>
-            <a:endParaRPr kumimoji="1" lang="ja-JP" altLang="en-US"/>
           </a:p>
         </p:txBody>
       </p:sp>
@@ -362,70 +360,69 @@
           <a:p>
             <a:pPr lvl="0"/>
             <a:r>
-              <a:rPr kumimoji="1" lang="ja-JP" altLang="en-US" smtClean="0"/>
+              <a:rPr kumimoji="1" lang="ja-JP" altLang="en-US"/>
               <a:t>マスター テキストの書式設定</a:t>
             </a:r>
           </a:p>
           <a:p>
             <a:pPr lvl="1"/>
             <a:r>
-              <a:rPr kumimoji="1" lang="ja-JP" altLang="en-US" smtClean="0"/>
+              <a:rPr kumimoji="1" lang="ja-JP" altLang="en-US"/>
               <a:t>第 </a:t>
             </a:r>
             <a:r>
-              <a:rPr kumimoji="1" lang="en-US" altLang="ja-JP" smtClean="0"/>
+              <a:rPr kumimoji="1" lang="en-US" altLang="ja-JP"/>
               <a:t>2 </a:t>
             </a:r>
             <a:r>
-              <a:rPr kumimoji="1" lang="ja-JP" altLang="en-US" smtClean="0"/>
+              <a:rPr kumimoji="1" lang="ja-JP" altLang="en-US"/>
               <a:t>レベル</a:t>
             </a:r>
           </a:p>
           <a:p>
             <a:pPr lvl="2"/>
             <a:r>
-              <a:rPr kumimoji="1" lang="ja-JP" altLang="en-US" smtClean="0"/>
+              <a:rPr kumimoji="1" lang="ja-JP" altLang="en-US"/>
               <a:t>第 </a:t>
             </a:r>
             <a:r>
-              <a:rPr kumimoji="1" lang="en-US" altLang="ja-JP" smtClean="0"/>
+              <a:rPr kumimoji="1" lang="en-US" altLang="ja-JP"/>
               <a:t>3 </a:t>
             </a:r>
             <a:r>
-              <a:rPr kumimoji="1" lang="ja-JP" altLang="en-US" smtClean="0"/>
+              <a:rPr kumimoji="1" lang="ja-JP" altLang="en-US"/>
               <a:t>レベル</a:t>
             </a:r>
           </a:p>
           <a:p>
             <a:pPr lvl="3"/>
             <a:r>
-              <a:rPr kumimoji="1" lang="ja-JP" altLang="en-US" smtClean="0"/>
+              <a:rPr kumimoji="1" lang="ja-JP" altLang="en-US"/>
               <a:t>第 </a:t>
             </a:r>
             <a:r>
-              <a:rPr kumimoji="1" lang="en-US" altLang="ja-JP" smtClean="0"/>
+              <a:rPr kumimoji="1" lang="en-US" altLang="ja-JP"/>
               <a:t>4 </a:t>
             </a:r>
             <a:r>
-              <a:rPr kumimoji="1" lang="ja-JP" altLang="en-US" smtClean="0"/>
+              <a:rPr kumimoji="1" lang="ja-JP" altLang="en-US"/>
               <a:t>レベル</a:t>
             </a:r>
           </a:p>
           <a:p>
             <a:pPr lvl="4"/>
             <a:r>
-              <a:rPr kumimoji="1" lang="ja-JP" altLang="en-US" smtClean="0"/>
+              <a:rPr kumimoji="1" lang="ja-JP" altLang="en-US"/>
               <a:t>第 </a:t>
             </a:r>
             <a:r>
-              <a:rPr kumimoji="1" lang="en-US" altLang="ja-JP" smtClean="0"/>
+              <a:rPr kumimoji="1" lang="en-US" altLang="ja-JP"/>
               <a:t>5 </a:t>
             </a:r>
             <a:r>
-              <a:rPr kumimoji="1" lang="ja-JP" altLang="en-US" smtClean="0"/>
+              <a:rPr kumimoji="1" lang="ja-JP" altLang="en-US"/>
               <a:t>レベル</a:t>
             </a:r>
-            <a:endParaRPr kumimoji="1" lang="ja-JP" altLang="en-US"/>
           </a:p>
         </p:txBody>
       </p:sp>
@@ -446,7 +443,7 @@
           <a:p>
             <a:fld id="{C2B2B52F-F71B-4EE0-AF6F-6E3C3E1FEF12}" type="datetimeFigureOut">
               <a:rPr kumimoji="1" lang="ja-JP" altLang="en-US" smtClean="0"/>
-              <a:t>2020/3/18</a:t>
+              <a:t>2022/5/30</a:t>
             </a:fld>
             <a:endParaRPr kumimoji="1" lang="ja-JP" altLang="en-US"/>
           </a:p>
@@ -545,10 +542,9 @@
           <a:lstStyle/>
           <a:p>
             <a:r>
-              <a:rPr kumimoji="1" lang="ja-JP" altLang="en-US" smtClean="0"/>
+              <a:rPr kumimoji="1" lang="ja-JP" altLang="en-US"/>
               <a:t>マスター タイトルの書式設定</a:t>
             </a:r>
-            <a:endParaRPr kumimoji="1" lang="ja-JP" altLang="en-US"/>
           </a:p>
         </p:txBody>
       </p:sp>
@@ -574,70 +570,69 @@
           <a:p>
             <a:pPr lvl="0"/>
             <a:r>
-              <a:rPr kumimoji="1" lang="ja-JP" altLang="en-US" smtClean="0"/>
+              <a:rPr kumimoji="1" lang="ja-JP" altLang="en-US"/>
               <a:t>マスター テキストの書式設定</a:t>
             </a:r>
           </a:p>
           <a:p>
             <a:pPr lvl="1"/>
             <a:r>
-              <a:rPr kumimoji="1" lang="ja-JP" altLang="en-US" smtClean="0"/>
+              <a:rPr kumimoji="1" lang="ja-JP" altLang="en-US"/>
               <a:t>第 </a:t>
             </a:r>
             <a:r>
-              <a:rPr kumimoji="1" lang="en-US" altLang="ja-JP" smtClean="0"/>
+              <a:rPr kumimoji="1" lang="en-US" altLang="ja-JP"/>
               <a:t>2 </a:t>
             </a:r>
             <a:r>
-              <a:rPr kumimoji="1" lang="ja-JP" altLang="en-US" smtClean="0"/>
+              <a:rPr kumimoji="1" lang="ja-JP" altLang="en-US"/>
               <a:t>レベル</a:t>
             </a:r>
           </a:p>
           <a:p>
             <a:pPr lvl="2"/>
             <a:r>
-              <a:rPr kumimoji="1" lang="ja-JP" altLang="en-US" smtClean="0"/>
+              <a:rPr kumimoji="1" lang="ja-JP" altLang="en-US"/>
               <a:t>第 </a:t>
             </a:r>
             <a:r>
-              <a:rPr kumimoji="1" lang="en-US" altLang="ja-JP" smtClean="0"/>
+              <a:rPr kumimoji="1" lang="en-US" altLang="ja-JP"/>
               <a:t>3 </a:t>
             </a:r>
             <a:r>
-              <a:rPr kumimoji="1" lang="ja-JP" altLang="en-US" smtClean="0"/>
+              <a:rPr kumimoji="1" lang="ja-JP" altLang="en-US"/>
               <a:t>レベル</a:t>
             </a:r>
           </a:p>
           <a:p>
             <a:pPr lvl="3"/>
             <a:r>
-              <a:rPr kumimoji="1" lang="ja-JP" altLang="en-US" smtClean="0"/>
+              <a:rPr kumimoji="1" lang="ja-JP" altLang="en-US"/>
               <a:t>第 </a:t>
             </a:r>
             <a:r>
-              <a:rPr kumimoji="1" lang="en-US" altLang="ja-JP" smtClean="0"/>
+              <a:rPr kumimoji="1" lang="en-US" altLang="ja-JP"/>
               <a:t>4 </a:t>
             </a:r>
             <a:r>
-              <a:rPr kumimoji="1" lang="ja-JP" altLang="en-US" smtClean="0"/>
+              <a:rPr kumimoji="1" lang="ja-JP" altLang="en-US"/>
               <a:t>レベル</a:t>
             </a:r>
           </a:p>
           <a:p>
             <a:pPr lvl="4"/>
             <a:r>
-              <a:rPr kumimoji="1" lang="ja-JP" altLang="en-US" smtClean="0"/>
+              <a:rPr kumimoji="1" lang="ja-JP" altLang="en-US"/>
               <a:t>第 </a:t>
             </a:r>
             <a:r>
-              <a:rPr kumimoji="1" lang="en-US" altLang="ja-JP" smtClean="0"/>
+              <a:rPr kumimoji="1" lang="en-US" altLang="ja-JP"/>
               <a:t>5 </a:t>
             </a:r>
             <a:r>
-              <a:rPr kumimoji="1" lang="ja-JP" altLang="en-US" smtClean="0"/>
+              <a:rPr kumimoji="1" lang="ja-JP" altLang="en-US"/>
               <a:t>レベル</a:t>
             </a:r>
-            <a:endParaRPr kumimoji="1" lang="ja-JP" altLang="en-US"/>
           </a:p>
         </p:txBody>
       </p:sp>
@@ -658,7 +653,7 @@
           <a:p>
             <a:fld id="{C2B2B52F-F71B-4EE0-AF6F-6E3C3E1FEF12}" type="datetimeFigureOut">
               <a:rPr kumimoji="1" lang="ja-JP" altLang="en-US" smtClean="0"/>
-              <a:t>2020/3/18</a:t>
+              <a:t>2022/5/30</a:t>
             </a:fld>
             <a:endParaRPr kumimoji="1" lang="ja-JP" altLang="en-US"/>
           </a:p>
@@ -752,10 +747,9 @@
           <a:lstStyle/>
           <a:p>
             <a:r>
-              <a:rPr kumimoji="1" lang="ja-JP" altLang="en-US" smtClean="0"/>
+              <a:rPr kumimoji="1" lang="ja-JP" altLang="en-US"/>
               <a:t>マスター タイトルの書式設定</a:t>
             </a:r>
-            <a:endParaRPr kumimoji="1" lang="ja-JP" altLang="en-US"/>
           </a:p>
         </p:txBody>
       </p:sp>
@@ -776,70 +770,69 @@
           <a:p>
             <a:pPr lvl="0"/>
             <a:r>
-              <a:rPr kumimoji="1" lang="ja-JP" altLang="en-US" smtClean="0"/>
+              <a:rPr kumimoji="1" lang="ja-JP" altLang="en-US"/>
               <a:t>マスター テキストの書式設定</a:t>
             </a:r>
           </a:p>
           <a:p>
             <a:pPr lvl="1"/>
             <a:r>
-              <a:rPr kumimoji="1" lang="ja-JP" altLang="en-US" smtClean="0"/>
+              <a:rPr kumimoji="1" lang="ja-JP" altLang="en-US"/>
               <a:t>第 </a:t>
             </a:r>
             <a:r>
-              <a:rPr kumimoji="1" lang="en-US" altLang="ja-JP" smtClean="0"/>
+              <a:rPr kumimoji="1" lang="en-US" altLang="ja-JP"/>
               <a:t>2 </a:t>
             </a:r>
             <a:r>
-              <a:rPr kumimoji="1" lang="ja-JP" altLang="en-US" smtClean="0"/>
+              <a:rPr kumimoji="1" lang="ja-JP" altLang="en-US"/>
               <a:t>レベル</a:t>
             </a:r>
           </a:p>
           <a:p>
             <a:pPr lvl="2"/>
             <a:r>
-              <a:rPr kumimoji="1" lang="ja-JP" altLang="en-US" smtClean="0"/>
+              <a:rPr kumimoji="1" lang="ja-JP" altLang="en-US"/>
               <a:t>第 </a:t>
             </a:r>
             <a:r>
-              <a:rPr kumimoji="1" lang="en-US" altLang="ja-JP" smtClean="0"/>
+              <a:rPr kumimoji="1" lang="en-US" altLang="ja-JP"/>
               <a:t>3 </a:t>
             </a:r>
             <a:r>
-              <a:rPr kumimoji="1" lang="ja-JP" altLang="en-US" smtClean="0"/>
+              <a:rPr kumimoji="1" lang="ja-JP" altLang="en-US"/>
               <a:t>レベル</a:t>
             </a:r>
           </a:p>
           <a:p>
             <a:pPr lvl="3"/>
             <a:r>
-              <a:rPr kumimoji="1" lang="ja-JP" altLang="en-US" smtClean="0"/>
+              <a:rPr kumimoji="1" lang="ja-JP" altLang="en-US"/>
               <a:t>第 </a:t>
             </a:r>
             <a:r>
-              <a:rPr kumimoji="1" lang="en-US" altLang="ja-JP" smtClean="0"/>
+              <a:rPr kumimoji="1" lang="en-US" altLang="ja-JP"/>
               <a:t>4 </a:t>
             </a:r>
             <a:r>
-              <a:rPr kumimoji="1" lang="ja-JP" altLang="en-US" smtClean="0"/>
+              <a:rPr kumimoji="1" lang="ja-JP" altLang="en-US"/>
               <a:t>レベル</a:t>
             </a:r>
           </a:p>
           <a:p>
             <a:pPr lvl="4"/>
             <a:r>
-              <a:rPr kumimoji="1" lang="ja-JP" altLang="en-US" smtClean="0"/>
+              <a:rPr kumimoji="1" lang="ja-JP" altLang="en-US"/>
               <a:t>第 </a:t>
             </a:r>
             <a:r>
-              <a:rPr kumimoji="1" lang="en-US" altLang="ja-JP" smtClean="0"/>
+              <a:rPr kumimoji="1" lang="en-US" altLang="ja-JP"/>
               <a:t>5 </a:t>
             </a:r>
             <a:r>
-              <a:rPr kumimoji="1" lang="ja-JP" altLang="en-US" smtClean="0"/>
+              <a:rPr kumimoji="1" lang="ja-JP" altLang="en-US"/>
               <a:t>レベル</a:t>
             </a:r>
-            <a:endParaRPr kumimoji="1" lang="ja-JP" altLang="en-US"/>
           </a:p>
         </p:txBody>
       </p:sp>
@@ -860,7 +853,7 @@
           <a:p>
             <a:fld id="{C2B2B52F-F71B-4EE0-AF6F-6E3C3E1FEF12}" type="datetimeFigureOut">
               <a:rPr kumimoji="1" lang="ja-JP" altLang="en-US" smtClean="0"/>
-              <a:t>2020/3/18</a:t>
+              <a:t>2022/5/30</a:t>
             </a:fld>
             <a:endParaRPr kumimoji="1" lang="ja-JP" altLang="en-US"/>
           </a:p>
@@ -963,10 +956,9 @@
           </a:lstStyle>
           <a:p>
             <a:r>
-              <a:rPr kumimoji="1" lang="ja-JP" altLang="en-US" smtClean="0"/>
+              <a:rPr kumimoji="1" lang="ja-JP" altLang="en-US"/>
               <a:t>マスター タイトルの書式設定</a:t>
             </a:r>
-            <a:endParaRPr kumimoji="1" lang="ja-JP" altLang="en-US"/>
           </a:p>
         </p:txBody>
       </p:sp>
@@ -1083,7 +1075,7 @@
           <a:p>
             <a:pPr lvl="0"/>
             <a:r>
-              <a:rPr kumimoji="1" lang="ja-JP" altLang="en-US" smtClean="0"/>
+              <a:rPr kumimoji="1" lang="ja-JP" altLang="en-US"/>
               <a:t>マスター テキストの書式設定</a:t>
             </a:r>
           </a:p>
@@ -1106,7 +1098,7 @@
           <a:p>
             <a:fld id="{C2B2B52F-F71B-4EE0-AF6F-6E3C3E1FEF12}" type="datetimeFigureOut">
               <a:rPr kumimoji="1" lang="ja-JP" altLang="en-US" smtClean="0"/>
-              <a:t>2020/3/18</a:t>
+              <a:t>2022/5/30</a:t>
             </a:fld>
             <a:endParaRPr kumimoji="1" lang="ja-JP" altLang="en-US"/>
           </a:p>
@@ -1200,10 +1192,9 @@
           <a:lstStyle/>
           <a:p>
             <a:r>
-              <a:rPr kumimoji="1" lang="ja-JP" altLang="en-US" smtClean="0"/>
+              <a:rPr kumimoji="1" lang="ja-JP" altLang="en-US"/>
               <a:t>マスター タイトルの書式設定</a:t>
             </a:r>
-            <a:endParaRPr kumimoji="1" lang="ja-JP" altLang="en-US"/>
           </a:p>
         </p:txBody>
       </p:sp>
@@ -1229,70 +1220,69 @@
           <a:p>
             <a:pPr lvl="0"/>
             <a:r>
-              <a:rPr kumimoji="1" lang="ja-JP" altLang="en-US" smtClean="0"/>
+              <a:rPr kumimoji="1" lang="ja-JP" altLang="en-US"/>
               <a:t>マスター テキストの書式設定</a:t>
             </a:r>
           </a:p>
           <a:p>
             <a:pPr lvl="1"/>
             <a:r>
-              <a:rPr kumimoji="1" lang="ja-JP" altLang="en-US" smtClean="0"/>
+              <a:rPr kumimoji="1" lang="ja-JP" altLang="en-US"/>
               <a:t>第 </a:t>
             </a:r>
             <a:r>
-              <a:rPr kumimoji="1" lang="en-US" altLang="ja-JP" smtClean="0"/>
+              <a:rPr kumimoji="1" lang="en-US" altLang="ja-JP"/>
               <a:t>2 </a:t>
             </a:r>
             <a:r>
-              <a:rPr kumimoji="1" lang="ja-JP" altLang="en-US" smtClean="0"/>
+              <a:rPr kumimoji="1" lang="ja-JP" altLang="en-US"/>
               <a:t>レベル</a:t>
             </a:r>
           </a:p>
           <a:p>
             <a:pPr lvl="2"/>
             <a:r>
-              <a:rPr kumimoji="1" lang="ja-JP" altLang="en-US" smtClean="0"/>
+              <a:rPr kumimoji="1" lang="ja-JP" altLang="en-US"/>
               <a:t>第 </a:t>
             </a:r>
             <a:r>
-              <a:rPr kumimoji="1" lang="en-US" altLang="ja-JP" smtClean="0"/>
+              <a:rPr kumimoji="1" lang="en-US" altLang="ja-JP"/>
               <a:t>3 </a:t>
             </a:r>
             <a:r>
-              <a:rPr kumimoji="1" lang="ja-JP" altLang="en-US" smtClean="0"/>
+              <a:rPr kumimoji="1" lang="ja-JP" altLang="en-US"/>
               <a:t>レベル</a:t>
             </a:r>
           </a:p>
           <a:p>
             <a:pPr lvl="3"/>
             <a:r>
-              <a:rPr kumimoji="1" lang="ja-JP" altLang="en-US" smtClean="0"/>
+              <a:rPr kumimoji="1" lang="ja-JP" altLang="en-US"/>
               <a:t>第 </a:t>
             </a:r>
             <a:r>
-              <a:rPr kumimoji="1" lang="en-US" altLang="ja-JP" smtClean="0"/>
+              <a:rPr kumimoji="1" lang="en-US" altLang="ja-JP"/>
               <a:t>4 </a:t>
             </a:r>
             <a:r>
-              <a:rPr kumimoji="1" lang="ja-JP" altLang="en-US" smtClean="0"/>
+              <a:rPr kumimoji="1" lang="ja-JP" altLang="en-US"/>
               <a:t>レベル</a:t>
             </a:r>
           </a:p>
           <a:p>
             <a:pPr lvl="4"/>
             <a:r>
-              <a:rPr kumimoji="1" lang="ja-JP" altLang="en-US" smtClean="0"/>
+              <a:rPr kumimoji="1" lang="ja-JP" altLang="en-US"/>
               <a:t>第 </a:t>
             </a:r>
             <a:r>
-              <a:rPr kumimoji="1" lang="en-US" altLang="ja-JP" smtClean="0"/>
+              <a:rPr kumimoji="1" lang="en-US" altLang="ja-JP"/>
               <a:t>5 </a:t>
             </a:r>
             <a:r>
-              <a:rPr kumimoji="1" lang="ja-JP" altLang="en-US" smtClean="0"/>
+              <a:rPr kumimoji="1" lang="ja-JP" altLang="en-US"/>
               <a:t>レベル</a:t>
             </a:r>
-            <a:endParaRPr kumimoji="1" lang="ja-JP" altLang="en-US"/>
           </a:p>
         </p:txBody>
       </p:sp>
@@ -1318,70 +1308,69 @@
           <a:p>
             <a:pPr lvl="0"/>
             <a:r>
-              <a:rPr kumimoji="1" lang="ja-JP" altLang="en-US" smtClean="0"/>
+              <a:rPr kumimoji="1" lang="ja-JP" altLang="en-US"/>
               <a:t>マスター テキストの書式設定</a:t>
             </a:r>
           </a:p>
           <a:p>
             <a:pPr lvl="1"/>
             <a:r>
-              <a:rPr kumimoji="1" lang="ja-JP" altLang="en-US" smtClean="0"/>
+              <a:rPr kumimoji="1" lang="ja-JP" altLang="en-US"/>
               <a:t>第 </a:t>
             </a:r>
             <a:r>
-              <a:rPr kumimoji="1" lang="en-US" altLang="ja-JP" smtClean="0"/>
+              <a:rPr kumimoji="1" lang="en-US" altLang="ja-JP"/>
               <a:t>2 </a:t>
             </a:r>
             <a:r>
-              <a:rPr kumimoji="1" lang="ja-JP" altLang="en-US" smtClean="0"/>
+              <a:rPr kumimoji="1" lang="ja-JP" altLang="en-US"/>
               <a:t>レベル</a:t>
             </a:r>
           </a:p>
           <a:p>
             <a:pPr lvl="2"/>
             <a:r>
-              <a:rPr kumimoji="1" lang="ja-JP" altLang="en-US" smtClean="0"/>
+              <a:rPr kumimoji="1" lang="ja-JP" altLang="en-US"/>
               <a:t>第 </a:t>
             </a:r>
             <a:r>
-              <a:rPr kumimoji="1" lang="en-US" altLang="ja-JP" smtClean="0"/>
+              <a:rPr kumimoji="1" lang="en-US" altLang="ja-JP"/>
               <a:t>3 </a:t>
             </a:r>
             <a:r>
-              <a:rPr kumimoji="1" lang="ja-JP" altLang="en-US" smtClean="0"/>
+              <a:rPr kumimoji="1" lang="ja-JP" altLang="en-US"/>
               <a:t>レベル</a:t>
             </a:r>
           </a:p>
           <a:p>
             <a:pPr lvl="3"/>
             <a:r>
-              <a:rPr kumimoji="1" lang="ja-JP" altLang="en-US" smtClean="0"/>
+              <a:rPr kumimoji="1" lang="ja-JP" altLang="en-US"/>
               <a:t>第 </a:t>
             </a:r>
             <a:r>
-              <a:rPr kumimoji="1" lang="en-US" altLang="ja-JP" smtClean="0"/>
+              <a:rPr kumimoji="1" lang="en-US" altLang="ja-JP"/>
               <a:t>4 </a:t>
             </a:r>
             <a:r>
-              <a:rPr kumimoji="1" lang="ja-JP" altLang="en-US" smtClean="0"/>
+              <a:rPr kumimoji="1" lang="ja-JP" altLang="en-US"/>
               <a:t>レベル</a:t>
             </a:r>
           </a:p>
           <a:p>
             <a:pPr lvl="4"/>
             <a:r>
-              <a:rPr kumimoji="1" lang="ja-JP" altLang="en-US" smtClean="0"/>
+              <a:rPr kumimoji="1" lang="ja-JP" altLang="en-US"/>
               <a:t>第 </a:t>
             </a:r>
             <a:r>
-              <a:rPr kumimoji="1" lang="en-US" altLang="ja-JP" smtClean="0"/>
+              <a:rPr kumimoji="1" lang="en-US" altLang="ja-JP"/>
               <a:t>5 </a:t>
             </a:r>
             <a:r>
-              <a:rPr kumimoji="1" lang="ja-JP" altLang="en-US" smtClean="0"/>
+              <a:rPr kumimoji="1" lang="ja-JP" altLang="en-US"/>
               <a:t>レベル</a:t>
             </a:r>
-            <a:endParaRPr kumimoji="1" lang="ja-JP" altLang="en-US"/>
           </a:p>
         </p:txBody>
       </p:sp>
@@ -1402,7 +1391,7 @@
           <a:p>
             <a:fld id="{C2B2B52F-F71B-4EE0-AF6F-6E3C3E1FEF12}" type="datetimeFigureOut">
               <a:rPr kumimoji="1" lang="ja-JP" altLang="en-US" smtClean="0"/>
-              <a:t>2020/3/18</a:t>
+              <a:t>2022/5/30</a:t>
             </a:fld>
             <a:endParaRPr kumimoji="1" lang="ja-JP" altLang="en-US"/>
           </a:p>
@@ -1501,10 +1490,9 @@
           <a:lstStyle/>
           <a:p>
             <a:r>
-              <a:rPr kumimoji="1" lang="ja-JP" altLang="en-US" smtClean="0"/>
+              <a:rPr kumimoji="1" lang="ja-JP" altLang="en-US"/>
               <a:t>マスター タイトルの書式設定</a:t>
             </a:r>
-            <a:endParaRPr kumimoji="1" lang="ja-JP" altLang="en-US"/>
           </a:p>
         </p:txBody>
       </p:sp>
@@ -1567,7 +1555,7 @@
           <a:p>
             <a:pPr lvl="0"/>
             <a:r>
-              <a:rPr kumimoji="1" lang="ja-JP" altLang="en-US" smtClean="0"/>
+              <a:rPr kumimoji="1" lang="ja-JP" altLang="en-US"/>
               <a:t>マスター テキストの書式設定</a:t>
             </a:r>
           </a:p>
@@ -1595,70 +1583,69 @@
           <a:p>
             <a:pPr lvl="0"/>
             <a:r>
-              <a:rPr kumimoji="1" lang="ja-JP" altLang="en-US" smtClean="0"/>
+              <a:rPr kumimoji="1" lang="ja-JP" altLang="en-US"/>
               <a:t>マスター テキストの書式設定</a:t>
             </a:r>
           </a:p>
           <a:p>
             <a:pPr lvl="1"/>
             <a:r>
-              <a:rPr kumimoji="1" lang="ja-JP" altLang="en-US" smtClean="0"/>
+              <a:rPr kumimoji="1" lang="ja-JP" altLang="en-US"/>
               <a:t>第 </a:t>
             </a:r>
             <a:r>
-              <a:rPr kumimoji="1" lang="en-US" altLang="ja-JP" smtClean="0"/>
+              <a:rPr kumimoji="1" lang="en-US" altLang="ja-JP"/>
               <a:t>2 </a:t>
             </a:r>
             <a:r>
-              <a:rPr kumimoji="1" lang="ja-JP" altLang="en-US" smtClean="0"/>
+              <a:rPr kumimoji="1" lang="ja-JP" altLang="en-US"/>
               <a:t>レベル</a:t>
             </a:r>
           </a:p>
           <a:p>
             <a:pPr lvl="2"/>
             <a:r>
-              <a:rPr kumimoji="1" lang="ja-JP" altLang="en-US" smtClean="0"/>
+              <a:rPr kumimoji="1" lang="ja-JP" altLang="en-US"/>
               <a:t>第 </a:t>
             </a:r>
             <a:r>
-              <a:rPr kumimoji="1" lang="en-US" altLang="ja-JP" smtClean="0"/>
+              <a:rPr kumimoji="1" lang="en-US" altLang="ja-JP"/>
               <a:t>3 </a:t>
             </a:r>
             <a:r>
-              <a:rPr kumimoji="1" lang="ja-JP" altLang="en-US" smtClean="0"/>
+              <a:rPr kumimoji="1" lang="ja-JP" altLang="en-US"/>
               <a:t>レベル</a:t>
             </a:r>
           </a:p>
           <a:p>
             <a:pPr lvl="3"/>
             <a:r>
-              <a:rPr kumimoji="1" lang="ja-JP" altLang="en-US" smtClean="0"/>
+              <a:rPr kumimoji="1" lang="ja-JP" altLang="en-US"/>
               <a:t>第 </a:t>
             </a:r>
             <a:r>
-              <a:rPr kumimoji="1" lang="en-US" altLang="ja-JP" smtClean="0"/>
+              <a:rPr kumimoji="1" lang="en-US" altLang="ja-JP"/>
               <a:t>4 </a:t>
             </a:r>
             <a:r>
-              <a:rPr kumimoji="1" lang="ja-JP" altLang="en-US" smtClean="0"/>
+              <a:rPr kumimoji="1" lang="ja-JP" altLang="en-US"/>
               <a:t>レベル</a:t>
             </a:r>
           </a:p>
           <a:p>
             <a:pPr lvl="4"/>
             <a:r>
-              <a:rPr kumimoji="1" lang="ja-JP" altLang="en-US" smtClean="0"/>
+              <a:rPr kumimoji="1" lang="ja-JP" altLang="en-US"/>
               <a:t>第 </a:t>
             </a:r>
             <a:r>
-              <a:rPr kumimoji="1" lang="en-US" altLang="ja-JP" smtClean="0"/>
+              <a:rPr kumimoji="1" lang="en-US" altLang="ja-JP"/>
               <a:t>5 </a:t>
             </a:r>
             <a:r>
-              <a:rPr kumimoji="1" lang="ja-JP" altLang="en-US" smtClean="0"/>
+              <a:rPr kumimoji="1" lang="ja-JP" altLang="en-US"/>
               <a:t>レベル</a:t>
             </a:r>
-            <a:endParaRPr kumimoji="1" lang="ja-JP" altLang="en-US"/>
           </a:p>
         </p:txBody>
       </p:sp>
@@ -1721,7 +1708,7 @@
           <a:p>
             <a:pPr lvl="0"/>
             <a:r>
-              <a:rPr kumimoji="1" lang="ja-JP" altLang="en-US" smtClean="0"/>
+              <a:rPr kumimoji="1" lang="ja-JP" altLang="en-US"/>
               <a:t>マスター テキストの書式設定</a:t>
             </a:r>
           </a:p>
@@ -1749,70 +1736,69 @@
           <a:p>
             <a:pPr lvl="0"/>
             <a:r>
-              <a:rPr kumimoji="1" lang="ja-JP" altLang="en-US" smtClean="0"/>
+              <a:rPr kumimoji="1" lang="ja-JP" altLang="en-US"/>
               <a:t>マスター テキストの書式設定</a:t>
             </a:r>
           </a:p>
           <a:p>
             <a:pPr lvl="1"/>
             <a:r>
-              <a:rPr kumimoji="1" lang="ja-JP" altLang="en-US" smtClean="0"/>
+              <a:rPr kumimoji="1" lang="ja-JP" altLang="en-US"/>
               <a:t>第 </a:t>
             </a:r>
             <a:r>
-              <a:rPr kumimoji="1" lang="en-US" altLang="ja-JP" smtClean="0"/>
+              <a:rPr kumimoji="1" lang="en-US" altLang="ja-JP"/>
               <a:t>2 </a:t>
             </a:r>
             <a:r>
-              <a:rPr kumimoji="1" lang="ja-JP" altLang="en-US" smtClean="0"/>
+              <a:rPr kumimoji="1" lang="ja-JP" altLang="en-US"/>
               <a:t>レベル</a:t>
             </a:r>
           </a:p>
           <a:p>
             <a:pPr lvl="2"/>
             <a:r>
-              <a:rPr kumimoji="1" lang="ja-JP" altLang="en-US" smtClean="0"/>
+              <a:rPr kumimoji="1" lang="ja-JP" altLang="en-US"/>
               <a:t>第 </a:t>
             </a:r>
             <a:r>
-              <a:rPr kumimoji="1" lang="en-US" altLang="ja-JP" smtClean="0"/>
+              <a:rPr kumimoji="1" lang="en-US" altLang="ja-JP"/>
               <a:t>3 </a:t>
             </a:r>
             <a:r>
-              <a:rPr kumimoji="1" lang="ja-JP" altLang="en-US" smtClean="0"/>
+              <a:rPr kumimoji="1" lang="ja-JP" altLang="en-US"/>
               <a:t>レベル</a:t>
             </a:r>
           </a:p>
           <a:p>
             <a:pPr lvl="3"/>
             <a:r>
-              <a:rPr kumimoji="1" lang="ja-JP" altLang="en-US" smtClean="0"/>
+              <a:rPr kumimoji="1" lang="ja-JP" altLang="en-US"/>
               <a:t>第 </a:t>
             </a:r>
             <a:r>
-              <a:rPr kumimoji="1" lang="en-US" altLang="ja-JP" smtClean="0"/>
+              <a:rPr kumimoji="1" lang="en-US" altLang="ja-JP"/>
               <a:t>4 </a:t>
             </a:r>
             <a:r>
-              <a:rPr kumimoji="1" lang="ja-JP" altLang="en-US" smtClean="0"/>
+              <a:rPr kumimoji="1" lang="ja-JP" altLang="en-US"/>
               <a:t>レベル</a:t>
             </a:r>
           </a:p>
           <a:p>
             <a:pPr lvl="4"/>
             <a:r>
-              <a:rPr kumimoji="1" lang="ja-JP" altLang="en-US" smtClean="0"/>
+              <a:rPr kumimoji="1" lang="ja-JP" altLang="en-US"/>
               <a:t>第 </a:t>
             </a:r>
             <a:r>
-              <a:rPr kumimoji="1" lang="en-US" altLang="ja-JP" smtClean="0"/>
+              <a:rPr kumimoji="1" lang="en-US" altLang="ja-JP"/>
               <a:t>5 </a:t>
             </a:r>
             <a:r>
-              <a:rPr kumimoji="1" lang="ja-JP" altLang="en-US" smtClean="0"/>
+              <a:rPr kumimoji="1" lang="ja-JP" altLang="en-US"/>
               <a:t>レベル</a:t>
             </a:r>
-            <a:endParaRPr kumimoji="1" lang="ja-JP" altLang="en-US"/>
           </a:p>
         </p:txBody>
       </p:sp>
@@ -1833,7 +1819,7 @@
           <a:p>
             <a:fld id="{C2B2B52F-F71B-4EE0-AF6F-6E3C3E1FEF12}" type="datetimeFigureOut">
               <a:rPr kumimoji="1" lang="ja-JP" altLang="en-US" smtClean="0"/>
-              <a:t>2020/3/18</a:t>
+              <a:t>2022/5/30</a:t>
             </a:fld>
             <a:endParaRPr kumimoji="1" lang="ja-JP" altLang="en-US"/>
           </a:p>
@@ -1927,10 +1913,9 @@
           <a:lstStyle/>
           <a:p>
             <a:r>
-              <a:rPr kumimoji="1" lang="ja-JP" altLang="en-US" smtClean="0"/>
+              <a:rPr kumimoji="1" lang="ja-JP" altLang="en-US"/>
               <a:t>マスター タイトルの書式設定</a:t>
             </a:r>
-            <a:endParaRPr kumimoji="1" lang="ja-JP" altLang="en-US"/>
           </a:p>
         </p:txBody>
       </p:sp>
@@ -1951,7 +1936,7 @@
           <a:p>
             <a:fld id="{C2B2B52F-F71B-4EE0-AF6F-6E3C3E1FEF12}" type="datetimeFigureOut">
               <a:rPr kumimoji="1" lang="ja-JP" altLang="en-US" smtClean="0"/>
-              <a:t>2020/3/18</a:t>
+              <a:t>2022/5/30</a:t>
             </a:fld>
             <a:endParaRPr kumimoji="1" lang="ja-JP" altLang="en-US"/>
           </a:p>
@@ -2046,7 +2031,7 @@
           <a:p>
             <a:fld id="{C2B2B52F-F71B-4EE0-AF6F-6E3C3E1FEF12}" type="datetimeFigureOut">
               <a:rPr kumimoji="1" lang="ja-JP" altLang="en-US" smtClean="0"/>
-              <a:t>2020/3/18</a:t>
+              <a:t>2022/5/30</a:t>
             </a:fld>
             <a:endParaRPr kumimoji="1" lang="ja-JP" altLang="en-US"/>
           </a:p>
@@ -2149,10 +2134,9 @@
           </a:lstStyle>
           <a:p>
             <a:r>
-              <a:rPr kumimoji="1" lang="ja-JP" altLang="en-US" smtClean="0"/>
+              <a:rPr kumimoji="1" lang="ja-JP" altLang="en-US"/>
               <a:t>マスター タイトルの書式設定</a:t>
             </a:r>
-            <a:endParaRPr kumimoji="1" lang="ja-JP" altLang="en-US"/>
           </a:p>
         </p:txBody>
       </p:sp>
@@ -2206,70 +2190,69 @@
           <a:p>
             <a:pPr lvl="0"/>
             <a:r>
-              <a:rPr kumimoji="1" lang="ja-JP" altLang="en-US" smtClean="0"/>
+              <a:rPr kumimoji="1" lang="ja-JP" altLang="en-US"/>
               <a:t>マスター テキストの書式設定</a:t>
             </a:r>
           </a:p>
           <a:p>
             <a:pPr lvl="1"/>
             <a:r>
-              <a:rPr kumimoji="1" lang="ja-JP" altLang="en-US" smtClean="0"/>
+              <a:rPr kumimoji="1" lang="ja-JP" altLang="en-US"/>
               <a:t>第 </a:t>
             </a:r>
             <a:r>
-              <a:rPr kumimoji="1" lang="en-US" altLang="ja-JP" smtClean="0"/>
+              <a:rPr kumimoji="1" lang="en-US" altLang="ja-JP"/>
               <a:t>2 </a:t>
             </a:r>
             <a:r>
-              <a:rPr kumimoji="1" lang="ja-JP" altLang="en-US" smtClean="0"/>
+              <a:rPr kumimoji="1" lang="ja-JP" altLang="en-US"/>
               <a:t>レベル</a:t>
             </a:r>
           </a:p>
           <a:p>
             <a:pPr lvl="2"/>
             <a:r>
-              <a:rPr kumimoji="1" lang="ja-JP" altLang="en-US" smtClean="0"/>
+              <a:rPr kumimoji="1" lang="ja-JP" altLang="en-US"/>
               <a:t>第 </a:t>
             </a:r>
             <a:r>
-              <a:rPr kumimoji="1" lang="en-US" altLang="ja-JP" smtClean="0"/>
+              <a:rPr kumimoji="1" lang="en-US" altLang="ja-JP"/>
               <a:t>3 </a:t>
             </a:r>
             <a:r>
-              <a:rPr kumimoji="1" lang="ja-JP" altLang="en-US" smtClean="0"/>
+              <a:rPr kumimoji="1" lang="ja-JP" altLang="en-US"/>
               <a:t>レベル</a:t>
             </a:r>
           </a:p>
           <a:p>
             <a:pPr lvl="3"/>
             <a:r>
-              <a:rPr kumimoji="1" lang="ja-JP" altLang="en-US" smtClean="0"/>
+              <a:rPr kumimoji="1" lang="ja-JP" altLang="en-US"/>
               <a:t>第 </a:t>
             </a:r>
             <a:r>
-              <a:rPr kumimoji="1" lang="en-US" altLang="ja-JP" smtClean="0"/>
+              <a:rPr kumimoji="1" lang="en-US" altLang="ja-JP"/>
               <a:t>4 </a:t>
             </a:r>
             <a:r>
-              <a:rPr kumimoji="1" lang="ja-JP" altLang="en-US" smtClean="0"/>
+              <a:rPr kumimoji="1" lang="ja-JP" altLang="en-US"/>
               <a:t>レベル</a:t>
             </a:r>
           </a:p>
           <a:p>
             <a:pPr lvl="4"/>
             <a:r>
-              <a:rPr kumimoji="1" lang="ja-JP" altLang="en-US" smtClean="0"/>
+              <a:rPr kumimoji="1" lang="ja-JP" altLang="en-US"/>
               <a:t>第 </a:t>
             </a:r>
             <a:r>
-              <a:rPr kumimoji="1" lang="en-US" altLang="ja-JP" smtClean="0"/>
+              <a:rPr kumimoji="1" lang="en-US" altLang="ja-JP"/>
               <a:t>5 </a:t>
             </a:r>
             <a:r>
-              <a:rPr kumimoji="1" lang="ja-JP" altLang="en-US" smtClean="0"/>
+              <a:rPr kumimoji="1" lang="ja-JP" altLang="en-US"/>
               <a:t>レベル</a:t>
             </a:r>
-            <a:endParaRPr kumimoji="1" lang="ja-JP" altLang="en-US"/>
           </a:p>
         </p:txBody>
       </p:sp>
@@ -2332,7 +2315,7 @@
           <a:p>
             <a:pPr lvl="0"/>
             <a:r>
-              <a:rPr kumimoji="1" lang="ja-JP" altLang="en-US" smtClean="0"/>
+              <a:rPr kumimoji="1" lang="ja-JP" altLang="en-US"/>
               <a:t>マスター テキストの書式設定</a:t>
             </a:r>
           </a:p>
@@ -2355,7 +2338,7 @@
           <a:p>
             <a:fld id="{C2B2B52F-F71B-4EE0-AF6F-6E3C3E1FEF12}" type="datetimeFigureOut">
               <a:rPr kumimoji="1" lang="ja-JP" altLang="en-US" smtClean="0"/>
-              <a:t>2020/3/18</a:t>
+              <a:t>2022/5/30</a:t>
             </a:fld>
             <a:endParaRPr kumimoji="1" lang="ja-JP" altLang="en-US"/>
           </a:p>
@@ -2458,10 +2441,9 @@
           </a:lstStyle>
           <a:p>
             <a:r>
-              <a:rPr kumimoji="1" lang="ja-JP" altLang="en-US" smtClean="0"/>
+              <a:rPr kumimoji="1" lang="ja-JP" altLang="en-US"/>
               <a:t>マスター タイトルの書式設定</a:t>
             </a:r>
-            <a:endParaRPr kumimoji="1" lang="ja-JP" altLang="en-US"/>
           </a:p>
         </p:txBody>
       </p:sp>
@@ -2585,7 +2567,7 @@
           <a:p>
             <a:pPr lvl="0"/>
             <a:r>
-              <a:rPr kumimoji="1" lang="ja-JP" altLang="en-US" smtClean="0"/>
+              <a:rPr kumimoji="1" lang="ja-JP" altLang="en-US"/>
               <a:t>マスター テキストの書式設定</a:t>
             </a:r>
           </a:p>
@@ -2608,7 +2590,7 @@
           <a:p>
             <a:fld id="{C2B2B52F-F71B-4EE0-AF6F-6E3C3E1FEF12}" type="datetimeFigureOut">
               <a:rPr kumimoji="1" lang="ja-JP" altLang="en-US" smtClean="0"/>
-              <a:t>2020/3/18</a:t>
+              <a:t>2022/5/30</a:t>
             </a:fld>
             <a:endParaRPr kumimoji="1" lang="ja-JP" altLang="en-US"/>
           </a:p>
@@ -2717,10 +2699,9 @@
           <a:lstStyle/>
           <a:p>
             <a:r>
-              <a:rPr kumimoji="1" lang="ja-JP" altLang="en-US" smtClean="0"/>
+              <a:rPr kumimoji="1" lang="ja-JP" altLang="en-US"/>
               <a:t>マスター タイトルの書式設定</a:t>
             </a:r>
-            <a:endParaRPr kumimoji="1" lang="ja-JP" altLang="en-US"/>
           </a:p>
         </p:txBody>
       </p:sp>
@@ -2751,70 +2732,69 @@
           <a:p>
             <a:pPr lvl="0"/>
             <a:r>
-              <a:rPr kumimoji="1" lang="ja-JP" altLang="en-US" smtClean="0"/>
+              <a:rPr kumimoji="1" lang="ja-JP" altLang="en-US"/>
               <a:t>マスター テキストの書式設定</a:t>
             </a:r>
           </a:p>
           <a:p>
             <a:pPr lvl="1"/>
             <a:r>
-              <a:rPr kumimoji="1" lang="ja-JP" altLang="en-US" smtClean="0"/>
+              <a:rPr kumimoji="1" lang="ja-JP" altLang="en-US"/>
               <a:t>第 </a:t>
             </a:r>
             <a:r>
-              <a:rPr kumimoji="1" lang="en-US" altLang="ja-JP" smtClean="0"/>
+              <a:rPr kumimoji="1" lang="en-US" altLang="ja-JP"/>
               <a:t>2 </a:t>
             </a:r>
             <a:r>
-              <a:rPr kumimoji="1" lang="ja-JP" altLang="en-US" smtClean="0"/>
+              <a:rPr kumimoji="1" lang="ja-JP" altLang="en-US"/>
               <a:t>レベル</a:t>
             </a:r>
           </a:p>
           <a:p>
             <a:pPr lvl="2"/>
             <a:r>
-              <a:rPr kumimoji="1" lang="ja-JP" altLang="en-US" smtClean="0"/>
+              <a:rPr kumimoji="1" lang="ja-JP" altLang="en-US"/>
               <a:t>第 </a:t>
             </a:r>
             <a:r>
-              <a:rPr kumimoji="1" lang="en-US" altLang="ja-JP" smtClean="0"/>
+              <a:rPr kumimoji="1" lang="en-US" altLang="ja-JP"/>
               <a:t>3 </a:t>
             </a:r>
             <a:r>
-              <a:rPr kumimoji="1" lang="ja-JP" altLang="en-US" smtClean="0"/>
+              <a:rPr kumimoji="1" lang="ja-JP" altLang="en-US"/>
               <a:t>レベル</a:t>
             </a:r>
           </a:p>
           <a:p>
             <a:pPr lvl="3"/>
             <a:r>
-              <a:rPr kumimoji="1" lang="ja-JP" altLang="en-US" smtClean="0"/>
+              <a:rPr kumimoji="1" lang="ja-JP" altLang="en-US"/>
               <a:t>第 </a:t>
             </a:r>
             <a:r>
-              <a:rPr kumimoji="1" lang="en-US" altLang="ja-JP" smtClean="0"/>
+              <a:rPr kumimoji="1" lang="en-US" altLang="ja-JP"/>
               <a:t>4 </a:t>
             </a:r>
             <a:r>
-              <a:rPr kumimoji="1" lang="ja-JP" altLang="en-US" smtClean="0"/>
+              <a:rPr kumimoji="1" lang="ja-JP" altLang="en-US"/>
               <a:t>レベル</a:t>
             </a:r>
           </a:p>
           <a:p>
             <a:pPr lvl="4"/>
             <a:r>
-              <a:rPr kumimoji="1" lang="ja-JP" altLang="en-US" smtClean="0"/>
+              <a:rPr kumimoji="1" lang="ja-JP" altLang="en-US"/>
               <a:t>第 </a:t>
             </a:r>
             <a:r>
-              <a:rPr kumimoji="1" lang="en-US" altLang="ja-JP" smtClean="0"/>
+              <a:rPr kumimoji="1" lang="en-US" altLang="ja-JP"/>
               <a:t>5 </a:t>
             </a:r>
             <a:r>
-              <a:rPr kumimoji="1" lang="ja-JP" altLang="en-US" smtClean="0"/>
+              <a:rPr kumimoji="1" lang="ja-JP" altLang="en-US"/>
               <a:t>レベル</a:t>
             </a:r>
-            <a:endParaRPr kumimoji="1" lang="ja-JP" altLang="en-US"/>
           </a:p>
         </p:txBody>
       </p:sp>
@@ -2853,7 +2833,7 @@
           <a:p>
             <a:fld id="{C2B2B52F-F71B-4EE0-AF6F-6E3C3E1FEF12}" type="datetimeFigureOut">
               <a:rPr kumimoji="1" lang="ja-JP" altLang="en-US" smtClean="0"/>
-              <a:t>2020/3/18</a:t>
+              <a:t>2022/5/30</a:t>
             </a:fld>
             <a:endParaRPr kumimoji="1" lang="ja-JP" altLang="en-US"/>
           </a:p>
@@ -3295,14 +3275,14 @@
           <a:p>
             <a:pPr algn="ctr"/>
             <a:r>
-              <a:rPr lang="en-US" altLang="ja-JP" dirty="0" smtClean="0"/>
+              <a:rPr lang="en-US" altLang="ja-JP" dirty="0"/>
               <a:t>Sensor</a:t>
             </a:r>
             <a:br>
-              <a:rPr lang="en-US" altLang="ja-JP" dirty="0" smtClean="0"/>
+              <a:rPr lang="en-US" altLang="ja-JP" dirty="0"/>
             </a:br>
             <a:r>
-              <a:rPr lang="ja-JP" altLang="en-US" sz="1400" dirty="0" smtClean="0"/>
+              <a:rPr lang="ja-JP" altLang="en-US" sz="1400" dirty="0"/>
               <a:t>各種センサにストアされた情報を読み込む</a:t>
             </a:r>
             <a:endParaRPr kumimoji="1" lang="ja-JP" altLang="en-US" dirty="0"/>
@@ -3346,31 +3326,23 @@
           <a:p>
             <a:pPr algn="ctr"/>
             <a:r>
-              <a:rPr kumimoji="1" lang="ja-JP" altLang="en-US" dirty="0" smtClean="0"/>
+              <a:rPr kumimoji="1" lang="ja-JP" altLang="en-US" dirty="0"/>
               <a:t>センサ</a:t>
             </a:r>
-            <a:r>
-              <a:rPr kumimoji="1" lang="en-US" altLang="ja-JP" dirty="0" smtClean="0"/>
-              <a:t/>
-            </a:r>
             <a:br>
-              <a:rPr kumimoji="1" lang="en-US" altLang="ja-JP" dirty="0" smtClean="0"/>
+              <a:rPr kumimoji="1" lang="en-US" altLang="ja-JP" dirty="0"/>
             </a:br>
             <a:r>
-              <a:rPr kumimoji="1" lang="ja-JP" altLang="en-US" sz="1400" dirty="0" smtClean="0"/>
+              <a:rPr kumimoji="1" lang="ja-JP" altLang="en-US" sz="1400" dirty="0"/>
               <a:t>他機体から受け取った情報</a:t>
             </a:r>
-            <a:endParaRPr kumimoji="1" lang="en-US" altLang="ja-JP" sz="1400" dirty="0" smtClean="0"/>
+            <a:endParaRPr kumimoji="1" lang="en-US" altLang="ja-JP" sz="1400" dirty="0"/>
           </a:p>
           <a:p>
             <a:pPr algn="ctr"/>
             <a:r>
               <a:rPr lang="ja-JP" altLang="en-US" sz="1400" dirty="0"/>
-              <a:t>センシング</a:t>
-            </a:r>
-            <a:r>
-              <a:rPr lang="ja-JP" altLang="en-US" sz="1400" dirty="0" smtClean="0"/>
-              <a:t>によって得られた情報をメモリにストア</a:t>
+              <a:t>センシングによって得られた情報をメモリにストア</a:t>
             </a:r>
             <a:endParaRPr kumimoji="1" lang="ja-JP" altLang="en-US" sz="1400" dirty="0"/>
           </a:p>
@@ -3413,31 +3385,23 @@
           <a:p>
             <a:pPr algn="ctr"/>
             <a:r>
-              <a:rPr kumimoji="1" lang="ja-JP" altLang="en-US" dirty="0" smtClean="0"/>
+              <a:rPr kumimoji="1" lang="ja-JP" altLang="en-US" dirty="0"/>
               <a:t>他機体</a:t>
             </a:r>
-            <a:endParaRPr kumimoji="1" lang="en-US" altLang="ja-JP" dirty="0" smtClean="0"/>
+            <a:endParaRPr kumimoji="1" lang="en-US" altLang="ja-JP" dirty="0"/>
           </a:p>
           <a:p>
             <a:pPr algn="ctr"/>
             <a:r>
               <a:rPr lang="ja-JP" altLang="en-US" sz="1400" dirty="0"/>
-              <a:t>他</a:t>
-            </a:r>
-            <a:r>
-              <a:rPr lang="ja-JP" altLang="en-US" sz="1400" dirty="0" smtClean="0"/>
-              <a:t>機体</a:t>
+              <a:t>他機体の</a:t>
+            </a:r>
+            <a:r>
+              <a:rPr lang="en-US" altLang="ja-JP" sz="1400" dirty="0"/>
+              <a:t>Estimator (or Sensor) </a:t>
             </a:r>
             <a:r>
               <a:rPr lang="ja-JP" altLang="en-US" sz="1400" dirty="0"/>
-              <a:t>の</a:t>
-            </a:r>
-            <a:r>
-              <a:rPr lang="en-US" altLang="ja-JP" sz="1400" dirty="0" smtClean="0"/>
-              <a:t>Estimator (or Sensor) </a:t>
-            </a:r>
-            <a:r>
-              <a:rPr lang="ja-JP" altLang="en-US" sz="1400" dirty="0" smtClean="0"/>
               <a:t>情報を取得した段階で送信</a:t>
             </a:r>
             <a:endParaRPr kumimoji="1" lang="ja-JP" altLang="en-US" sz="1400" dirty="0"/>
@@ -3591,29 +3555,28 @@
           <a:p>
             <a:pPr algn="ctr"/>
             <a:r>
-              <a:rPr lang="en-US" altLang="ja-JP" dirty="0" smtClean="0"/>
+              <a:rPr lang="en-US" altLang="ja-JP" dirty="0"/>
               <a:t>Estimator</a:t>
             </a:r>
           </a:p>
           <a:p>
             <a:pPr algn="ctr"/>
             <a:r>
-              <a:rPr kumimoji="1" lang="en-US" altLang="ja-JP" sz="1600" dirty="0" smtClean="0"/>
+              <a:rPr kumimoji="1" lang="en-US" altLang="ja-JP" sz="1600" dirty="0"/>
               <a:t>sensor</a:t>
             </a:r>
             <a:r>
-              <a:rPr kumimoji="1" lang="ja-JP" altLang="en-US" sz="1600" dirty="0" smtClean="0"/>
+              <a:rPr kumimoji="1" lang="ja-JP" altLang="en-US" sz="1600" dirty="0"/>
               <a:t>情報から</a:t>
             </a:r>
             <a:r>
-              <a:rPr kumimoji="1" lang="en-US" altLang="ja-JP" sz="1600" dirty="0" smtClean="0"/>
+              <a:rPr kumimoji="1" lang="en-US" altLang="ja-JP" sz="1600" dirty="0"/>
               <a:t>controller</a:t>
             </a:r>
             <a:r>
-              <a:rPr kumimoji="1" lang="ja-JP" altLang="en-US" sz="1600" dirty="0" smtClean="0"/>
+              <a:rPr kumimoji="1" lang="ja-JP" altLang="en-US" sz="1600" dirty="0"/>
               <a:t>に必要な情報に変換</a:t>
             </a:r>
-            <a:endParaRPr kumimoji="1" lang="ja-JP" altLang="en-US" sz="1600" dirty="0"/>
           </a:p>
         </p:txBody>
       </p:sp>
@@ -3654,20 +3617,16 @@
           <a:p>
             <a:pPr algn="ctr"/>
             <a:r>
-              <a:rPr lang="en-US" altLang="ja-JP" dirty="0" err="1" smtClean="0"/>
+              <a:rPr lang="en-US" altLang="ja-JP" dirty="0" err="1"/>
               <a:t>Env</a:t>
             </a:r>
-            <a:endParaRPr lang="en-US" altLang="ja-JP" dirty="0" smtClean="0"/>
+            <a:endParaRPr lang="en-US" altLang="ja-JP" dirty="0"/>
           </a:p>
           <a:p>
             <a:pPr algn="ctr"/>
             <a:r>
               <a:rPr kumimoji="1" lang="ja-JP" altLang="en-US" sz="1400" dirty="0"/>
-              <a:t>外界</a:t>
-            </a:r>
-            <a:r>
-              <a:rPr kumimoji="1" lang="ja-JP" altLang="en-US" sz="1400" dirty="0" smtClean="0"/>
-              <a:t>センサー情報を提供する</a:t>
+              <a:t>外界センサー情報を提供する</a:t>
             </a:r>
             <a:endParaRPr kumimoji="1" lang="ja-JP" altLang="en-US" dirty="0"/>
           </a:p>
@@ -3710,32 +3669,28 @@
           <a:p>
             <a:pPr algn="ctr"/>
             <a:r>
-              <a:rPr lang="en-US" altLang="ja-JP" dirty="0" smtClean="0"/>
+              <a:rPr lang="en-US" altLang="ja-JP" dirty="0"/>
               <a:t>Model</a:t>
             </a:r>
             <a:br>
-              <a:rPr lang="en-US" altLang="ja-JP" dirty="0" smtClean="0"/>
+              <a:rPr lang="en-US" altLang="ja-JP" dirty="0"/>
             </a:br>
             <a:r>
-              <a:rPr lang="ja-JP" altLang="en-US" sz="1400" dirty="0" smtClean="0"/>
+              <a:rPr lang="ja-JP" altLang="en-US" sz="1400" dirty="0"/>
               <a:t>内界センサー情報を提供する</a:t>
             </a:r>
-            <a:r>
-              <a:rPr lang="en-US" altLang="ja-JP" sz="1200" dirty="0" smtClean="0"/>
-              <a:t/>
-            </a:r>
             <a:br>
-              <a:rPr lang="en-US" altLang="ja-JP" sz="1200" dirty="0" smtClean="0"/>
+              <a:rPr lang="en-US" altLang="ja-JP" sz="1200" dirty="0"/>
             </a:br>
             <a:r>
-              <a:rPr lang="en-US" altLang="ja-JP" sz="1200" dirty="0" smtClean="0"/>
+              <a:rPr lang="en-US" altLang="ja-JP" sz="1200" dirty="0"/>
               <a:t>u </a:t>
             </a:r>
             <a:r>
-              <a:rPr lang="ja-JP" altLang="en-US" sz="1200" dirty="0" smtClean="0"/>
+              <a:rPr lang="ja-JP" altLang="en-US" sz="1200" dirty="0"/>
               <a:t>情報によって駆動し，状態を更新する</a:t>
             </a:r>
-            <a:endParaRPr lang="en-US" altLang="ja-JP" sz="1200" dirty="0" smtClean="0"/>
+            <a:endParaRPr lang="en-US" altLang="ja-JP" sz="1200" dirty="0"/>
           </a:p>
         </p:txBody>
       </p:sp>
@@ -3776,33 +3731,29 @@
           <a:p>
             <a:pPr algn="ctr"/>
             <a:r>
-              <a:rPr lang="en-US" altLang="ja-JP" dirty="0" smtClean="0"/>
+              <a:rPr lang="en-US" altLang="ja-JP" dirty="0"/>
               <a:t>Controller</a:t>
             </a:r>
             <a:br>
-              <a:rPr lang="en-US" altLang="ja-JP" dirty="0" smtClean="0"/>
+              <a:rPr lang="en-US" altLang="ja-JP" dirty="0"/>
             </a:br>
             <a:r>
-              <a:rPr lang="en-US" altLang="ja-JP" sz="1400" dirty="0" smtClean="0"/>
+              <a:rPr lang="en-US" altLang="ja-JP" sz="1400" dirty="0"/>
               <a:t>Estimator</a:t>
             </a:r>
             <a:r>
-              <a:rPr lang="ja-JP" altLang="en-US" sz="1400" dirty="0" smtClean="0"/>
+              <a:rPr lang="ja-JP" altLang="en-US" sz="1400" dirty="0"/>
               <a:t>が生成した情報をもとに</a:t>
             </a:r>
-            <a:r>
-              <a:rPr lang="en-US" altLang="ja-JP" sz="1400" dirty="0" smtClean="0"/>
-              <a:t/>
-            </a:r>
             <a:br>
-              <a:rPr lang="en-US" altLang="ja-JP" sz="1400" dirty="0" smtClean="0"/>
+              <a:rPr lang="en-US" altLang="ja-JP" sz="1400" dirty="0"/>
             </a:br>
             <a:r>
-              <a:rPr lang="en-US" altLang="ja-JP" sz="1400" dirty="0" smtClean="0"/>
+              <a:rPr lang="en-US" altLang="ja-JP" sz="1400" dirty="0"/>
               <a:t>u </a:t>
             </a:r>
             <a:r>
-              <a:rPr lang="ja-JP" altLang="en-US" sz="1400" dirty="0" smtClean="0"/>
+              <a:rPr lang="ja-JP" altLang="en-US" sz="1400" dirty="0"/>
               <a:t>を生成する</a:t>
             </a:r>
             <a:endParaRPr kumimoji="1" lang="ja-JP" altLang="en-US" dirty="0"/>
@@ -3975,7 +3926,7 @@
           <a:lstStyle/>
           <a:p>
             <a:r>
-              <a:rPr kumimoji="1" lang="en-US" altLang="ja-JP" dirty="0" smtClean="0"/>
+              <a:rPr kumimoji="1" lang="en-US" altLang="ja-JP" dirty="0"/>
               <a:t>Neighbors’ Estimator</a:t>
             </a:r>
             <a:endParaRPr kumimoji="1" lang="ja-JP" altLang="en-US" dirty="0"/>
@@ -4005,7 +3956,7 @@
           <a:lstStyle/>
           <a:p>
             <a:r>
-              <a:rPr kumimoji="1" lang="en-US" altLang="ja-JP" dirty="0" err="1" smtClean="0"/>
+              <a:rPr kumimoji="1" lang="en-US" altLang="ja-JP" dirty="0" err="1"/>
               <a:t>Env</a:t>
             </a:r>
             <a:endParaRPr kumimoji="1" lang="ja-JP" altLang="en-US" dirty="0"/>
@@ -4035,7 +3986,7 @@
           <a:lstStyle/>
           <a:p>
             <a:r>
-              <a:rPr lang="en-US" altLang="ja-JP" dirty="0" smtClean="0"/>
+              <a:rPr lang="en-US" altLang="ja-JP" dirty="0"/>
               <a:t>Model</a:t>
             </a:r>
             <a:endParaRPr kumimoji="1" lang="ja-JP" altLang="en-US" dirty="0"/>
@@ -4065,7 +4016,7 @@
           <a:lstStyle/>
           <a:p>
             <a:r>
-              <a:rPr lang="en-US" altLang="ja-JP" dirty="0" smtClean="0"/>
+              <a:rPr lang="en-US" altLang="ja-JP" dirty="0"/>
               <a:t>Sensor.do</a:t>
             </a:r>
             <a:endParaRPr kumimoji="1" lang="ja-JP" altLang="en-US" dirty="0"/>
@@ -4095,7 +4046,7 @@
           <a:lstStyle/>
           <a:p>
             <a:r>
-              <a:rPr lang="en-US" altLang="ja-JP" dirty="0" smtClean="0"/>
+              <a:rPr lang="en-US" altLang="ja-JP" dirty="0"/>
               <a:t>Y</a:t>
             </a:r>
             <a:endParaRPr kumimoji="1" lang="ja-JP" altLang="en-US" dirty="0"/>
@@ -4124,7 +4075,7 @@
           <a:lstStyle/>
           <a:p>
             <a:r>
-              <a:rPr lang="en-US" altLang="ja-JP" dirty="0" err="1" smtClean="0"/>
+              <a:rPr lang="en-US" altLang="ja-JP" dirty="0" err="1"/>
               <a:t>Estimator.calc</a:t>
             </a:r>
             <a:endParaRPr lang="ja-JP" altLang="en-US" dirty="0"/>
@@ -4154,7 +4105,7 @@
           <a:lstStyle/>
           <a:p>
             <a:r>
-              <a:rPr lang="en-US" altLang="ja-JP" dirty="0" err="1" smtClean="0"/>
+              <a:rPr lang="en-US" altLang="ja-JP" dirty="0" err="1"/>
               <a:t>Xh</a:t>
             </a:r>
             <a:endParaRPr kumimoji="1" lang="ja-JP" altLang="en-US" dirty="0"/>
@@ -4183,7 +4134,7 @@
           <a:lstStyle/>
           <a:p>
             <a:r>
-              <a:rPr lang="en-US" altLang="ja-JP" dirty="0" err="1" smtClean="0"/>
+              <a:rPr lang="en-US" altLang="ja-JP" dirty="0" err="1"/>
               <a:t>Controller.calc</a:t>
             </a:r>
             <a:endParaRPr lang="ja-JP" altLang="en-US" dirty="0"/>
@@ -4243,7 +4194,7 @@
           <a:lstStyle/>
           <a:p>
             <a:r>
-              <a:rPr lang="en-US" altLang="ja-JP" dirty="0" err="1" smtClean="0"/>
+              <a:rPr lang="en-US" altLang="ja-JP" dirty="0" err="1"/>
               <a:t>Xd</a:t>
             </a:r>
             <a:endParaRPr kumimoji="1" lang="ja-JP" altLang="en-US" dirty="0"/>
@@ -4287,29 +4238,28 @@
           <a:p>
             <a:pPr algn="ctr"/>
             <a:r>
-              <a:rPr lang="en-US" altLang="ja-JP" dirty="0" smtClean="0"/>
+              <a:rPr lang="en-US" altLang="ja-JP" dirty="0"/>
               <a:t>Reference</a:t>
             </a:r>
           </a:p>
           <a:p>
             <a:pPr algn="ctr"/>
             <a:r>
-              <a:rPr kumimoji="1" lang="en-US" altLang="ja-JP" sz="1600" dirty="0" smtClean="0"/>
+              <a:rPr kumimoji="1" lang="en-US" altLang="ja-JP" sz="1600" dirty="0"/>
               <a:t>sensor</a:t>
             </a:r>
             <a:r>
-              <a:rPr kumimoji="1" lang="ja-JP" altLang="en-US" sz="1600" dirty="0" smtClean="0"/>
+              <a:rPr kumimoji="1" lang="ja-JP" altLang="en-US" sz="1600" dirty="0"/>
               <a:t>情報から</a:t>
             </a:r>
             <a:r>
-              <a:rPr kumimoji="1" lang="en-US" altLang="ja-JP" sz="1600" dirty="0" smtClean="0"/>
+              <a:rPr kumimoji="1" lang="en-US" altLang="ja-JP" sz="1600" dirty="0"/>
               <a:t>controller</a:t>
             </a:r>
             <a:r>
-              <a:rPr kumimoji="1" lang="ja-JP" altLang="en-US" sz="1600" dirty="0" smtClean="0"/>
+              <a:rPr kumimoji="1" lang="ja-JP" altLang="en-US" sz="1600" dirty="0"/>
               <a:t>に必要な情報に変換</a:t>
             </a:r>
-            <a:endParaRPr kumimoji="1" lang="ja-JP" altLang="en-US" sz="1600" dirty="0"/>
           </a:p>
         </p:txBody>
       </p:sp>
@@ -4458,18 +4408,18 @@
           <a:p>
             <a:pPr algn="ctr"/>
             <a:r>
-              <a:rPr kumimoji="1" lang="ja-JP" altLang="en-US" dirty="0" smtClean="0"/>
+              <a:rPr kumimoji="1" lang="ja-JP" altLang="en-US" dirty="0"/>
               <a:t>他機体</a:t>
             </a:r>
-            <a:endParaRPr kumimoji="1" lang="en-US" altLang="ja-JP" dirty="0" smtClean="0"/>
+            <a:endParaRPr kumimoji="1" lang="en-US" altLang="ja-JP" dirty="0"/>
           </a:p>
           <a:p>
             <a:pPr algn="ctr"/>
             <a:r>
-              <a:rPr kumimoji="1" lang="ja-JP" altLang="en-US" sz="1400" dirty="0" smtClean="0"/>
+              <a:rPr kumimoji="1" lang="ja-JP" altLang="en-US" sz="1400" dirty="0"/>
               <a:t>推定状態値を受信</a:t>
             </a:r>
-            <a:endParaRPr kumimoji="1" lang="en-US" altLang="ja-JP" dirty="0" smtClean="0"/>
+            <a:endParaRPr kumimoji="1" lang="en-US" altLang="ja-JP" dirty="0"/>
           </a:p>
         </p:txBody>
       </p:sp>
@@ -4519,21 +4469,6 @@
   <p:clrMapOvr>
     <a:masterClrMapping/>
   </p:clrMapOvr>
-  <mc:AlternateContent xmlns:mc="http://schemas.openxmlformats.org/markup-compatibility/2006">
-    <mc:Choice xmlns:p14="http://schemas.microsoft.com/office/powerpoint/2010/main" Requires="p14">
-      <p:transition spd="slow" p14:dur="2000"/>
-    </mc:Choice>
-    <mc:Fallback>
-      <p:transition spd="slow"/>
-    </mc:Fallback>
-  </mc:AlternateContent>
-  <p:timing>
-    <p:tnLst>
-      <p:par>
-        <p:cTn id="1" dur="indefinite" restart="never" nodeType="tmRoot"/>
-      </p:par>
-    </p:tnLst>
-  </p:timing>
 </p:sld>
 </file>
 
@@ -4591,23 +4526,19 @@
           <a:p>
             <a:pPr algn="ctr"/>
             <a:r>
-              <a:rPr lang="en-US" altLang="ja-JP" dirty="0" err="1" smtClean="0"/>
-              <a:t>s</a:t>
-            </a:r>
-            <a:r>
-              <a:rPr lang="en-US" altLang="ja-JP" dirty="0" err="1" smtClean="0"/>
-              <a:t>ensor.sensor_name</a:t>
-            </a:r>
-            <a:endParaRPr lang="en-US" altLang="ja-JP" dirty="0" smtClean="0"/>
+              <a:rPr lang="en-US" altLang="ja-JP" dirty="0" err="1"/>
+              <a:t>sensor.sensor_name</a:t>
+            </a:r>
+            <a:endParaRPr lang="en-US" altLang="ja-JP" dirty="0"/>
           </a:p>
           <a:p>
             <a:pPr algn="ctr"/>
             <a:r>
-              <a:rPr lang="en-US" altLang="ja-JP" dirty="0" smtClean="0"/>
+              <a:rPr lang="en-US" altLang="ja-JP" dirty="0"/>
               <a:t>sensor.do() =&gt; </a:t>
             </a:r>
             <a:r>
-              <a:rPr lang="en-US" altLang="ja-JP" dirty="0" err="1" smtClean="0"/>
+              <a:rPr lang="en-US" altLang="ja-JP" dirty="0" err="1"/>
               <a:t>sensor.result</a:t>
             </a:r>
             <a:endParaRPr kumimoji="1" lang="ja-JP" altLang="en-US" dirty="0"/>
@@ -4721,25 +4652,21 @@
           <a:p>
             <a:pPr algn="ctr"/>
             <a:r>
-              <a:rPr lang="en-US" altLang="ja-JP" dirty="0" smtClean="0"/>
-              <a:t>e</a:t>
-            </a:r>
-            <a:r>
-              <a:rPr lang="en-US" altLang="ja-JP" dirty="0" smtClean="0"/>
-              <a:t>stimator</a:t>
+              <a:rPr lang="en-US" altLang="ja-JP" dirty="0"/>
+              <a:t>estimator</a:t>
             </a:r>
           </a:p>
           <a:p>
             <a:pPr algn="ctr"/>
             <a:r>
-              <a:rPr lang="en-US" altLang="ja-JP" dirty="0" smtClean="0"/>
+              <a:rPr lang="en-US" altLang="ja-JP" dirty="0"/>
               <a:t>estimator.do =&gt; </a:t>
             </a:r>
             <a:r>
-              <a:rPr lang="en-US" altLang="ja-JP" dirty="0" err="1" smtClean="0"/>
+              <a:rPr lang="en-US" altLang="ja-JP" dirty="0" err="1"/>
               <a:t>estimator.state</a:t>
             </a:r>
-            <a:endParaRPr lang="en-US" altLang="ja-JP" dirty="0" smtClean="0"/>
+            <a:endParaRPr lang="en-US" altLang="ja-JP" dirty="0"/>
           </a:p>
         </p:txBody>
       </p:sp>
@@ -4781,21 +4708,13 @@
             <a:pPr algn="ctr"/>
             <a:r>
               <a:rPr lang="en-US" altLang="ja-JP" dirty="0"/>
-              <a:t>c</a:t>
-            </a:r>
-            <a:r>
-              <a:rPr lang="en-US" altLang="ja-JP" dirty="0" smtClean="0"/>
-              <a:t>ontroller</a:t>
-            </a:r>
-            <a:r>
-              <a:rPr lang="en-US" altLang="ja-JP" dirty="0" smtClean="0"/>
-              <a:t/>
+              <a:t>controller</a:t>
             </a:r>
             <a:br>
-              <a:rPr lang="en-US" altLang="ja-JP" dirty="0" smtClean="0"/>
+              <a:rPr lang="en-US" altLang="ja-JP" dirty="0"/>
             </a:br>
             <a:r>
-              <a:rPr lang="en-US" altLang="ja-JP" dirty="0" smtClean="0"/>
+              <a:rPr lang="en-US" altLang="ja-JP" dirty="0"/>
               <a:t>controller.do -&gt; input</a:t>
             </a:r>
             <a:endParaRPr kumimoji="1" lang="ja-JP" altLang="en-US" dirty="0"/>
@@ -4897,7 +4816,7 @@
           <a:lstStyle/>
           <a:p>
             <a:r>
-              <a:rPr lang="en-US" altLang="ja-JP" dirty="0" smtClean="0"/>
+              <a:rPr lang="en-US" altLang="ja-JP" dirty="0"/>
               <a:t>Y</a:t>
             </a:r>
             <a:endParaRPr kumimoji="1" lang="ja-JP" altLang="en-US" dirty="0"/>
@@ -4927,7 +4846,7 @@
           <a:lstStyle/>
           <a:p>
             <a:r>
-              <a:rPr lang="en-US" altLang="ja-JP" dirty="0" err="1" smtClean="0"/>
+              <a:rPr lang="en-US" altLang="ja-JP" dirty="0" err="1"/>
               <a:t>Xh</a:t>
             </a:r>
             <a:endParaRPr kumimoji="1" lang="ja-JP" altLang="en-US" dirty="0"/>
@@ -4987,7 +4906,7 @@
           <a:lstStyle/>
           <a:p>
             <a:r>
-              <a:rPr lang="en-US" altLang="ja-JP" dirty="0" err="1" smtClean="0"/>
+              <a:rPr lang="en-US" altLang="ja-JP" dirty="0" err="1"/>
               <a:t>Xd</a:t>
             </a:r>
             <a:endParaRPr kumimoji="1" lang="ja-JP" altLang="en-US" dirty="0"/>
@@ -5031,25 +4950,21 @@
           <a:p>
             <a:pPr algn="ctr"/>
             <a:r>
-              <a:rPr lang="en-US" altLang="ja-JP" dirty="0" smtClean="0"/>
-              <a:t>r</a:t>
-            </a:r>
-            <a:r>
-              <a:rPr lang="en-US" altLang="ja-JP" dirty="0" smtClean="0"/>
-              <a:t>eference</a:t>
+              <a:rPr lang="en-US" altLang="ja-JP" dirty="0"/>
+              <a:t>reference</a:t>
             </a:r>
           </a:p>
           <a:p>
             <a:pPr algn="ctr"/>
             <a:r>
-              <a:rPr lang="en-US" altLang="ja-JP" dirty="0" smtClean="0"/>
+              <a:rPr lang="en-US" altLang="ja-JP" dirty="0"/>
               <a:t>reference.do =&gt; </a:t>
             </a:r>
             <a:r>
-              <a:rPr lang="en-US" altLang="ja-JP" dirty="0" err="1" smtClean="0"/>
+              <a:rPr lang="en-US" altLang="ja-JP" dirty="0" err="1"/>
               <a:t>reference.result</a:t>
             </a:r>
-            <a:endParaRPr lang="en-US" altLang="ja-JP" dirty="0" smtClean="0"/>
+            <a:endParaRPr lang="en-US" altLang="ja-JP" dirty="0"/>
           </a:p>
         </p:txBody>
       </p:sp>
@@ -5197,18 +5112,18 @@
           <a:p>
             <a:pPr algn="ctr"/>
             <a:r>
-              <a:rPr kumimoji="1" lang="ja-JP" altLang="en-US" dirty="0" smtClean="0"/>
+              <a:rPr kumimoji="1" lang="ja-JP" altLang="en-US" dirty="0"/>
               <a:t>他機体</a:t>
             </a:r>
-            <a:endParaRPr kumimoji="1" lang="en-US" altLang="ja-JP" dirty="0" smtClean="0"/>
+            <a:endParaRPr kumimoji="1" lang="en-US" altLang="ja-JP" dirty="0"/>
           </a:p>
           <a:p>
             <a:pPr algn="ctr"/>
             <a:r>
-              <a:rPr kumimoji="1" lang="ja-JP" altLang="en-US" sz="1400" dirty="0" smtClean="0"/>
+              <a:rPr kumimoji="1" lang="ja-JP" altLang="en-US" sz="1400" dirty="0"/>
               <a:t>推定状態値を受信</a:t>
             </a:r>
-            <a:endParaRPr kumimoji="1" lang="en-US" altLang="ja-JP" dirty="0" smtClean="0"/>
+            <a:endParaRPr kumimoji="1" lang="en-US" altLang="ja-JP" dirty="0"/>
           </a:p>
         </p:txBody>
       </p:sp>
@@ -5295,25 +5210,17 @@
           <a:p>
             <a:pPr algn="ctr"/>
             <a:r>
-              <a:rPr lang="en-US" altLang="ja-JP" dirty="0" smtClean="0"/>
-              <a:t>m</a:t>
-            </a:r>
-            <a:r>
-              <a:rPr lang="en-US" altLang="ja-JP" dirty="0" smtClean="0"/>
-              <a:t>odel</a:t>
-            </a:r>
-            <a:r>
-              <a:rPr lang="en-US" altLang="ja-JP" dirty="0" smtClean="0"/>
-              <a:t/>
+              <a:rPr lang="en-US" altLang="ja-JP" dirty="0"/>
+              <a:t>model</a:t>
             </a:r>
             <a:br>
-              <a:rPr lang="en-US" altLang="ja-JP" dirty="0" smtClean="0"/>
+              <a:rPr lang="en-US" altLang="ja-JP" dirty="0"/>
             </a:br>
             <a:r>
-              <a:rPr lang="ja-JP" altLang="en-US" dirty="0" smtClean="0"/>
+              <a:rPr lang="ja-JP" altLang="en-US" dirty="0"/>
               <a:t>制御モデル</a:t>
             </a:r>
-            <a:endParaRPr lang="en-US" altLang="ja-JP" sz="1200" dirty="0" smtClean="0"/>
+            <a:endParaRPr lang="en-US" altLang="ja-JP" sz="1200" dirty="0"/>
           </a:p>
         </p:txBody>
       </p:sp>
@@ -5390,10 +5297,10 @@
           <a:p>
             <a:pPr algn="ctr"/>
             <a:r>
-              <a:rPr lang="en-US" altLang="ja-JP" dirty="0" err="1" smtClean="0"/>
+              <a:rPr lang="en-US" altLang="ja-JP" dirty="0" err="1"/>
               <a:t>input_tranform</a:t>
             </a:r>
-            <a:endParaRPr lang="en-US" altLang="ja-JP" sz="1200" dirty="0" smtClean="0"/>
+            <a:endParaRPr lang="en-US" altLang="ja-JP" sz="1200" dirty="0"/>
           </a:p>
         </p:txBody>
       </p:sp>
@@ -5470,14 +5377,14 @@
           <a:p>
             <a:pPr algn="ctr"/>
             <a:r>
-              <a:rPr lang="en-US" altLang="ja-JP" dirty="0" smtClean="0"/>
+              <a:rPr lang="en-US" altLang="ja-JP" dirty="0"/>
               <a:t>Connector</a:t>
             </a:r>
           </a:p>
           <a:p>
             <a:pPr algn="ctr"/>
             <a:r>
-              <a:rPr lang="en-US" altLang="ja-JP" dirty="0" smtClean="0"/>
+              <a:rPr lang="en-US" altLang="ja-JP" dirty="0"/>
               <a:t>NATNET, ROS…</a:t>
             </a:r>
             <a:endParaRPr kumimoji="1" lang="ja-JP" altLang="en-US" dirty="0"/>
@@ -5543,7 +5450,7 @@
           <a:lstStyle/>
           <a:p>
             <a:r>
-              <a:rPr lang="en-US" altLang="ja-JP" dirty="0" err="1" smtClean="0"/>
+              <a:rPr lang="en-US" altLang="ja-JP" dirty="0" err="1"/>
               <a:t>Xh</a:t>
             </a:r>
             <a:endParaRPr kumimoji="1" lang="ja-JP" altLang="en-US" dirty="0"/>
@@ -5624,13 +5531,9 @@
             <a:pPr algn="ctr"/>
             <a:r>
               <a:rPr lang="en-US" altLang="ja-JP" dirty="0" err="1"/>
-              <a:t>e</a:t>
-            </a:r>
-            <a:r>
-              <a:rPr lang="en-US" altLang="ja-JP" dirty="0" err="1" smtClean="0"/>
-              <a:t>nv</a:t>
-            </a:r>
-            <a:endParaRPr lang="en-US" altLang="ja-JP" dirty="0" smtClean="0"/>
+              <a:t>env</a:t>
+            </a:r>
+            <a:endParaRPr lang="en-US" altLang="ja-JP" dirty="0"/>
           </a:p>
           <a:p>
             <a:pPr algn="ctr"/>
@@ -5639,10 +5542,9 @@
               <a:t>Env</a:t>
             </a:r>
             <a:r>
-              <a:rPr kumimoji="1" lang="ja-JP" altLang="en-US" dirty="0" smtClean="0"/>
+              <a:rPr kumimoji="1" lang="ja-JP" altLang="en-US" dirty="0"/>
               <a:t>の模擬</a:t>
             </a:r>
-            <a:endParaRPr kumimoji="1" lang="ja-JP" altLang="en-US" dirty="0"/>
           </a:p>
         </p:txBody>
       </p:sp>
@@ -5691,7 +5593,7 @@
           <a:p>
             <a:pPr algn="ctr"/>
             <a:r>
-              <a:rPr kumimoji="1" lang="en-US" altLang="ja-JP" sz="2800" dirty="0" smtClean="0"/>
+              <a:rPr kumimoji="1" lang="en-US" altLang="ja-JP" sz="2800" dirty="0"/>
               <a:t>Drone</a:t>
             </a:r>
             <a:endParaRPr kumimoji="1" lang="ja-JP" altLang="en-US" dirty="0"/>
@@ -5867,7 +5769,7 @@
           <a:p>
             <a:pPr algn="ctr"/>
             <a:r>
-              <a:rPr lang="en-US" altLang="ja-JP" dirty="0" smtClean="0"/>
+              <a:rPr lang="en-US" altLang="ja-JP" dirty="0"/>
               <a:t>Motive</a:t>
             </a:r>
             <a:endParaRPr lang="ja-JP" altLang="en-US" dirty="0"/>
@@ -5911,7 +5813,7 @@
           <a:p>
             <a:pPr algn="ctr"/>
             <a:r>
-              <a:rPr lang="en-US" altLang="ja-JP" dirty="0" smtClean="0"/>
+              <a:rPr lang="en-US" altLang="ja-JP" dirty="0"/>
               <a:t>ROS</a:t>
             </a:r>
             <a:endParaRPr lang="ja-JP" altLang="en-US" dirty="0"/>
@@ -6026,33 +5928,29 @@
           <a:p>
             <a:pPr algn="ctr"/>
             <a:r>
-              <a:rPr lang="en-US" altLang="ja-JP" dirty="0" smtClean="0"/>
+              <a:rPr lang="en-US" altLang="ja-JP" dirty="0"/>
               <a:t>plant</a:t>
             </a:r>
-            <a:r>
-              <a:rPr lang="en-US" altLang="ja-JP" dirty="0" smtClean="0"/>
-              <a:t/>
-            </a:r>
             <a:br>
-              <a:rPr lang="en-US" altLang="ja-JP" dirty="0" smtClean="0"/>
+              <a:rPr lang="en-US" altLang="ja-JP" dirty="0"/>
             </a:br>
             <a:r>
-              <a:rPr lang="ja-JP" altLang="en-US" dirty="0" smtClean="0"/>
+              <a:rPr lang="ja-JP" altLang="en-US" dirty="0"/>
               <a:t>実対象（の模擬）</a:t>
             </a:r>
-            <a:endParaRPr lang="en-US" altLang="ja-JP" dirty="0" smtClean="0"/>
+            <a:endParaRPr lang="en-US" altLang="ja-JP" dirty="0"/>
           </a:p>
           <a:p>
             <a:pPr algn="ctr"/>
             <a:r>
-              <a:rPr lang="en-US" altLang="ja-JP" sz="1200" dirty="0" smtClean="0"/>
+              <a:rPr lang="en-US" altLang="ja-JP" sz="1200" dirty="0"/>
               <a:t>do =&gt; </a:t>
             </a:r>
             <a:r>
-              <a:rPr lang="ja-JP" altLang="en-US" sz="1200" dirty="0" smtClean="0"/>
+              <a:rPr lang="ja-JP" altLang="en-US" sz="1200" dirty="0"/>
               <a:t>状態更新</a:t>
             </a:r>
-            <a:endParaRPr lang="en-US" altLang="ja-JP" sz="1200" dirty="0" smtClean="0"/>
+            <a:endParaRPr lang="en-US" altLang="ja-JP" sz="1200" dirty="0"/>
           </a:p>
         </p:txBody>
       </p:sp>
@@ -6093,10 +5991,10 @@
           <a:p>
             <a:pPr algn="ctr"/>
             <a:r>
-              <a:rPr lang="en-US" altLang="ja-JP" dirty="0" smtClean="0"/>
+              <a:rPr lang="en-US" altLang="ja-JP" dirty="0"/>
               <a:t>Plant</a:t>
             </a:r>
-            <a:endParaRPr lang="en-US" altLang="ja-JP" sz="1200" dirty="0" smtClean="0"/>
+            <a:endParaRPr lang="en-US" altLang="ja-JP" sz="1200" dirty="0"/>
           </a:p>
         </p:txBody>
       </p:sp>
@@ -6159,7 +6057,7 @@
           <a:lstStyle/>
           <a:p>
             <a:r>
-              <a:rPr kumimoji="1" lang="en-US" altLang="ja-JP" dirty="0" smtClean="0"/>
+              <a:rPr kumimoji="1" lang="en-US" altLang="ja-JP" dirty="0"/>
               <a:t>u</a:t>
             </a:r>
             <a:endParaRPr kumimoji="1" lang="ja-JP" altLang="en-US" dirty="0"/>
@@ -6189,7 +6087,7 @@
           <a:lstStyle/>
           <a:p>
             <a:r>
-              <a:rPr kumimoji="1" lang="en-US" altLang="ja-JP" dirty="0" smtClean="0"/>
+              <a:rPr kumimoji="1" lang="en-US" altLang="ja-JP" dirty="0"/>
               <a:t>u</a:t>
             </a:r>
             <a:endParaRPr kumimoji="1" lang="ja-JP" altLang="en-US" dirty="0"/>
@@ -6206,13 +6104,1400 @@
   <p:clrMapOvr>
     <a:masterClrMapping/>
   </p:clrMapOvr>
-  <p:timing>
-    <p:tnLst>
-      <p:par>
-        <p:cTn id="1" dur="indefinite" restart="never" nodeType="tmRoot"/>
-      </p:par>
-    </p:tnLst>
-  </p:timing>
+</p:sld>
+</file>
+
+<file path=ppt/slides/slide3.xml><?xml version="1.0" encoding="utf-8"?>
+<p:sld xmlns:a="http://schemas.openxmlformats.org/drawingml/2006/main" xmlns:r="http://schemas.openxmlformats.org/officeDocument/2006/relationships" xmlns:p="http://schemas.openxmlformats.org/presentationml/2006/main">
+  <p:cSld>
+    <p:spTree>
+      <p:nvGrpSpPr>
+        <p:cNvPr id="1" name=""/>
+        <p:cNvGrpSpPr/>
+        <p:nvPr/>
+      </p:nvGrpSpPr>
+      <p:grpSpPr>
+        <a:xfrm>
+          <a:off x="0" y="0"/>
+          <a:ext cx="0" cy="0"/>
+          <a:chOff x="0" y="0"/>
+          <a:chExt cx="0" cy="0"/>
+        </a:xfrm>
+      </p:grpSpPr>
+      <p:pic>
+        <p:nvPicPr>
+          <p:cNvPr id="5" name="図 4">
+            <a:extLst>
+              <a:ext uri="{FF2B5EF4-FFF2-40B4-BE49-F238E27FC236}">
+                <a16:creationId xmlns:a16="http://schemas.microsoft.com/office/drawing/2014/main" id="{88B24718-EF25-2A7F-E94D-340EF23821A6}"/>
+              </a:ext>
+            </a:extLst>
+          </p:cNvPr>
+          <p:cNvPicPr>
+            <a:picLocks noChangeAspect="1"/>
+          </p:cNvPicPr>
+          <p:nvPr/>
+        </p:nvPicPr>
+        <p:blipFill>
+          <a:blip r:embed="rId2"/>
+          <a:stretch>
+            <a:fillRect/>
+          </a:stretch>
+        </p:blipFill>
+        <p:spPr>
+          <a:xfrm>
+            <a:off x="3305175" y="676275"/>
+            <a:ext cx="5581650" cy="5505450"/>
+          </a:xfrm>
+          <a:prstGeom prst="rect">
+            <a:avLst/>
+          </a:prstGeom>
+        </p:spPr>
+      </p:pic>
+      <p:cxnSp>
+        <p:nvCxnSpPr>
+          <p:cNvPr id="7" name="直線コネクタ 6">
+            <a:extLst>
+              <a:ext uri="{FF2B5EF4-FFF2-40B4-BE49-F238E27FC236}">
+                <a16:creationId xmlns:a16="http://schemas.microsoft.com/office/drawing/2014/main" id="{14634493-E442-BF17-279E-0F0C5349290A}"/>
+              </a:ext>
+            </a:extLst>
+          </p:cNvPr>
+          <p:cNvCxnSpPr/>
+          <p:nvPr/>
+        </p:nvCxnSpPr>
+        <p:spPr>
+          <a:xfrm flipH="1" flipV="1">
+            <a:off x="1995055" y="1460665"/>
+            <a:ext cx="5094514" cy="902525"/>
+          </a:xfrm>
+          <a:prstGeom prst="line">
+            <a:avLst/>
+          </a:prstGeom>
+        </p:spPr>
+        <p:style>
+          <a:lnRef idx="1">
+            <a:schemeClr val="accent1"/>
+          </a:lnRef>
+          <a:fillRef idx="0">
+            <a:schemeClr val="accent1"/>
+          </a:fillRef>
+          <a:effectRef idx="0">
+            <a:schemeClr val="accent1"/>
+          </a:effectRef>
+          <a:fontRef idx="minor">
+            <a:schemeClr val="tx1"/>
+          </a:fontRef>
+        </p:style>
+      </p:cxnSp>
+      <p:cxnSp>
+        <p:nvCxnSpPr>
+          <p:cNvPr id="8" name="直線コネクタ 7">
+            <a:extLst>
+              <a:ext uri="{FF2B5EF4-FFF2-40B4-BE49-F238E27FC236}">
+                <a16:creationId xmlns:a16="http://schemas.microsoft.com/office/drawing/2014/main" id="{ECF48786-7BCB-ADF6-BEEE-1B78E06D623B}"/>
+              </a:ext>
+            </a:extLst>
+          </p:cNvPr>
+          <p:cNvCxnSpPr>
+            <a:cxnSpLocks/>
+          </p:cNvCxnSpPr>
+          <p:nvPr/>
+        </p:nvCxnSpPr>
+        <p:spPr>
+          <a:xfrm flipH="1" flipV="1">
+            <a:off x="1694968" y="3451291"/>
+            <a:ext cx="8147824" cy="1443438"/>
+          </a:xfrm>
+          <a:prstGeom prst="line">
+            <a:avLst/>
+          </a:prstGeom>
+        </p:spPr>
+        <p:style>
+          <a:lnRef idx="1">
+            <a:schemeClr val="accent1"/>
+          </a:lnRef>
+          <a:fillRef idx="0">
+            <a:schemeClr val="accent1"/>
+          </a:fillRef>
+          <a:effectRef idx="0">
+            <a:schemeClr val="accent1"/>
+          </a:effectRef>
+          <a:fontRef idx="minor">
+            <a:schemeClr val="tx1"/>
+          </a:fontRef>
+        </p:style>
+      </p:cxnSp>
+      <p:cxnSp>
+        <p:nvCxnSpPr>
+          <p:cNvPr id="9" name="直線コネクタ 8">
+            <a:extLst>
+              <a:ext uri="{FF2B5EF4-FFF2-40B4-BE49-F238E27FC236}">
+                <a16:creationId xmlns:a16="http://schemas.microsoft.com/office/drawing/2014/main" id="{7D579FCC-8847-436B-2DCA-665BC9EDB4DE}"/>
+              </a:ext>
+            </a:extLst>
+          </p:cNvPr>
+          <p:cNvCxnSpPr>
+            <a:cxnSpLocks/>
+          </p:cNvCxnSpPr>
+          <p:nvPr/>
+        </p:nvCxnSpPr>
+        <p:spPr>
+          <a:xfrm flipV="1">
+            <a:off x="6306532" y="569524"/>
+            <a:ext cx="1102546" cy="6189495"/>
+          </a:xfrm>
+          <a:prstGeom prst="line">
+            <a:avLst/>
+          </a:prstGeom>
+        </p:spPr>
+        <p:style>
+          <a:lnRef idx="1">
+            <a:schemeClr val="accent1"/>
+          </a:lnRef>
+          <a:fillRef idx="0">
+            <a:schemeClr val="accent1"/>
+          </a:fillRef>
+          <a:effectRef idx="0">
+            <a:schemeClr val="accent1"/>
+          </a:effectRef>
+          <a:fontRef idx="minor">
+            <a:schemeClr val="tx1"/>
+          </a:fontRef>
+        </p:style>
+      </p:cxnSp>
+      <p:cxnSp>
+        <p:nvCxnSpPr>
+          <p:cNvPr id="12" name="直線コネクタ 11">
+            <a:extLst>
+              <a:ext uri="{FF2B5EF4-FFF2-40B4-BE49-F238E27FC236}">
+                <a16:creationId xmlns:a16="http://schemas.microsoft.com/office/drawing/2014/main" id="{79AFF38A-F078-FCC2-35BA-490C4142BE98}"/>
+              </a:ext>
+            </a:extLst>
+          </p:cNvPr>
+          <p:cNvCxnSpPr>
+            <a:cxnSpLocks/>
+          </p:cNvCxnSpPr>
+          <p:nvPr/>
+        </p:nvCxnSpPr>
+        <p:spPr>
+          <a:xfrm flipV="1">
+            <a:off x="4743256" y="2072527"/>
+            <a:ext cx="783037" cy="4395829"/>
+          </a:xfrm>
+          <a:prstGeom prst="line">
+            <a:avLst/>
+          </a:prstGeom>
+        </p:spPr>
+        <p:style>
+          <a:lnRef idx="1">
+            <a:schemeClr val="accent1"/>
+          </a:lnRef>
+          <a:fillRef idx="0">
+            <a:schemeClr val="accent1"/>
+          </a:fillRef>
+          <a:effectRef idx="0">
+            <a:schemeClr val="accent1"/>
+          </a:effectRef>
+          <a:fontRef idx="minor">
+            <a:schemeClr val="tx1"/>
+          </a:fontRef>
+        </p:style>
+      </p:cxnSp>
+      <p:cxnSp>
+        <p:nvCxnSpPr>
+          <p:cNvPr id="14" name="直線矢印コネクタ 13">
+            <a:extLst>
+              <a:ext uri="{FF2B5EF4-FFF2-40B4-BE49-F238E27FC236}">
+                <a16:creationId xmlns:a16="http://schemas.microsoft.com/office/drawing/2014/main" id="{DCD2D6D1-8990-1A21-BB6D-E7BFD019F514}"/>
+              </a:ext>
+            </a:extLst>
+          </p:cNvPr>
+          <p:cNvCxnSpPr>
+            <a:cxnSpLocks/>
+          </p:cNvCxnSpPr>
+          <p:nvPr/>
+        </p:nvCxnSpPr>
+        <p:spPr>
+          <a:xfrm flipH="1">
+            <a:off x="2250831" y="1555423"/>
+            <a:ext cx="388674" cy="2015288"/>
+          </a:xfrm>
+          <a:prstGeom prst="straightConnector1">
+            <a:avLst/>
+          </a:prstGeom>
+          <a:ln>
+            <a:headEnd type="triangle"/>
+            <a:tailEnd type="triangle"/>
+          </a:ln>
+        </p:spPr>
+        <p:style>
+          <a:lnRef idx="1">
+            <a:schemeClr val="accent1"/>
+          </a:lnRef>
+          <a:fillRef idx="0">
+            <a:schemeClr val="accent1"/>
+          </a:fillRef>
+          <a:effectRef idx="0">
+            <a:schemeClr val="accent1"/>
+          </a:effectRef>
+          <a:fontRef idx="minor">
+            <a:schemeClr val="tx1"/>
+          </a:fontRef>
+        </p:style>
+      </p:cxnSp>
+      <mc:AlternateContent xmlns:mc="http://schemas.openxmlformats.org/markup-compatibility/2006" xmlns:a14="http://schemas.microsoft.com/office/drawing/2010/main">
+        <mc:Choice Requires="a14">
+          <p:sp>
+            <p:nvSpPr>
+              <p:cNvPr id="17" name="テキスト ボックス 16">
+                <a:extLst>
+                  <a:ext uri="{FF2B5EF4-FFF2-40B4-BE49-F238E27FC236}">
+                    <a16:creationId xmlns:a16="http://schemas.microsoft.com/office/drawing/2014/main" id="{0B01E120-80C2-2D8A-9D5D-F0A5D999FA94}"/>
+                  </a:ext>
+                </a:extLst>
+              </p:cNvPr>
+              <p:cNvSpPr txBox="1"/>
+              <p:nvPr/>
+            </p:nvSpPr>
+            <p:spPr>
+              <a:xfrm>
+                <a:off x="1705192" y="2215299"/>
+                <a:ext cx="980387" cy="523220"/>
+              </a:xfrm>
+              <a:prstGeom prst="rect">
+                <a:avLst/>
+              </a:prstGeom>
+              <a:noFill/>
+            </p:spPr>
+            <p:txBody>
+              <a:bodyPr wrap="square" rtlCol="0">
+                <a:spAutoFit/>
+              </a:bodyPr>
+              <a:lstStyle/>
+              <a:p>
+                <a:pPr/>
+                <a14:m>
+                  <m:oMathPara xmlns:m="http://schemas.openxmlformats.org/officeDocument/2006/math">
+                    <m:oMathParaPr>
+                      <m:jc m:val="centerGroup"/>
+                    </m:oMathParaPr>
+                    <m:oMath xmlns:m="http://schemas.openxmlformats.org/officeDocument/2006/math">
+                      <m:sSub>
+                        <m:sSubPr>
+                          <m:ctrlPr>
+                            <a:rPr kumimoji="1" lang="en-US" altLang="ja-JP" sz="2800" b="0" i="1" smtClean="0">
+                              <a:latin typeface="Cambria Math" panose="02040503050406030204" pitchFamily="18" charset="0"/>
+                            </a:rPr>
+                          </m:ctrlPr>
+                        </m:sSubPr>
+                        <m:e>
+                          <m:r>
+                            <a:rPr kumimoji="1" lang="en-US" altLang="ja-JP" sz="2800" b="0" i="1" smtClean="0">
+                              <a:latin typeface="Cambria Math" panose="02040503050406030204" pitchFamily="18" charset="0"/>
+                            </a:rPr>
+                            <m:t>𝐿</m:t>
+                          </m:r>
+                        </m:e>
+                        <m:sub>
+                          <m:r>
+                            <a:rPr kumimoji="1" lang="en-US" altLang="ja-JP" sz="2800" b="0" i="1" smtClean="0">
+                              <a:latin typeface="Cambria Math" panose="02040503050406030204" pitchFamily="18" charset="0"/>
+                            </a:rPr>
+                            <m:t>𝑥</m:t>
+                          </m:r>
+                        </m:sub>
+                      </m:sSub>
+                    </m:oMath>
+                  </m:oMathPara>
+                </a14:m>
+                <a:endParaRPr kumimoji="1" lang="ja-JP" altLang="en-US" sz="2800" dirty="0"/>
+              </a:p>
+            </p:txBody>
+          </p:sp>
+        </mc:Choice>
+        <mc:Fallback xmlns="">
+          <p:sp>
+            <p:nvSpPr>
+              <p:cNvPr id="17" name="テキスト ボックス 16">
+                <a:extLst>
+                  <a:ext uri="{FF2B5EF4-FFF2-40B4-BE49-F238E27FC236}">
+                    <a16:creationId xmlns:a16="http://schemas.microsoft.com/office/drawing/2014/main" id="{0B01E120-80C2-2D8A-9D5D-F0A5D999FA94}"/>
+                  </a:ext>
+                </a:extLst>
+              </p:cNvPr>
+              <p:cNvSpPr txBox="1">
+                <a:spLocks noRot="1" noChangeAspect="1" noMove="1" noResize="1" noEditPoints="1" noAdjustHandles="1" noChangeArrowheads="1" noChangeShapeType="1" noTextEdit="1"/>
+              </p:cNvSpPr>
+              <p:nvPr/>
+            </p:nvSpPr>
+            <p:spPr>
+              <a:xfrm>
+                <a:off x="1705192" y="2215299"/>
+                <a:ext cx="980387" cy="523220"/>
+              </a:xfrm>
+              <a:prstGeom prst="rect">
+                <a:avLst/>
+              </a:prstGeom>
+              <a:blipFill>
+                <a:blip r:embed="rId3"/>
+                <a:stretch>
+                  <a:fillRect/>
+                </a:stretch>
+              </a:blipFill>
+            </p:spPr>
+            <p:txBody>
+              <a:bodyPr/>
+              <a:lstStyle/>
+              <a:p>
+                <a:r>
+                  <a:rPr lang="ja-JP" altLang="en-US">
+                    <a:noFill/>
+                  </a:rPr>
+                  <a:t> </a:t>
+                </a:r>
+              </a:p>
+            </p:txBody>
+          </p:sp>
+        </mc:Fallback>
+      </mc:AlternateContent>
+      <p:cxnSp>
+        <p:nvCxnSpPr>
+          <p:cNvPr id="19" name="直線矢印コネクタ 18">
+            <a:extLst>
+              <a:ext uri="{FF2B5EF4-FFF2-40B4-BE49-F238E27FC236}">
+                <a16:creationId xmlns:a16="http://schemas.microsoft.com/office/drawing/2014/main" id="{EAC3E148-10CF-105A-0BF4-B86F0D803D3C}"/>
+              </a:ext>
+            </a:extLst>
+          </p:cNvPr>
+          <p:cNvCxnSpPr>
+            <a:cxnSpLocks/>
+          </p:cNvCxnSpPr>
+          <p:nvPr/>
+        </p:nvCxnSpPr>
+        <p:spPr>
+          <a:xfrm>
+            <a:off x="4811978" y="6227023"/>
+            <a:ext cx="1547446" cy="297904"/>
+          </a:xfrm>
+          <a:prstGeom prst="straightConnector1">
+            <a:avLst/>
+          </a:prstGeom>
+          <a:ln>
+            <a:headEnd type="triangle"/>
+            <a:tailEnd type="triangle"/>
+          </a:ln>
+        </p:spPr>
+        <p:style>
+          <a:lnRef idx="1">
+            <a:schemeClr val="accent1"/>
+          </a:lnRef>
+          <a:fillRef idx="0">
+            <a:schemeClr val="accent1"/>
+          </a:fillRef>
+          <a:effectRef idx="0">
+            <a:schemeClr val="accent1"/>
+          </a:effectRef>
+          <a:fontRef idx="minor">
+            <a:schemeClr val="tx1"/>
+          </a:fontRef>
+        </p:style>
+      </p:cxnSp>
+      <mc:AlternateContent xmlns:mc="http://schemas.openxmlformats.org/markup-compatibility/2006" xmlns:a14="http://schemas.microsoft.com/office/drawing/2010/main">
+        <mc:Choice Requires="a14">
+          <p:sp>
+            <p:nvSpPr>
+              <p:cNvPr id="20" name="テキスト ボックス 19">
+                <a:extLst>
+                  <a:ext uri="{FF2B5EF4-FFF2-40B4-BE49-F238E27FC236}">
+                    <a16:creationId xmlns:a16="http://schemas.microsoft.com/office/drawing/2014/main" id="{B4EF861E-914D-4590-6BC6-922A1EEED0E4}"/>
+                  </a:ext>
+                </a:extLst>
+              </p:cNvPr>
+              <p:cNvSpPr txBox="1"/>
+              <p:nvPr/>
+            </p:nvSpPr>
+            <p:spPr>
+              <a:xfrm>
+                <a:off x="4954340" y="6255010"/>
+                <a:ext cx="980387" cy="557204"/>
+              </a:xfrm>
+              <a:prstGeom prst="rect">
+                <a:avLst/>
+              </a:prstGeom>
+              <a:noFill/>
+            </p:spPr>
+            <p:txBody>
+              <a:bodyPr wrap="square" rtlCol="0">
+                <a:spAutoFit/>
+              </a:bodyPr>
+              <a:lstStyle/>
+              <a:p>
+                <a:pPr/>
+                <a14:m>
+                  <m:oMathPara xmlns:m="http://schemas.openxmlformats.org/officeDocument/2006/math">
+                    <m:oMathParaPr>
+                      <m:jc m:val="centerGroup"/>
+                    </m:oMathParaPr>
+                    <m:oMath xmlns:m="http://schemas.openxmlformats.org/officeDocument/2006/math">
+                      <m:sSub>
+                        <m:sSubPr>
+                          <m:ctrlPr>
+                            <a:rPr kumimoji="1" lang="en-US" altLang="ja-JP" sz="2800" b="0" i="1" smtClean="0">
+                              <a:latin typeface="Cambria Math" panose="02040503050406030204" pitchFamily="18" charset="0"/>
+                            </a:rPr>
+                          </m:ctrlPr>
+                        </m:sSubPr>
+                        <m:e>
+                          <m:r>
+                            <a:rPr kumimoji="1" lang="en-US" altLang="ja-JP" sz="2800" b="0" i="1" smtClean="0">
+                              <a:latin typeface="Cambria Math" panose="02040503050406030204" pitchFamily="18" charset="0"/>
+                            </a:rPr>
+                            <m:t>𝐿</m:t>
+                          </m:r>
+                        </m:e>
+                        <m:sub>
+                          <m:r>
+                            <a:rPr kumimoji="1" lang="en-US" altLang="ja-JP" sz="2800" b="0" i="1" smtClean="0">
+                              <a:latin typeface="Cambria Math" panose="02040503050406030204" pitchFamily="18" charset="0"/>
+                            </a:rPr>
+                            <m:t>𝑦</m:t>
+                          </m:r>
+                        </m:sub>
+                      </m:sSub>
+                    </m:oMath>
+                  </m:oMathPara>
+                </a14:m>
+                <a:endParaRPr kumimoji="1" lang="ja-JP" altLang="en-US" sz="2800" dirty="0"/>
+              </a:p>
+            </p:txBody>
+          </p:sp>
+        </mc:Choice>
+        <mc:Fallback xmlns="">
+          <p:sp>
+            <p:nvSpPr>
+              <p:cNvPr id="20" name="テキスト ボックス 19">
+                <a:extLst>
+                  <a:ext uri="{FF2B5EF4-FFF2-40B4-BE49-F238E27FC236}">
+                    <a16:creationId xmlns:a16="http://schemas.microsoft.com/office/drawing/2014/main" id="{B4EF861E-914D-4590-6BC6-922A1EEED0E4}"/>
+                  </a:ext>
+                </a:extLst>
+              </p:cNvPr>
+              <p:cNvSpPr txBox="1">
+                <a:spLocks noRot="1" noChangeAspect="1" noMove="1" noResize="1" noEditPoints="1" noAdjustHandles="1" noChangeArrowheads="1" noChangeShapeType="1" noTextEdit="1"/>
+              </p:cNvSpPr>
+              <p:nvPr/>
+            </p:nvSpPr>
+            <p:spPr>
+              <a:xfrm>
+                <a:off x="4954340" y="6255010"/>
+                <a:ext cx="980387" cy="557204"/>
+              </a:xfrm>
+              <a:prstGeom prst="rect">
+                <a:avLst/>
+              </a:prstGeom>
+              <a:blipFill>
+                <a:blip r:embed="rId4"/>
+                <a:stretch>
+                  <a:fillRect/>
+                </a:stretch>
+              </a:blipFill>
+            </p:spPr>
+            <p:txBody>
+              <a:bodyPr/>
+              <a:lstStyle/>
+              <a:p>
+                <a:r>
+                  <a:rPr lang="ja-JP" altLang="en-US">
+                    <a:noFill/>
+                  </a:rPr>
+                  <a:t> </a:t>
+                </a:r>
+              </a:p>
+            </p:txBody>
+          </p:sp>
+        </mc:Fallback>
+      </mc:AlternateContent>
+      <mc:AlternateContent xmlns:mc="http://schemas.openxmlformats.org/markup-compatibility/2006" xmlns:a14="http://schemas.microsoft.com/office/drawing/2010/main">
+        <mc:Choice Requires="a14">
+          <p:sp>
+            <p:nvSpPr>
+              <p:cNvPr id="23" name="テキスト ボックス 22">
+                <a:extLst>
+                  <a:ext uri="{FF2B5EF4-FFF2-40B4-BE49-F238E27FC236}">
+                    <a16:creationId xmlns:a16="http://schemas.microsoft.com/office/drawing/2014/main" id="{A1DE873D-E8C8-5FCC-8580-8BC6766AF874}"/>
+                  </a:ext>
+                </a:extLst>
+              </p:cNvPr>
+              <p:cNvSpPr txBox="1"/>
+              <p:nvPr/>
+            </p:nvSpPr>
+            <p:spPr>
+              <a:xfrm>
+                <a:off x="7145014" y="1363199"/>
+                <a:ext cx="980387" cy="523220"/>
+              </a:xfrm>
+              <a:prstGeom prst="rect">
+                <a:avLst/>
+              </a:prstGeom>
+              <a:noFill/>
+            </p:spPr>
+            <p:txBody>
+              <a:bodyPr wrap="square" rtlCol="0">
+                <a:spAutoFit/>
+              </a:bodyPr>
+              <a:lstStyle/>
+              <a:p>
+                <a:pPr/>
+                <a14:m>
+                  <m:oMathPara xmlns:m="http://schemas.openxmlformats.org/officeDocument/2006/math">
+                    <m:oMathParaPr>
+                      <m:jc m:val="centerGroup"/>
+                    </m:oMathParaPr>
+                    <m:oMath xmlns:m="http://schemas.openxmlformats.org/officeDocument/2006/math">
+                      <m:r>
+                        <a:rPr kumimoji="1" lang="en-US" altLang="ja-JP" sz="2800" b="0" i="1" smtClean="0">
+                          <a:latin typeface="Cambria Math" panose="02040503050406030204" pitchFamily="18" charset="0"/>
+                        </a:rPr>
+                        <m:t>2</m:t>
+                      </m:r>
+                    </m:oMath>
+                  </m:oMathPara>
+                </a14:m>
+                <a:endParaRPr kumimoji="1" lang="ja-JP" altLang="en-US" sz="2800" dirty="0"/>
+              </a:p>
+            </p:txBody>
+          </p:sp>
+        </mc:Choice>
+        <mc:Fallback xmlns="">
+          <p:sp>
+            <p:nvSpPr>
+              <p:cNvPr id="23" name="テキスト ボックス 22">
+                <a:extLst>
+                  <a:ext uri="{FF2B5EF4-FFF2-40B4-BE49-F238E27FC236}">
+                    <a16:creationId xmlns:a16="http://schemas.microsoft.com/office/drawing/2014/main" id="{A1DE873D-E8C8-5FCC-8580-8BC6766AF874}"/>
+                  </a:ext>
+                </a:extLst>
+              </p:cNvPr>
+              <p:cNvSpPr txBox="1">
+                <a:spLocks noRot="1" noChangeAspect="1" noMove="1" noResize="1" noEditPoints="1" noAdjustHandles="1" noChangeArrowheads="1" noChangeShapeType="1" noTextEdit="1"/>
+              </p:cNvSpPr>
+              <p:nvPr/>
+            </p:nvSpPr>
+            <p:spPr>
+              <a:xfrm>
+                <a:off x="7145014" y="1363199"/>
+                <a:ext cx="980387" cy="523220"/>
+              </a:xfrm>
+              <a:prstGeom prst="rect">
+                <a:avLst/>
+              </a:prstGeom>
+              <a:blipFill>
+                <a:blip r:embed="rId5"/>
+                <a:stretch>
+                  <a:fillRect/>
+                </a:stretch>
+              </a:blipFill>
+            </p:spPr>
+            <p:txBody>
+              <a:bodyPr/>
+              <a:lstStyle/>
+              <a:p>
+                <a:r>
+                  <a:rPr lang="ja-JP" altLang="en-US">
+                    <a:noFill/>
+                  </a:rPr>
+                  <a:t> </a:t>
+                </a:r>
+              </a:p>
+            </p:txBody>
+          </p:sp>
+        </mc:Fallback>
+      </mc:AlternateContent>
+      <p:cxnSp>
+        <p:nvCxnSpPr>
+          <p:cNvPr id="25" name="直線コネクタ 24">
+            <a:extLst>
+              <a:ext uri="{FF2B5EF4-FFF2-40B4-BE49-F238E27FC236}">
+                <a16:creationId xmlns:a16="http://schemas.microsoft.com/office/drawing/2014/main" id="{0D0BF4AA-7695-C407-9499-9D862E01EBD2}"/>
+              </a:ext>
+            </a:extLst>
+          </p:cNvPr>
+          <p:cNvCxnSpPr>
+            <a:cxnSpLocks/>
+          </p:cNvCxnSpPr>
+          <p:nvPr/>
+        </p:nvCxnSpPr>
+        <p:spPr>
+          <a:xfrm flipV="1">
+            <a:off x="6151190" y="442183"/>
+            <a:ext cx="505698" cy="2838899"/>
+          </a:xfrm>
+          <a:prstGeom prst="line">
+            <a:avLst/>
+          </a:prstGeom>
+        </p:spPr>
+        <p:style>
+          <a:lnRef idx="1">
+            <a:schemeClr val="accent1"/>
+          </a:lnRef>
+          <a:fillRef idx="0">
+            <a:schemeClr val="accent1"/>
+          </a:fillRef>
+          <a:effectRef idx="0">
+            <a:schemeClr val="accent1"/>
+          </a:effectRef>
+          <a:fontRef idx="minor">
+            <a:schemeClr val="tx1"/>
+          </a:fontRef>
+        </p:style>
+      </p:cxnSp>
+      <p:cxnSp>
+        <p:nvCxnSpPr>
+          <p:cNvPr id="28" name="直線コネクタ 27">
+            <a:extLst>
+              <a:ext uri="{FF2B5EF4-FFF2-40B4-BE49-F238E27FC236}">
+                <a16:creationId xmlns:a16="http://schemas.microsoft.com/office/drawing/2014/main" id="{01A64D0F-42D8-071F-991D-25E632CAC2CD}"/>
+              </a:ext>
+            </a:extLst>
+          </p:cNvPr>
+          <p:cNvCxnSpPr>
+            <a:cxnSpLocks/>
+          </p:cNvCxnSpPr>
+          <p:nvPr/>
+        </p:nvCxnSpPr>
+        <p:spPr>
+          <a:xfrm flipH="1" flipV="1">
+            <a:off x="6191802" y="3243724"/>
+            <a:ext cx="3796260" cy="672531"/>
+          </a:xfrm>
+          <a:prstGeom prst="line">
+            <a:avLst/>
+          </a:prstGeom>
+        </p:spPr>
+        <p:style>
+          <a:lnRef idx="1">
+            <a:schemeClr val="accent1"/>
+          </a:lnRef>
+          <a:fillRef idx="0">
+            <a:schemeClr val="accent1"/>
+          </a:fillRef>
+          <a:effectRef idx="0">
+            <a:schemeClr val="accent1"/>
+          </a:effectRef>
+          <a:fontRef idx="minor">
+            <a:schemeClr val="tx1"/>
+          </a:fontRef>
+        </p:style>
+      </p:cxnSp>
+      <p:cxnSp>
+        <p:nvCxnSpPr>
+          <p:cNvPr id="32" name="直線矢印コネクタ 31">
+            <a:extLst>
+              <a:ext uri="{FF2B5EF4-FFF2-40B4-BE49-F238E27FC236}">
+                <a16:creationId xmlns:a16="http://schemas.microsoft.com/office/drawing/2014/main" id="{993C7E46-A521-64C9-3B8F-62BFA359A570}"/>
+              </a:ext>
+            </a:extLst>
+          </p:cNvPr>
+          <p:cNvCxnSpPr>
+            <a:cxnSpLocks/>
+          </p:cNvCxnSpPr>
+          <p:nvPr/>
+        </p:nvCxnSpPr>
+        <p:spPr>
+          <a:xfrm flipH="1">
+            <a:off x="9450654" y="3876038"/>
+            <a:ext cx="182319" cy="945332"/>
+          </a:xfrm>
+          <a:prstGeom prst="straightConnector1">
+            <a:avLst/>
+          </a:prstGeom>
+          <a:ln>
+            <a:headEnd type="triangle"/>
+            <a:tailEnd type="triangle"/>
+          </a:ln>
+        </p:spPr>
+        <p:style>
+          <a:lnRef idx="1">
+            <a:schemeClr val="accent1"/>
+          </a:lnRef>
+          <a:fillRef idx="0">
+            <a:schemeClr val="accent1"/>
+          </a:fillRef>
+          <a:effectRef idx="0">
+            <a:schemeClr val="accent1"/>
+          </a:effectRef>
+          <a:fontRef idx="minor">
+            <a:schemeClr val="tx1"/>
+          </a:fontRef>
+        </p:style>
+      </p:cxnSp>
+      <mc:AlternateContent xmlns:mc="http://schemas.openxmlformats.org/markup-compatibility/2006" xmlns:a14="http://schemas.microsoft.com/office/drawing/2010/main">
+        <mc:Choice Requires="a14">
+          <p:sp>
+            <p:nvSpPr>
+              <p:cNvPr id="33" name="テキスト ボックス 32">
+                <a:extLst>
+                  <a:ext uri="{FF2B5EF4-FFF2-40B4-BE49-F238E27FC236}">
+                    <a16:creationId xmlns:a16="http://schemas.microsoft.com/office/drawing/2014/main" id="{B3743F68-5B3E-84CE-E7F1-9B5E7FD3938E}"/>
+                  </a:ext>
+                </a:extLst>
+              </p:cNvPr>
+              <p:cNvSpPr txBox="1"/>
+              <p:nvPr/>
+            </p:nvSpPr>
+            <p:spPr>
+              <a:xfrm>
+                <a:off x="9450654" y="4152152"/>
+                <a:ext cx="736579" cy="523220"/>
+              </a:xfrm>
+              <a:prstGeom prst="rect">
+                <a:avLst/>
+              </a:prstGeom>
+              <a:noFill/>
+            </p:spPr>
+            <p:txBody>
+              <a:bodyPr wrap="square" rtlCol="0">
+                <a:spAutoFit/>
+              </a:bodyPr>
+              <a:lstStyle/>
+              <a:p>
+                <a:pPr/>
+                <a14:m>
+                  <m:oMathPara xmlns:m="http://schemas.openxmlformats.org/officeDocument/2006/math">
+                    <m:oMathParaPr>
+                      <m:jc m:val="centerGroup"/>
+                    </m:oMathParaPr>
+                    <m:oMath xmlns:m="http://schemas.openxmlformats.org/officeDocument/2006/math">
+                      <m:sSub>
+                        <m:sSubPr>
+                          <m:ctrlPr>
+                            <a:rPr kumimoji="1" lang="en-US" altLang="ja-JP" sz="2800" b="0" i="1" smtClean="0">
+                              <a:latin typeface="Cambria Math" panose="02040503050406030204" pitchFamily="18" charset="0"/>
+                            </a:rPr>
+                          </m:ctrlPr>
+                        </m:sSubPr>
+                        <m:e>
+                          <m:r>
+                            <a:rPr kumimoji="1" lang="en-US" altLang="ja-JP" sz="2800" b="0" i="1" smtClean="0">
+                              <a:latin typeface="Cambria Math" panose="02040503050406030204" pitchFamily="18" charset="0"/>
+                            </a:rPr>
+                            <m:t>𝑙</m:t>
+                          </m:r>
+                        </m:e>
+                        <m:sub>
+                          <m:r>
+                            <a:rPr kumimoji="1" lang="en-US" altLang="ja-JP" sz="2800" b="0" i="1" smtClean="0">
+                              <a:latin typeface="Cambria Math" panose="02040503050406030204" pitchFamily="18" charset="0"/>
+                            </a:rPr>
+                            <m:t>𝑥</m:t>
+                          </m:r>
+                        </m:sub>
+                      </m:sSub>
+                    </m:oMath>
+                  </m:oMathPara>
+                </a14:m>
+                <a:endParaRPr kumimoji="1" lang="ja-JP" altLang="en-US" sz="2800" dirty="0"/>
+              </a:p>
+            </p:txBody>
+          </p:sp>
+        </mc:Choice>
+        <mc:Fallback xmlns="">
+          <p:sp>
+            <p:nvSpPr>
+              <p:cNvPr id="33" name="テキスト ボックス 32">
+                <a:extLst>
+                  <a:ext uri="{FF2B5EF4-FFF2-40B4-BE49-F238E27FC236}">
+                    <a16:creationId xmlns:a16="http://schemas.microsoft.com/office/drawing/2014/main" id="{B3743F68-5B3E-84CE-E7F1-9B5E7FD3938E}"/>
+                  </a:ext>
+                </a:extLst>
+              </p:cNvPr>
+              <p:cNvSpPr txBox="1">
+                <a:spLocks noRot="1" noChangeAspect="1" noMove="1" noResize="1" noEditPoints="1" noAdjustHandles="1" noChangeArrowheads="1" noChangeShapeType="1" noTextEdit="1"/>
+              </p:cNvSpPr>
+              <p:nvPr/>
+            </p:nvSpPr>
+            <p:spPr>
+              <a:xfrm>
+                <a:off x="9450654" y="4152152"/>
+                <a:ext cx="736579" cy="523220"/>
+              </a:xfrm>
+              <a:prstGeom prst="rect">
+                <a:avLst/>
+              </a:prstGeom>
+              <a:blipFill>
+                <a:blip r:embed="rId6"/>
+                <a:stretch>
+                  <a:fillRect/>
+                </a:stretch>
+              </a:blipFill>
+            </p:spPr>
+            <p:txBody>
+              <a:bodyPr/>
+              <a:lstStyle/>
+              <a:p>
+                <a:r>
+                  <a:rPr lang="ja-JP" altLang="en-US">
+                    <a:noFill/>
+                  </a:rPr>
+                  <a:t> </a:t>
+                </a:r>
+              </a:p>
+            </p:txBody>
+          </p:sp>
+        </mc:Fallback>
+      </mc:AlternateContent>
+      <p:cxnSp>
+        <p:nvCxnSpPr>
+          <p:cNvPr id="35" name="直線矢印コネクタ 34">
+            <a:extLst>
+              <a:ext uri="{FF2B5EF4-FFF2-40B4-BE49-F238E27FC236}">
+                <a16:creationId xmlns:a16="http://schemas.microsoft.com/office/drawing/2014/main" id="{1516733A-1FFE-2316-00C1-294CD3B7E364}"/>
+              </a:ext>
+            </a:extLst>
+          </p:cNvPr>
+          <p:cNvCxnSpPr>
+            <a:cxnSpLocks/>
+          </p:cNvCxnSpPr>
+          <p:nvPr/>
+        </p:nvCxnSpPr>
+        <p:spPr>
+          <a:xfrm>
+            <a:off x="6627709" y="676275"/>
+            <a:ext cx="694849" cy="133768"/>
+          </a:xfrm>
+          <a:prstGeom prst="straightConnector1">
+            <a:avLst/>
+          </a:prstGeom>
+          <a:ln>
+            <a:headEnd type="triangle"/>
+            <a:tailEnd type="triangle"/>
+          </a:ln>
+        </p:spPr>
+        <p:style>
+          <a:lnRef idx="1">
+            <a:schemeClr val="accent1"/>
+          </a:lnRef>
+          <a:fillRef idx="0">
+            <a:schemeClr val="accent1"/>
+          </a:fillRef>
+          <a:effectRef idx="0">
+            <a:schemeClr val="accent1"/>
+          </a:effectRef>
+          <a:fontRef idx="minor">
+            <a:schemeClr val="tx1"/>
+          </a:fontRef>
+        </p:style>
+      </p:cxnSp>
+      <mc:AlternateContent xmlns:mc="http://schemas.openxmlformats.org/markup-compatibility/2006" xmlns:a14="http://schemas.microsoft.com/office/drawing/2010/main">
+        <mc:Choice Requires="a14">
+          <p:sp>
+            <p:nvSpPr>
+              <p:cNvPr id="36" name="テキスト ボックス 35">
+                <a:extLst>
+                  <a:ext uri="{FF2B5EF4-FFF2-40B4-BE49-F238E27FC236}">
+                    <a16:creationId xmlns:a16="http://schemas.microsoft.com/office/drawing/2014/main" id="{82FE2EAC-79CA-3753-CA42-72E97F2C98B8}"/>
+                  </a:ext>
+                </a:extLst>
+              </p:cNvPr>
+              <p:cNvSpPr txBox="1"/>
+              <p:nvPr/>
+            </p:nvSpPr>
+            <p:spPr>
+              <a:xfrm>
+                <a:off x="6543421" y="179482"/>
+                <a:ext cx="980387" cy="557204"/>
+              </a:xfrm>
+              <a:prstGeom prst="rect">
+                <a:avLst/>
+              </a:prstGeom>
+              <a:noFill/>
+            </p:spPr>
+            <p:txBody>
+              <a:bodyPr wrap="square" rtlCol="0">
+                <a:spAutoFit/>
+              </a:bodyPr>
+              <a:lstStyle/>
+              <a:p>
+                <a:pPr/>
+                <a14:m>
+                  <m:oMathPara xmlns:m="http://schemas.openxmlformats.org/officeDocument/2006/math">
+                    <m:oMathParaPr>
+                      <m:jc m:val="centerGroup"/>
+                    </m:oMathParaPr>
+                    <m:oMath xmlns:m="http://schemas.openxmlformats.org/officeDocument/2006/math">
+                      <m:sSub>
+                        <m:sSubPr>
+                          <m:ctrlPr>
+                            <a:rPr kumimoji="1" lang="en-US" altLang="ja-JP" sz="2800" b="0" i="1" smtClean="0">
+                              <a:latin typeface="Cambria Math" panose="02040503050406030204" pitchFamily="18" charset="0"/>
+                            </a:rPr>
+                          </m:ctrlPr>
+                        </m:sSubPr>
+                        <m:e>
+                          <m:r>
+                            <a:rPr kumimoji="1" lang="en-US" altLang="ja-JP" sz="2800" b="0" i="1" smtClean="0">
+                              <a:latin typeface="Cambria Math" panose="02040503050406030204" pitchFamily="18" charset="0"/>
+                            </a:rPr>
+                            <m:t>𝑙</m:t>
+                          </m:r>
+                        </m:e>
+                        <m:sub>
+                          <m:r>
+                            <a:rPr kumimoji="1" lang="en-US" altLang="ja-JP" sz="2800" b="0" i="1" smtClean="0">
+                              <a:latin typeface="Cambria Math" panose="02040503050406030204" pitchFamily="18" charset="0"/>
+                            </a:rPr>
+                            <m:t>𝑦</m:t>
+                          </m:r>
+                        </m:sub>
+                      </m:sSub>
+                    </m:oMath>
+                  </m:oMathPara>
+                </a14:m>
+                <a:endParaRPr kumimoji="1" lang="ja-JP" altLang="en-US" sz="2800" dirty="0"/>
+              </a:p>
+            </p:txBody>
+          </p:sp>
+        </mc:Choice>
+        <mc:Fallback xmlns="">
+          <p:sp>
+            <p:nvSpPr>
+              <p:cNvPr id="36" name="テキスト ボックス 35">
+                <a:extLst>
+                  <a:ext uri="{FF2B5EF4-FFF2-40B4-BE49-F238E27FC236}">
+                    <a16:creationId xmlns:a16="http://schemas.microsoft.com/office/drawing/2014/main" id="{82FE2EAC-79CA-3753-CA42-72E97F2C98B8}"/>
+                  </a:ext>
+                </a:extLst>
+              </p:cNvPr>
+              <p:cNvSpPr txBox="1">
+                <a:spLocks noRot="1" noChangeAspect="1" noMove="1" noResize="1" noEditPoints="1" noAdjustHandles="1" noChangeArrowheads="1" noChangeShapeType="1" noTextEdit="1"/>
+              </p:cNvSpPr>
+              <p:nvPr/>
+            </p:nvSpPr>
+            <p:spPr>
+              <a:xfrm>
+                <a:off x="6543421" y="179482"/>
+                <a:ext cx="980387" cy="557204"/>
+              </a:xfrm>
+              <a:prstGeom prst="rect">
+                <a:avLst/>
+              </a:prstGeom>
+              <a:blipFill>
+                <a:blip r:embed="rId7"/>
+                <a:stretch>
+                  <a:fillRect/>
+                </a:stretch>
+              </a:blipFill>
+            </p:spPr>
+            <p:txBody>
+              <a:bodyPr/>
+              <a:lstStyle/>
+              <a:p>
+                <a:r>
+                  <a:rPr lang="ja-JP" altLang="en-US">
+                    <a:noFill/>
+                  </a:rPr>
+                  <a:t> </a:t>
+                </a:r>
+              </a:p>
+            </p:txBody>
+          </p:sp>
+        </mc:Fallback>
+      </mc:AlternateContent>
+      <mc:AlternateContent xmlns:mc="http://schemas.openxmlformats.org/markup-compatibility/2006" xmlns:a14="http://schemas.microsoft.com/office/drawing/2010/main">
+        <mc:Choice Requires="a14">
+          <p:sp>
+            <p:nvSpPr>
+              <p:cNvPr id="38" name="テキスト ボックス 37">
+                <a:extLst>
+                  <a:ext uri="{FF2B5EF4-FFF2-40B4-BE49-F238E27FC236}">
+                    <a16:creationId xmlns:a16="http://schemas.microsoft.com/office/drawing/2014/main" id="{8A8E6033-0EC1-F7C5-9163-07D3F354DD8B}"/>
+                  </a:ext>
+                </a:extLst>
+              </p:cNvPr>
+              <p:cNvSpPr txBox="1"/>
+              <p:nvPr/>
+            </p:nvSpPr>
+            <p:spPr>
+              <a:xfrm>
+                <a:off x="6819258" y="3405993"/>
+                <a:ext cx="980387" cy="523220"/>
+              </a:xfrm>
+              <a:prstGeom prst="rect">
+                <a:avLst/>
+              </a:prstGeom>
+              <a:noFill/>
+            </p:spPr>
+            <p:txBody>
+              <a:bodyPr wrap="square" rtlCol="0">
+                <a:spAutoFit/>
+              </a:bodyPr>
+              <a:lstStyle/>
+              <a:p>
+                <a:pPr/>
+                <a14:m>
+                  <m:oMathPara xmlns:m="http://schemas.openxmlformats.org/officeDocument/2006/math">
+                    <m:oMathParaPr>
+                      <m:jc m:val="centerGroup"/>
+                    </m:oMathParaPr>
+                    <m:oMath xmlns:m="http://schemas.openxmlformats.org/officeDocument/2006/math">
+                      <m:r>
+                        <a:rPr kumimoji="1" lang="en-US" altLang="ja-JP" sz="2800" b="0" i="1" smtClean="0">
+                          <a:latin typeface="Cambria Math" panose="02040503050406030204" pitchFamily="18" charset="0"/>
+                        </a:rPr>
+                        <m:t>1</m:t>
+                      </m:r>
+                    </m:oMath>
+                  </m:oMathPara>
+                </a14:m>
+                <a:endParaRPr kumimoji="1" lang="ja-JP" altLang="en-US" sz="2800" dirty="0"/>
+              </a:p>
+            </p:txBody>
+          </p:sp>
+        </mc:Choice>
+        <mc:Fallback xmlns="">
+          <p:sp>
+            <p:nvSpPr>
+              <p:cNvPr id="38" name="テキスト ボックス 37">
+                <a:extLst>
+                  <a:ext uri="{FF2B5EF4-FFF2-40B4-BE49-F238E27FC236}">
+                    <a16:creationId xmlns:a16="http://schemas.microsoft.com/office/drawing/2014/main" id="{8A8E6033-0EC1-F7C5-9163-07D3F354DD8B}"/>
+                  </a:ext>
+                </a:extLst>
+              </p:cNvPr>
+              <p:cNvSpPr txBox="1">
+                <a:spLocks noRot="1" noChangeAspect="1" noMove="1" noResize="1" noEditPoints="1" noAdjustHandles="1" noChangeArrowheads="1" noChangeShapeType="1" noTextEdit="1"/>
+              </p:cNvSpPr>
+              <p:nvPr/>
+            </p:nvSpPr>
+            <p:spPr>
+              <a:xfrm>
+                <a:off x="6819258" y="3405993"/>
+                <a:ext cx="980387" cy="523220"/>
+              </a:xfrm>
+              <a:prstGeom prst="rect">
+                <a:avLst/>
+              </a:prstGeom>
+              <a:blipFill>
+                <a:blip r:embed="rId8"/>
+                <a:stretch>
+                  <a:fillRect/>
+                </a:stretch>
+              </a:blipFill>
+            </p:spPr>
+            <p:txBody>
+              <a:bodyPr/>
+              <a:lstStyle/>
+              <a:p>
+                <a:r>
+                  <a:rPr lang="ja-JP" altLang="en-US">
+                    <a:noFill/>
+                  </a:rPr>
+                  <a:t> </a:t>
+                </a:r>
+              </a:p>
+            </p:txBody>
+          </p:sp>
+        </mc:Fallback>
+      </mc:AlternateContent>
+      <mc:AlternateContent xmlns:mc="http://schemas.openxmlformats.org/markup-compatibility/2006" xmlns:a14="http://schemas.microsoft.com/office/drawing/2010/main">
+        <mc:Choice Requires="a14">
+          <p:sp>
+            <p:nvSpPr>
+              <p:cNvPr id="39" name="テキスト ボックス 38">
+                <a:extLst>
+                  <a:ext uri="{FF2B5EF4-FFF2-40B4-BE49-F238E27FC236}">
+                    <a16:creationId xmlns:a16="http://schemas.microsoft.com/office/drawing/2014/main" id="{5F447098-5667-6938-0B5C-48EA3EB30AC6}"/>
+                  </a:ext>
+                </a:extLst>
+              </p:cNvPr>
+              <p:cNvSpPr txBox="1"/>
+              <p:nvPr/>
+            </p:nvSpPr>
+            <p:spPr>
+              <a:xfrm>
+                <a:off x="4347775" y="2968525"/>
+                <a:ext cx="980387" cy="523220"/>
+              </a:xfrm>
+              <a:prstGeom prst="rect">
+                <a:avLst/>
+              </a:prstGeom>
+              <a:noFill/>
+            </p:spPr>
+            <p:txBody>
+              <a:bodyPr wrap="square" rtlCol="0">
+                <a:spAutoFit/>
+              </a:bodyPr>
+              <a:lstStyle/>
+              <a:p>
+                <a:pPr/>
+                <a14:m>
+                  <m:oMathPara xmlns:m="http://schemas.openxmlformats.org/officeDocument/2006/math">
+                    <m:oMathParaPr>
+                      <m:jc m:val="centerGroup"/>
+                    </m:oMathParaPr>
+                    <m:oMath xmlns:m="http://schemas.openxmlformats.org/officeDocument/2006/math">
+                      <m:r>
+                        <a:rPr kumimoji="1" lang="en-US" altLang="ja-JP" sz="2800" b="0" i="1" smtClean="0">
+                          <a:latin typeface="Cambria Math" panose="02040503050406030204" pitchFamily="18" charset="0"/>
+                        </a:rPr>
+                        <m:t>3</m:t>
+                      </m:r>
+                    </m:oMath>
+                  </m:oMathPara>
+                </a14:m>
+                <a:endParaRPr kumimoji="1" lang="ja-JP" altLang="en-US" sz="2800" dirty="0"/>
+              </a:p>
+            </p:txBody>
+          </p:sp>
+        </mc:Choice>
+        <mc:Fallback xmlns="">
+          <p:sp>
+            <p:nvSpPr>
+              <p:cNvPr id="39" name="テキスト ボックス 38">
+                <a:extLst>
+                  <a:ext uri="{FF2B5EF4-FFF2-40B4-BE49-F238E27FC236}">
+                    <a16:creationId xmlns:a16="http://schemas.microsoft.com/office/drawing/2014/main" id="{5F447098-5667-6938-0B5C-48EA3EB30AC6}"/>
+                  </a:ext>
+                </a:extLst>
+              </p:cNvPr>
+              <p:cNvSpPr txBox="1">
+                <a:spLocks noRot="1" noChangeAspect="1" noMove="1" noResize="1" noEditPoints="1" noAdjustHandles="1" noChangeArrowheads="1" noChangeShapeType="1" noTextEdit="1"/>
+              </p:cNvSpPr>
+              <p:nvPr/>
+            </p:nvSpPr>
+            <p:spPr>
+              <a:xfrm>
+                <a:off x="4347775" y="2968525"/>
+                <a:ext cx="980387" cy="523220"/>
+              </a:xfrm>
+              <a:prstGeom prst="rect">
+                <a:avLst/>
+              </a:prstGeom>
+              <a:blipFill>
+                <a:blip r:embed="rId9"/>
+                <a:stretch>
+                  <a:fillRect/>
+                </a:stretch>
+              </a:blipFill>
+            </p:spPr>
+            <p:txBody>
+              <a:bodyPr/>
+              <a:lstStyle/>
+              <a:p>
+                <a:r>
+                  <a:rPr lang="ja-JP" altLang="en-US">
+                    <a:noFill/>
+                  </a:rPr>
+                  <a:t> </a:t>
+                </a:r>
+              </a:p>
+            </p:txBody>
+          </p:sp>
+        </mc:Fallback>
+      </mc:AlternateContent>
+      <mc:AlternateContent xmlns:mc="http://schemas.openxmlformats.org/markup-compatibility/2006" xmlns:a14="http://schemas.microsoft.com/office/drawing/2010/main">
+        <mc:Choice Requires="a14">
+          <p:sp>
+            <p:nvSpPr>
+              <p:cNvPr id="40" name="テキスト ボックス 39">
+                <a:extLst>
+                  <a:ext uri="{FF2B5EF4-FFF2-40B4-BE49-F238E27FC236}">
+                    <a16:creationId xmlns:a16="http://schemas.microsoft.com/office/drawing/2014/main" id="{331C5E09-DE7F-182E-BE4E-1D87F4078E6D}"/>
+                  </a:ext>
+                </a:extLst>
+              </p:cNvPr>
+              <p:cNvSpPr txBox="1"/>
+              <p:nvPr/>
+            </p:nvSpPr>
+            <p:spPr>
+              <a:xfrm>
+                <a:off x="4639087" y="1032203"/>
+                <a:ext cx="980387" cy="523220"/>
+              </a:xfrm>
+              <a:prstGeom prst="rect">
+                <a:avLst/>
+              </a:prstGeom>
+              <a:noFill/>
+            </p:spPr>
+            <p:txBody>
+              <a:bodyPr wrap="square" rtlCol="0">
+                <a:spAutoFit/>
+              </a:bodyPr>
+              <a:lstStyle/>
+              <a:p>
+                <a:pPr/>
+                <a14:m>
+                  <m:oMathPara xmlns:m="http://schemas.openxmlformats.org/officeDocument/2006/math">
+                    <m:oMathParaPr>
+                      <m:jc m:val="centerGroup"/>
+                    </m:oMathParaPr>
+                    <m:oMath xmlns:m="http://schemas.openxmlformats.org/officeDocument/2006/math">
+                      <m:r>
+                        <a:rPr kumimoji="1" lang="en-US" altLang="ja-JP" sz="2800" b="0" i="1" smtClean="0">
+                          <a:latin typeface="Cambria Math" panose="02040503050406030204" pitchFamily="18" charset="0"/>
+                        </a:rPr>
+                        <m:t>4</m:t>
+                      </m:r>
+                    </m:oMath>
+                  </m:oMathPara>
+                </a14:m>
+                <a:endParaRPr kumimoji="1" lang="ja-JP" altLang="en-US" sz="2800" dirty="0"/>
+              </a:p>
+            </p:txBody>
+          </p:sp>
+        </mc:Choice>
+        <mc:Fallback xmlns="">
+          <p:sp>
+            <p:nvSpPr>
+              <p:cNvPr id="40" name="テキスト ボックス 39">
+                <a:extLst>
+                  <a:ext uri="{FF2B5EF4-FFF2-40B4-BE49-F238E27FC236}">
+                    <a16:creationId xmlns:a16="http://schemas.microsoft.com/office/drawing/2014/main" id="{331C5E09-DE7F-182E-BE4E-1D87F4078E6D}"/>
+                  </a:ext>
+                </a:extLst>
+              </p:cNvPr>
+              <p:cNvSpPr txBox="1">
+                <a:spLocks noRot="1" noChangeAspect="1" noMove="1" noResize="1" noEditPoints="1" noAdjustHandles="1" noChangeArrowheads="1" noChangeShapeType="1" noTextEdit="1"/>
+              </p:cNvSpPr>
+              <p:nvPr/>
+            </p:nvSpPr>
+            <p:spPr>
+              <a:xfrm>
+                <a:off x="4639087" y="1032203"/>
+                <a:ext cx="980387" cy="523220"/>
+              </a:xfrm>
+              <a:prstGeom prst="rect">
+                <a:avLst/>
+              </a:prstGeom>
+              <a:blipFill>
+                <a:blip r:embed="rId10"/>
+                <a:stretch>
+                  <a:fillRect/>
+                </a:stretch>
+              </a:blipFill>
+            </p:spPr>
+            <p:txBody>
+              <a:bodyPr/>
+              <a:lstStyle/>
+              <a:p>
+                <a:r>
+                  <a:rPr lang="ja-JP" altLang="en-US">
+                    <a:noFill/>
+                  </a:rPr>
+                  <a:t> </a:t>
+                </a:r>
+              </a:p>
+            </p:txBody>
+          </p:sp>
+        </mc:Fallback>
+      </mc:AlternateContent>
+      <mc:AlternateContent xmlns:mc="http://schemas.openxmlformats.org/markup-compatibility/2006">
+        <mc:Choice xmlns:a14="http://schemas.microsoft.com/office/drawing/2010/main" Requires="a14">
+          <p:sp>
+            <p:nvSpPr>
+              <p:cNvPr id="21" name="テキスト ボックス 20">
+                <a:extLst>
+                  <a:ext uri="{FF2B5EF4-FFF2-40B4-BE49-F238E27FC236}">
+                    <a16:creationId xmlns:a16="http://schemas.microsoft.com/office/drawing/2014/main" id="{44C0072E-AEC5-0981-F4D8-46C7A6F3F61F}"/>
+                  </a:ext>
+                </a:extLst>
+              </p:cNvPr>
+              <p:cNvSpPr txBox="1"/>
+              <p:nvPr/>
+            </p:nvSpPr>
+            <p:spPr>
+              <a:xfrm>
+                <a:off x="5977568" y="976502"/>
+                <a:ext cx="980387" cy="523220"/>
+              </a:xfrm>
+              <a:prstGeom prst="rect">
+                <a:avLst/>
+              </a:prstGeom>
+              <a:noFill/>
+            </p:spPr>
+            <p:txBody>
+              <a:bodyPr wrap="square" rtlCol="0">
+                <a:spAutoFit/>
+              </a:bodyPr>
+              <a:lstStyle/>
+              <a:p>
+                <a:pPr/>
+                <a14:m>
+                  <m:oMathPara xmlns:m="http://schemas.openxmlformats.org/officeDocument/2006/math">
+                    <m:oMathParaPr>
+                      <m:jc m:val="centerGroup"/>
+                    </m:oMathParaPr>
+                    <m:oMath xmlns:m="http://schemas.openxmlformats.org/officeDocument/2006/math">
+                      <m:r>
+                        <a:rPr lang="ja-JP" altLang="en-US" sz="2800" i="1">
+                          <a:latin typeface="Cambria Math" panose="02040503050406030204" pitchFamily="18" charset="0"/>
+                        </a:rPr>
+                        <m:t>前</m:t>
+                      </m:r>
+                    </m:oMath>
+                  </m:oMathPara>
+                </a14:m>
+                <a:endParaRPr kumimoji="1" lang="ja-JP" altLang="en-US" sz="2800" dirty="0"/>
+              </a:p>
+            </p:txBody>
+          </p:sp>
+        </mc:Choice>
+        <mc:Fallback>
+          <p:sp>
+            <p:nvSpPr>
+              <p:cNvPr id="21" name="テキスト ボックス 20">
+                <a:extLst>
+                  <a:ext uri="{FF2B5EF4-FFF2-40B4-BE49-F238E27FC236}">
+                    <a16:creationId xmlns:a16="http://schemas.microsoft.com/office/drawing/2014/main" id="{44C0072E-AEC5-0981-F4D8-46C7A6F3F61F}"/>
+                  </a:ext>
+                </a:extLst>
+              </p:cNvPr>
+              <p:cNvSpPr txBox="1">
+                <a:spLocks noRot="1" noChangeAspect="1" noMove="1" noResize="1" noEditPoints="1" noAdjustHandles="1" noChangeArrowheads="1" noChangeShapeType="1" noTextEdit="1"/>
+              </p:cNvSpPr>
+              <p:nvPr/>
+            </p:nvSpPr>
+            <p:spPr>
+              <a:xfrm>
+                <a:off x="5977568" y="976502"/>
+                <a:ext cx="980387" cy="523220"/>
+              </a:xfrm>
+              <a:prstGeom prst="rect">
+                <a:avLst/>
+              </a:prstGeom>
+              <a:blipFill>
+                <a:blip r:embed="rId11"/>
+                <a:stretch>
+                  <a:fillRect/>
+                </a:stretch>
+              </a:blipFill>
+            </p:spPr>
+            <p:txBody>
+              <a:bodyPr/>
+              <a:lstStyle/>
+              <a:p>
+                <a:r>
+                  <a:rPr lang="ja-JP" altLang="en-US">
+                    <a:noFill/>
+                  </a:rPr>
+                  <a:t> </a:t>
+                </a:r>
+              </a:p>
+            </p:txBody>
+          </p:sp>
+        </mc:Fallback>
+      </mc:AlternateContent>
+    </p:spTree>
+    <p:extLst>
+      <p:ext uri="{BB962C8B-B14F-4D97-AF65-F5344CB8AC3E}">
+        <p14:creationId xmlns:p14="http://schemas.microsoft.com/office/powerpoint/2010/main" val="3812710556"/>
+      </p:ext>
+    </p:extLst>
+  </p:cSld>
+  <p:clrMapOvr>
+    <a:masterClrMapping/>
+  </p:clrMapOvr>
 </p:sld>
 </file>
 
